--- a/Defensa TFG.pptx
+++ b/Defensa TFG.pptx
@@ -8,6 +8,9 @@
     <p:sldId id="256" r:id="rId2"/>
     <p:sldId id="258" r:id="rId3"/>
     <p:sldId id="257" r:id="rId4"/>
+    <p:sldId id="259" r:id="rId5"/>
+    <p:sldId id="260" r:id="rId6"/>
+    <p:sldId id="261" r:id="rId7"/>
   </p:sldIdLst>
   <p:sldSz cx="12192000" cy="6858000"/>
   <p:notesSz cx="6858000" cy="9144000"/>
@@ -106,6 +109,11 @@
       </a:defRPr>
     </a:lvl9pPr>
   </p:defaultTextStyle>
+  <p:extLst>
+    <p:ext uri="{EFAFB233-063F-42B5-8137-9DF3F51BA10A}">
+      <p15:sldGuideLst xmlns:p15="http://schemas.microsoft.com/office/powerpoint/2012/main"/>
+    </p:ext>
+  </p:extLst>
 </p:presentation>
 </file>
 
@@ -1104,7 +1112,7 @@
           <a:p>
             <a:fld id="{DCD2F85C-5785-4909-909D-72FCCDF8845C}" type="datetimeFigureOut">
               <a:rPr lang="es-ES" smtClean="0"/>
-              <a:t>20/10/2019</a:t>
+              <a:t>05/11/2019</a:t>
             </a:fld>
             <a:endParaRPr lang="es-ES"/>
           </a:p>
@@ -1352,7 +1360,7 @@
           <a:p>
             <a:fld id="{DCD2F85C-5785-4909-909D-72FCCDF8845C}" type="datetimeFigureOut">
               <a:rPr lang="es-ES" smtClean="0"/>
-              <a:t>20/10/2019</a:t>
+              <a:t>05/11/2019</a:t>
             </a:fld>
             <a:endParaRPr lang="es-ES"/>
           </a:p>
@@ -1892,7 +1900,7 @@
           <a:p>
             <a:fld id="{DCD2F85C-5785-4909-909D-72FCCDF8845C}" type="datetimeFigureOut">
               <a:rPr lang="es-ES" smtClean="0"/>
-              <a:t>20/10/2019</a:t>
+              <a:t>05/11/2019</a:t>
             </a:fld>
             <a:endParaRPr lang="es-ES"/>
           </a:p>
@@ -2140,7 +2148,7 @@
           <a:p>
             <a:fld id="{DCD2F85C-5785-4909-909D-72FCCDF8845C}" type="datetimeFigureOut">
               <a:rPr lang="es-ES" smtClean="0"/>
-              <a:t>20/10/2019</a:t>
+              <a:t>05/11/2019</a:t>
             </a:fld>
             <a:endParaRPr lang="es-ES"/>
           </a:p>
@@ -2672,7 +2680,7 @@
           <a:p>
             <a:fld id="{DCD2F85C-5785-4909-909D-72FCCDF8845C}" type="datetimeFigureOut">
               <a:rPr lang="es-ES" smtClean="0"/>
-              <a:t>20/10/2019</a:t>
+              <a:t>05/11/2019</a:t>
             </a:fld>
             <a:endParaRPr lang="es-ES"/>
           </a:p>
@@ -2969,7 +2977,7 @@
           <a:p>
             <a:fld id="{DCD2F85C-5785-4909-909D-72FCCDF8845C}" type="datetimeFigureOut">
               <a:rPr lang="es-ES" smtClean="0"/>
-              <a:t>20/10/2019</a:t>
+              <a:t>05/11/2019</a:t>
             </a:fld>
             <a:endParaRPr lang="es-ES"/>
           </a:p>
@@ -3143,7 +3151,7 @@
           <a:p>
             <a:fld id="{DCD2F85C-5785-4909-909D-72FCCDF8845C}" type="datetimeFigureOut">
               <a:rPr lang="es-ES" smtClean="0"/>
-              <a:t>20/10/2019</a:t>
+              <a:t>05/11/2019</a:t>
             </a:fld>
             <a:endParaRPr lang="es-ES"/>
           </a:p>
@@ -3323,7 +3331,7 @@
           <a:p>
             <a:fld id="{DCD2F85C-5785-4909-909D-72FCCDF8845C}" type="datetimeFigureOut">
               <a:rPr lang="es-ES" smtClean="0"/>
-              <a:t>20/10/2019</a:t>
+              <a:t>05/11/2019</a:t>
             </a:fld>
             <a:endParaRPr lang="es-ES"/>
           </a:p>
@@ -3614,8 +3622,8 @@
         </p:blipFill>
         <p:spPr>
           <a:xfrm>
-            <a:off x="10317093" y="0"/>
-            <a:ext cx="1876401" cy="1876401"/>
+            <a:off x="10828157" y="0"/>
+            <a:ext cx="1365337" cy="1365337"/>
           </a:xfrm>
           <a:prstGeom prst="rect">
             <a:avLst/>
@@ -3827,7 +3835,7 @@
           <a:p>
             <a:fld id="{DCD2F85C-5785-4909-909D-72FCCDF8845C}" type="datetimeFigureOut">
               <a:rPr lang="es-ES" smtClean="0"/>
-              <a:t>20/10/2019</a:t>
+              <a:t>05/11/2019</a:t>
             </a:fld>
             <a:endParaRPr lang="es-ES"/>
           </a:p>
@@ -4131,7 +4139,7 @@
           <a:p>
             <a:fld id="{DCD2F85C-5785-4909-909D-72FCCDF8845C}" type="datetimeFigureOut">
               <a:rPr lang="es-ES" smtClean="0"/>
-              <a:t>20/10/2019</a:t>
+              <a:t>05/11/2019</a:t>
             </a:fld>
             <a:endParaRPr lang="es-ES"/>
           </a:p>
@@ -4580,7 +4588,7 @@
           <a:p>
             <a:fld id="{DCD2F85C-5785-4909-909D-72FCCDF8845C}" type="datetimeFigureOut">
               <a:rPr lang="es-ES" smtClean="0"/>
-              <a:t>20/10/2019</a:t>
+              <a:t>05/11/2019</a:t>
             </a:fld>
             <a:endParaRPr lang="es-ES"/>
           </a:p>
@@ -4705,7 +4713,7 @@
           <a:p>
             <a:fld id="{DCD2F85C-5785-4909-909D-72FCCDF8845C}" type="datetimeFigureOut">
               <a:rPr lang="es-ES" smtClean="0"/>
-              <a:t>20/10/2019</a:t>
+              <a:t>05/11/2019</a:t>
             </a:fld>
             <a:endParaRPr lang="es-ES"/>
           </a:p>
@@ -4807,7 +4815,7 @@
           <a:p>
             <a:fld id="{DCD2F85C-5785-4909-909D-72FCCDF8845C}" type="datetimeFigureOut">
               <a:rPr lang="es-ES" smtClean="0"/>
-              <a:t>20/10/2019</a:t>
+              <a:t>05/11/2019</a:t>
             </a:fld>
             <a:endParaRPr lang="es-ES"/>
           </a:p>
@@ -5090,7 +5098,7 @@
           <a:p>
             <a:fld id="{DCD2F85C-5785-4909-909D-72FCCDF8845C}" type="datetimeFigureOut">
               <a:rPr lang="es-ES" smtClean="0"/>
-              <a:t>20/10/2019</a:t>
+              <a:t>05/11/2019</a:t>
             </a:fld>
             <a:endParaRPr lang="es-ES"/>
           </a:p>
@@ -5381,7 +5389,7 @@
           <a:p>
             <a:fld id="{DCD2F85C-5785-4909-909D-72FCCDF8845C}" type="datetimeFigureOut">
               <a:rPr lang="es-ES" smtClean="0"/>
-              <a:t>20/10/2019</a:t>
+              <a:t>05/11/2019</a:t>
             </a:fld>
             <a:endParaRPr lang="es-ES"/>
           </a:p>
@@ -5946,7 +5954,7 @@
           <a:p>
             <a:fld id="{DCD2F85C-5785-4909-909D-72FCCDF8845C}" type="datetimeFigureOut">
               <a:rPr lang="es-ES" smtClean="0"/>
-              <a:t>20/10/2019</a:t>
+              <a:t>05/11/2019</a:t>
             </a:fld>
             <a:endParaRPr lang="es-ES"/>
           </a:p>
@@ -6593,12 +6601,16 @@
   <p:clrMapOvr>
     <a:masterClrMapping/>
   </p:clrMapOvr>
-  <mc:AlternateContent xmlns:mc="http://schemas.openxmlformats.org/markup-compatibility/2006">
-    <mc:Choice xmlns:p14="http://schemas.microsoft.com/office/powerpoint/2010/main" Requires="p14">
-      <p:transition p14:dur="10" advClick="0" advTm="10000"/>
+  <mc:AlternateContent xmlns:mc="http://schemas.openxmlformats.org/markup-compatibility/2006" xmlns:p14="http://schemas.microsoft.com/office/powerpoint/2010/main">
+    <mc:Choice Requires="p14">
+      <p:transition spd="med" p14:dur="700" advClick="0" advTm="10000">
+        <p:fade/>
+      </p:transition>
     </mc:Choice>
-    <mc:Fallback>
-      <p:transition advClick="0" advTm="10000"/>
+    <mc:Fallback xmlns="">
+      <p:transition spd="med" advClick="0" advTm="10000">
+        <p:fade/>
+      </p:transition>
     </mc:Fallback>
   </mc:AlternateContent>
   <p:timing>
@@ -6630,46 +6642,470 @@
       </p:grpSpPr>
       <p:sp>
         <p:nvSpPr>
-          <p:cNvPr id="2" name="Título 1"/>
-          <p:cNvSpPr>
-            <a:spLocks noGrp="1"/>
-          </p:cNvSpPr>
-          <p:nvPr>
-            <p:ph type="title"/>
-          </p:nvPr>
-        </p:nvSpPr>
-        <p:spPr/>
-        <p:txBody>
-          <a:bodyPr/>
+          <p:cNvPr id="4" name="Elipse 3"/>
+          <p:cNvSpPr/>
+          <p:nvPr/>
+        </p:nvSpPr>
+        <p:spPr>
+          <a:xfrm>
+            <a:off x="573879" y="299764"/>
+            <a:ext cx="1734670" cy="1748119"/>
+          </a:xfrm>
+          <a:prstGeom prst="ellipse">
+            <a:avLst/>
+          </a:prstGeom>
+          <a:solidFill>
+            <a:srgbClr val="548494"/>
+          </a:solidFill>
+          <a:ln w="19050">
+            <a:solidFill>
+              <a:schemeClr val="tx2">
+                <a:lumMod val="75000"/>
+                <a:lumOff val="25000"/>
+              </a:schemeClr>
+            </a:solidFill>
+          </a:ln>
+        </p:spPr>
+        <p:style>
+          <a:lnRef idx="2">
+            <a:schemeClr val="accent1">
+              <a:shade val="50000"/>
+            </a:schemeClr>
+          </a:lnRef>
+          <a:fillRef idx="1">
+            <a:schemeClr val="accent1"/>
+          </a:fillRef>
+          <a:effectRef idx="0">
+            <a:schemeClr val="accent1"/>
+          </a:effectRef>
+          <a:fontRef idx="minor">
+            <a:schemeClr val="lt1"/>
+          </a:fontRef>
+        </p:style>
+        <p:txBody>
+          <a:bodyPr wrap="square" lIns="0" rIns="0" rtlCol="0" anchor="ctr"/>
           <a:lstStyle/>
           <a:p>
-            <a:endParaRPr lang="es-ES"/>
-          </a:p>
-        </p:txBody>
-      </p:sp>
-      <p:sp>
-        <p:nvSpPr>
-          <p:cNvPr id="3" name="Marcador de contenido 2"/>
-          <p:cNvSpPr>
-            <a:spLocks noGrp="1"/>
-          </p:cNvSpPr>
-          <p:nvPr>
-            <p:ph idx="1"/>
-          </p:nvPr>
-        </p:nvSpPr>
-        <p:spPr/>
-        <p:txBody>
-          <a:bodyPr/>
+            <a:pPr algn="ctr"/>
+            <a:r>
+              <a:rPr lang="es-ES" b="1" dirty="0" smtClean="0">
+                <a:solidFill>
+                  <a:schemeClr val="bg1"/>
+                </a:solidFill>
+                <a:latin typeface="Calibri" panose="020F0502020204030204" pitchFamily="34" charset="0"/>
+                <a:cs typeface="Calibri" panose="020F0502020204030204" pitchFamily="34" charset="0"/>
+              </a:rPr>
+              <a:t>Presentación</a:t>
+            </a:r>
+            <a:endParaRPr lang="es-ES" b="1" dirty="0">
+              <a:solidFill>
+                <a:schemeClr val="bg1"/>
+              </a:solidFill>
+              <a:latin typeface="Calibri" panose="020F0502020204030204" pitchFamily="34" charset="0"/>
+              <a:cs typeface="Calibri" panose="020F0502020204030204" pitchFamily="34" charset="0"/>
+            </a:endParaRPr>
+          </a:p>
+        </p:txBody>
+      </p:sp>
+      <p:grpSp>
+        <p:nvGrpSpPr>
+          <p:cNvPr id="10" name="Grupo 9"/>
+          <p:cNvGrpSpPr/>
+          <p:nvPr/>
+        </p:nvGrpSpPr>
+        <p:grpSpPr>
+          <a:xfrm>
+            <a:off x="950400" y="1421056"/>
+            <a:ext cx="5185808" cy="5128920"/>
+            <a:chOff x="2308549" y="814681"/>
+            <a:chExt cx="5185808" cy="5128920"/>
+          </a:xfrm>
+        </p:grpSpPr>
+        <p:sp>
+          <p:nvSpPr>
+            <p:cNvPr id="5" name="Elipse 4"/>
+            <p:cNvSpPr/>
+            <p:nvPr/>
+          </p:nvSpPr>
+          <p:spPr>
+            <a:xfrm>
+              <a:off x="2308549" y="814681"/>
+              <a:ext cx="5185808" cy="5128920"/>
+            </a:xfrm>
+            <a:prstGeom prst="ellipse">
+              <a:avLst/>
+            </a:prstGeom>
+            <a:solidFill>
+              <a:srgbClr val="548494"/>
+            </a:solidFill>
+            <a:ln w="19050">
+              <a:solidFill>
+                <a:schemeClr val="tx2">
+                  <a:lumMod val="75000"/>
+                  <a:lumOff val="25000"/>
+                </a:schemeClr>
+              </a:solidFill>
+            </a:ln>
+          </p:spPr>
+          <p:style>
+            <a:lnRef idx="2">
+              <a:schemeClr val="accent1">
+                <a:shade val="50000"/>
+              </a:schemeClr>
+            </a:lnRef>
+            <a:fillRef idx="1">
+              <a:schemeClr val="accent1"/>
+            </a:fillRef>
+            <a:effectRef idx="0">
+              <a:schemeClr val="accent1"/>
+            </a:effectRef>
+            <a:fontRef idx="minor">
+              <a:schemeClr val="lt1"/>
+            </a:fontRef>
+          </p:style>
+          <p:txBody>
+            <a:bodyPr wrap="square" lIns="0" rIns="0" rtlCol="0" anchor="ctr"/>
+            <a:lstStyle/>
+            <a:p>
+              <a:pPr algn="ctr"/>
+              <a:endParaRPr lang="es-ES" b="1" dirty="0">
+                <a:solidFill>
+                  <a:schemeClr val="bg1"/>
+                </a:solidFill>
+                <a:latin typeface="Calibri" panose="020F0502020204030204" pitchFamily="34" charset="0"/>
+                <a:cs typeface="Calibri" panose="020F0502020204030204" pitchFamily="34" charset="0"/>
+              </a:endParaRPr>
+            </a:p>
+          </p:txBody>
+        </p:sp>
+        <p:sp>
+          <p:nvSpPr>
+            <p:cNvPr id="3" name="CuadroTexto 2"/>
+            <p:cNvSpPr txBox="1"/>
+            <p:nvPr/>
+          </p:nvSpPr>
+          <p:spPr>
+            <a:xfrm>
+              <a:off x="2944905" y="1792389"/>
+              <a:ext cx="4119145" cy="1077218"/>
+            </a:xfrm>
+            <a:prstGeom prst="rect">
+              <a:avLst/>
+            </a:prstGeom>
+            <a:noFill/>
+          </p:spPr>
+          <p:txBody>
+            <a:bodyPr wrap="square" rtlCol="0">
+              <a:spAutoFit/>
+            </a:bodyPr>
+            <a:lstStyle/>
+            <a:p>
+              <a:pPr algn="ctr"/>
+              <a:r>
+                <a:rPr lang="es-ES" sz="3200" b="1" dirty="0" smtClean="0">
+                  <a:solidFill>
+                    <a:schemeClr val="bg1"/>
+                  </a:solidFill>
+                  <a:latin typeface="Calibri" panose="020F0502020204030204" pitchFamily="34" charset="0"/>
+                  <a:cs typeface="Calibri" panose="020F0502020204030204" pitchFamily="34" charset="0"/>
+                </a:rPr>
+                <a:t>Nuevo paradigma de aplicaciones de gestión</a:t>
+              </a:r>
+              <a:endParaRPr lang="es-ES" sz="3200" b="1" dirty="0">
+                <a:solidFill>
+                  <a:schemeClr val="bg1"/>
+                </a:solidFill>
+                <a:latin typeface="Calibri" panose="020F0502020204030204" pitchFamily="34" charset="0"/>
+                <a:cs typeface="Calibri" panose="020F0502020204030204" pitchFamily="34" charset="0"/>
+              </a:endParaRPr>
+            </a:p>
+          </p:txBody>
+        </p:sp>
+        <p:sp>
+          <p:nvSpPr>
+            <p:cNvPr id="6" name="CuadroTexto 5"/>
+            <p:cNvSpPr txBox="1"/>
+            <p:nvPr/>
+          </p:nvSpPr>
+          <p:spPr>
+            <a:xfrm>
+              <a:off x="2841880" y="2869607"/>
+              <a:ext cx="4119145" cy="1015663"/>
+            </a:xfrm>
+            <a:prstGeom prst="rect">
+              <a:avLst/>
+            </a:prstGeom>
+            <a:noFill/>
+          </p:spPr>
+          <p:txBody>
+            <a:bodyPr wrap="square" rtlCol="0">
+              <a:spAutoFit/>
+            </a:bodyPr>
+            <a:lstStyle/>
+            <a:p>
+              <a:pPr algn="ctr"/>
+              <a:r>
+                <a:rPr lang="es-ES" sz="6000" b="1" dirty="0" err="1" smtClean="0">
+                  <a:solidFill>
+                    <a:schemeClr val="bg1"/>
+                  </a:solidFill>
+                  <a:latin typeface="Calibri" panose="020F0502020204030204" pitchFamily="34" charset="0"/>
+                  <a:cs typeface="Calibri" panose="020F0502020204030204" pitchFamily="34" charset="0"/>
+                </a:rPr>
+                <a:t>dApp</a:t>
+              </a:r>
+              <a:endParaRPr lang="es-ES" sz="3200" b="1" dirty="0">
+                <a:solidFill>
+                  <a:schemeClr val="bg1"/>
+                </a:solidFill>
+                <a:latin typeface="Calibri" panose="020F0502020204030204" pitchFamily="34" charset="0"/>
+                <a:cs typeface="Calibri" panose="020F0502020204030204" pitchFamily="34" charset="0"/>
+              </a:endParaRPr>
+            </a:p>
+          </p:txBody>
+        </p:sp>
+        <p:sp>
+          <p:nvSpPr>
+            <p:cNvPr id="7" name="CuadroTexto 6"/>
+            <p:cNvSpPr txBox="1"/>
+            <p:nvPr/>
+          </p:nvSpPr>
+          <p:spPr>
+            <a:xfrm>
+              <a:off x="2841879" y="3885270"/>
+              <a:ext cx="4119145" cy="1323439"/>
+            </a:xfrm>
+            <a:prstGeom prst="rect">
+              <a:avLst/>
+            </a:prstGeom>
+            <a:noFill/>
+          </p:spPr>
+          <p:txBody>
+            <a:bodyPr wrap="square" rtlCol="0">
+              <a:spAutoFit/>
+            </a:bodyPr>
+            <a:lstStyle/>
+            <a:p>
+              <a:pPr algn="ctr"/>
+              <a:r>
+                <a:rPr lang="es-ES" sz="4000" b="1" dirty="0" err="1" smtClean="0">
+                  <a:solidFill>
+                    <a:schemeClr val="bg1"/>
+                  </a:solidFill>
+                  <a:latin typeface="Calibri" panose="020F0502020204030204" pitchFamily="34" charset="0"/>
+                  <a:cs typeface="Calibri" panose="020F0502020204030204" pitchFamily="34" charset="0"/>
+                </a:rPr>
+                <a:t>decentralized</a:t>
+              </a:r>
+              <a:r>
+                <a:rPr lang="es-ES" sz="4000" b="1" dirty="0" smtClean="0">
+                  <a:solidFill>
+                    <a:schemeClr val="bg1"/>
+                  </a:solidFill>
+                  <a:latin typeface="Calibri" panose="020F0502020204030204" pitchFamily="34" charset="0"/>
+                  <a:cs typeface="Calibri" panose="020F0502020204030204" pitchFamily="34" charset="0"/>
+                </a:rPr>
+                <a:t> </a:t>
+              </a:r>
+              <a:r>
+                <a:rPr lang="es-ES" sz="4000" b="1" dirty="0" err="1" smtClean="0">
+                  <a:solidFill>
+                    <a:schemeClr val="bg1"/>
+                  </a:solidFill>
+                  <a:latin typeface="Calibri" panose="020F0502020204030204" pitchFamily="34" charset="0"/>
+                  <a:cs typeface="Calibri" panose="020F0502020204030204" pitchFamily="34" charset="0"/>
+                </a:rPr>
+                <a:t>Applications</a:t>
+              </a:r>
+              <a:endParaRPr lang="es-ES" sz="4000" b="1" dirty="0">
+                <a:solidFill>
+                  <a:schemeClr val="bg1"/>
+                </a:solidFill>
+                <a:latin typeface="Calibri" panose="020F0502020204030204" pitchFamily="34" charset="0"/>
+                <a:cs typeface="Calibri" panose="020F0502020204030204" pitchFamily="34" charset="0"/>
+              </a:endParaRPr>
+            </a:p>
+          </p:txBody>
+        </p:sp>
+      </p:grpSp>
+      <p:sp>
+        <p:nvSpPr>
+          <p:cNvPr id="11" name="Rectángulo 10"/>
+          <p:cNvSpPr/>
+          <p:nvPr/>
+        </p:nvSpPr>
+        <p:spPr>
+          <a:xfrm>
+            <a:off x="6373906" y="540840"/>
+            <a:ext cx="4787153" cy="1569660"/>
+          </a:xfrm>
+          <a:prstGeom prst="rect">
+            <a:avLst/>
+          </a:prstGeom>
+        </p:spPr>
+        <p:txBody>
+          <a:bodyPr wrap="square">
+            <a:spAutoFit/>
+          </a:bodyPr>
           <a:lstStyle/>
           <a:p>
-            <a:endParaRPr lang="es-ES"/>
-          </a:p>
-        </p:txBody>
-      </p:sp>
+            <a:r>
+              <a:rPr lang="es-ES" sz="3200" b="1" dirty="0">
+                <a:solidFill>
+                  <a:srgbClr val="548494"/>
+                </a:solidFill>
+                <a:latin typeface="Calibri" panose="020F0502020204030204" pitchFamily="34" charset="0"/>
+                <a:cs typeface="Calibri" panose="020F0502020204030204" pitchFamily="34" charset="0"/>
+              </a:rPr>
+              <a:t>"Aplicación que tiene su </a:t>
+            </a:r>
+            <a:r>
+              <a:rPr lang="es-ES" sz="3200" b="1" dirty="0" err="1">
+                <a:solidFill>
+                  <a:srgbClr val="548494"/>
+                </a:solidFill>
+                <a:latin typeface="Calibri" panose="020F0502020204030204" pitchFamily="34" charset="0"/>
+                <a:cs typeface="Calibri" panose="020F0502020204030204" pitchFamily="34" charset="0"/>
+              </a:rPr>
+              <a:t>backend</a:t>
+            </a:r>
+            <a:r>
+              <a:rPr lang="es-ES" sz="3200" b="1" dirty="0">
+                <a:solidFill>
+                  <a:srgbClr val="548494"/>
+                </a:solidFill>
+                <a:latin typeface="Calibri" panose="020F0502020204030204" pitchFamily="34" charset="0"/>
+                <a:cs typeface="Calibri" panose="020F0502020204030204" pitchFamily="34" charset="0"/>
+              </a:rPr>
+              <a:t> ejecutándose en una red P2P."</a:t>
+            </a:r>
+          </a:p>
+        </p:txBody>
+      </p:sp>
+      <p:pic>
+        <p:nvPicPr>
+          <p:cNvPr id="13" name="Imagen 12"/>
+          <p:cNvPicPr>
+            <a:picLocks noChangeAspect="1"/>
+          </p:cNvPicPr>
+          <p:nvPr/>
+        </p:nvPicPr>
+        <p:blipFill>
+          <a:blip r:embed="rId2" cstate="print">
+            <a:extLst>
+              <a:ext uri="{28A0092B-C50C-407E-A947-70E740481C1C}">
+                <a14:useLocalDpi xmlns:a14="http://schemas.microsoft.com/office/drawing/2010/main" val="0"/>
+              </a:ext>
+            </a:extLst>
+          </a:blip>
+          <a:stretch>
+            <a:fillRect/>
+          </a:stretch>
+        </p:blipFill>
+        <p:spPr>
+          <a:xfrm>
+            <a:off x="8048636" y="4366637"/>
+            <a:ext cx="2745854" cy="1926587"/>
+          </a:xfrm>
+          <a:prstGeom prst="rect">
+            <a:avLst/>
+          </a:prstGeom>
+        </p:spPr>
+      </p:pic>
+      <p:pic>
+        <p:nvPicPr>
+          <p:cNvPr id="14" name="Imagen 13"/>
+          <p:cNvPicPr>
+            <a:picLocks noChangeAspect="1"/>
+          </p:cNvPicPr>
+          <p:nvPr/>
+        </p:nvPicPr>
+        <p:blipFill>
+          <a:blip r:embed="rId3" cstate="print">
+            <a:extLst>
+              <a:ext uri="{28A0092B-C50C-407E-A947-70E740481C1C}">
+                <a14:useLocalDpi xmlns:a14="http://schemas.microsoft.com/office/drawing/2010/main" val="0"/>
+              </a:ext>
+            </a:extLst>
+          </a:blip>
+          <a:stretch>
+            <a:fillRect/>
+          </a:stretch>
+        </p:blipFill>
+        <p:spPr>
+          <a:xfrm>
+            <a:off x="8508623" y="2684144"/>
+            <a:ext cx="1475007" cy="1475007"/>
+          </a:xfrm>
+          <a:prstGeom prst="rect">
+            <a:avLst/>
+          </a:prstGeom>
+        </p:spPr>
+      </p:pic>
+      <p:pic>
+        <p:nvPicPr>
+          <p:cNvPr id="15" name="Imagen 14"/>
+          <p:cNvPicPr>
+            <a:picLocks noChangeAspect="1"/>
+          </p:cNvPicPr>
+          <p:nvPr/>
+        </p:nvPicPr>
+        <p:blipFill>
+          <a:blip r:embed="rId4" cstate="print">
+            <a:extLst>
+              <a:ext uri="{28A0092B-C50C-407E-A947-70E740481C1C}">
+                <a14:useLocalDpi xmlns:a14="http://schemas.microsoft.com/office/drawing/2010/main" val="0"/>
+              </a:ext>
+            </a:extLst>
+          </a:blip>
+          <a:stretch>
+            <a:fillRect/>
+          </a:stretch>
+        </p:blipFill>
+        <p:spPr>
+          <a:xfrm>
+            <a:off x="9865245" y="2110500"/>
+            <a:ext cx="1999986" cy="988274"/>
+          </a:xfrm>
+          <a:prstGeom prst="rect">
+            <a:avLst/>
+          </a:prstGeom>
+        </p:spPr>
+      </p:pic>
+      <p:pic>
+        <p:nvPicPr>
+          <p:cNvPr id="16" name="Imagen 15"/>
+          <p:cNvPicPr>
+            <a:picLocks noChangeAspect="1"/>
+          </p:cNvPicPr>
+          <p:nvPr/>
+        </p:nvPicPr>
+        <p:blipFill>
+          <a:blip r:embed="rId5" cstate="print">
+            <a:extLst>
+              <a:ext uri="{28A0092B-C50C-407E-A947-70E740481C1C}">
+                <a14:useLocalDpi xmlns:a14="http://schemas.microsoft.com/office/drawing/2010/main" val="0"/>
+              </a:ext>
+            </a:extLst>
+          </a:blip>
+          <a:stretch>
+            <a:fillRect/>
+          </a:stretch>
+        </p:blipFill>
+        <p:spPr>
+          <a:xfrm>
+            <a:off x="6730047" y="2047883"/>
+            <a:ext cx="1675551" cy="938309"/>
+          </a:xfrm>
+          <a:prstGeom prst="rect">
+            <a:avLst/>
+          </a:prstGeom>
+        </p:spPr>
+      </p:pic>
     </p:spTree>
     <p:extLst>
       <p:ext uri="{BB962C8B-B14F-4D97-AF65-F5344CB8AC3E}">
-        <p14:creationId xmlns:p14="http://schemas.microsoft.com/office/powerpoint/2010/main" val="2037414112"/>
+        <p14:creationId xmlns:p14="http://schemas.microsoft.com/office/powerpoint/2010/main" val="972059511"/>
       </p:ext>
     </p:extLst>
   </p:cSld>
@@ -6705,726 +7141,143 @@
       </p:grpSpPr>
       <p:sp>
         <p:nvSpPr>
-          <p:cNvPr id="2" name="Título 1"/>
-          <p:cNvSpPr>
-            <a:spLocks noGrp="1"/>
-          </p:cNvSpPr>
-          <p:nvPr>
-            <p:ph type="title"/>
-          </p:nvPr>
+          <p:cNvPr id="9" name="Rectángulo 8"/>
+          <p:cNvSpPr/>
+          <p:nvPr/>
         </p:nvSpPr>
         <p:spPr>
           <a:xfrm>
-            <a:off x="2601911" y="1186538"/>
-            <a:ext cx="3116717" cy="809172"/>
-          </a:xfrm>
-        </p:spPr>
-        <p:txBody>
-          <a:bodyPr>
-            <a:noAutofit/>
-          </a:bodyPr>
-          <a:lstStyle/>
-          <a:p>
-            <a:r>
-              <a:rPr lang="es-ES" sz="4800" b="1" dirty="0" smtClean="0"/>
-              <a:t>Motivación</a:t>
-            </a:r>
-            <a:endParaRPr lang="es-ES" sz="4800" b="1" dirty="0"/>
-          </a:p>
-        </p:txBody>
-      </p:sp>
-      <p:sp>
-        <p:nvSpPr>
-          <p:cNvPr id="4" name="Título 1"/>
-          <p:cNvSpPr txBox="1">
-            <a:spLocks/>
-          </p:cNvSpPr>
-          <p:nvPr/>
-        </p:nvSpPr>
-        <p:spPr>
-          <a:xfrm>
-            <a:off x="2790598" y="2062841"/>
-            <a:ext cx="3116717" cy="809172"/>
+            <a:off x="2447594" y="4127177"/>
+            <a:ext cx="8780929" cy="1569660"/>
           </a:xfrm>
           <a:prstGeom prst="rect">
             <a:avLst/>
           </a:prstGeom>
-          <a:effectLst/>
         </p:spPr>
         <p:txBody>
-          <a:bodyPr vert="horz" lIns="91440" tIns="45720" rIns="91440" bIns="45720" rtlCol="0" anchor="ctr">
-            <a:normAutofit/>
+          <a:bodyPr wrap="square">
+            <a:spAutoFit/>
           </a:bodyPr>
-          <a:lstStyle>
-            <a:lvl1pPr algn="ctr" defTabSz="457200" rtl="0" eaLnBrk="1" latinLnBrk="0" hangingPunct="1">
-              <a:spcBef>
-                <a:spcPct val="0"/>
-              </a:spcBef>
-              <a:buNone/>
-              <a:defRPr sz="4000" kern="1200" cap="none">
-                <a:ln w="3175" cmpd="sng">
-                  <a:noFill/>
-                </a:ln>
-                <a:solidFill>
-                  <a:schemeClr val="tx1"/>
-                </a:solidFill>
-                <a:effectLst/>
+          <a:lstStyle/>
+          <a:p>
+            <a:r>
+              <a:rPr lang="es-ES" sz="3200" b="1" dirty="0">
+                <a:solidFill>
+                  <a:srgbClr val="548494"/>
+                </a:solidFill>
                 <a:latin typeface="Calibri" panose="020F0502020204030204" pitchFamily="34" charset="0"/>
-                <a:ea typeface="+mj-ea"/>
                 <a:cs typeface="Calibri" panose="020F0502020204030204" pitchFamily="34" charset="0"/>
-              </a:defRPr>
-            </a:lvl1pPr>
-            <a:lvl2pPr eaLnBrk="1" hangingPunct="1">
-              <a:defRPr>
-                <a:solidFill>
-                  <a:schemeClr val="tx2"/>
-                </a:solidFill>
-              </a:defRPr>
-            </a:lvl2pPr>
-            <a:lvl3pPr eaLnBrk="1" hangingPunct="1">
-              <a:defRPr>
-                <a:solidFill>
-                  <a:schemeClr val="tx2"/>
-                </a:solidFill>
-              </a:defRPr>
-            </a:lvl3pPr>
-            <a:lvl4pPr eaLnBrk="1" hangingPunct="1">
-              <a:defRPr>
-                <a:solidFill>
-                  <a:schemeClr val="tx2"/>
-                </a:solidFill>
-              </a:defRPr>
-            </a:lvl4pPr>
-            <a:lvl5pPr eaLnBrk="1" hangingPunct="1">
-              <a:defRPr>
-                <a:solidFill>
-                  <a:schemeClr val="tx2"/>
-                </a:solidFill>
-              </a:defRPr>
-            </a:lvl5pPr>
-            <a:lvl6pPr eaLnBrk="1" hangingPunct="1">
-              <a:defRPr>
-                <a:solidFill>
-                  <a:schemeClr val="tx2"/>
-                </a:solidFill>
-              </a:defRPr>
-            </a:lvl6pPr>
-            <a:lvl7pPr eaLnBrk="1" hangingPunct="1">
-              <a:defRPr>
-                <a:solidFill>
-                  <a:schemeClr val="tx2"/>
-                </a:solidFill>
-              </a:defRPr>
-            </a:lvl7pPr>
-            <a:lvl8pPr eaLnBrk="1" hangingPunct="1">
-              <a:defRPr>
-                <a:solidFill>
-                  <a:schemeClr val="tx2"/>
-                </a:solidFill>
-              </a:defRPr>
-            </a:lvl8pPr>
-            <a:lvl9pPr eaLnBrk="1" hangingPunct="1">
-              <a:defRPr>
-                <a:solidFill>
-                  <a:schemeClr val="tx2"/>
-                </a:solidFill>
-              </a:defRPr>
-            </a:lvl9pPr>
-          </a:lstStyle>
-          <a:p>
-            <a:r>
-              <a:rPr lang="es-ES" dirty="0" smtClean="0">
-                <a:latin typeface="Bauhaus 93" panose="04030905020B02020C02" pitchFamily="82" charset="0"/>
               </a:rPr>
-              <a:t>¿Por que?</a:t>
-            </a:r>
-            <a:endParaRPr lang="es-ES" dirty="0">
-              <a:latin typeface="Bauhaus 93" panose="04030905020B02020C02" pitchFamily="82" charset="0"/>
-            </a:endParaRPr>
-          </a:p>
-        </p:txBody>
-      </p:sp>
-      <p:sp>
-        <p:nvSpPr>
-          <p:cNvPr id="5" name="Título 1"/>
-          <p:cNvSpPr txBox="1">
-            <a:spLocks/>
-          </p:cNvSpPr>
+              <a:t>Desarrollamos sobre  </a:t>
+            </a:r>
+            <a:r>
+              <a:rPr lang="es-ES" sz="3200" b="1" dirty="0" err="1">
+                <a:solidFill>
+                  <a:srgbClr val="548494"/>
+                </a:solidFill>
+                <a:latin typeface="Calibri" panose="020F0502020204030204" pitchFamily="34" charset="0"/>
+                <a:cs typeface="Calibri" panose="020F0502020204030204" pitchFamily="34" charset="0"/>
+              </a:rPr>
+              <a:t>BlockChain</a:t>
+            </a:r>
+            <a:r>
+              <a:rPr lang="es-ES" sz="3200" b="1" dirty="0">
+                <a:solidFill>
+                  <a:srgbClr val="548494"/>
+                </a:solidFill>
+                <a:latin typeface="Calibri" panose="020F0502020204030204" pitchFamily="34" charset="0"/>
+                <a:cs typeface="Calibri" panose="020F0502020204030204" pitchFamily="34" charset="0"/>
+              </a:rPr>
+              <a:t>  por su capacidad para desplegar </a:t>
+            </a:r>
+            <a:r>
+              <a:rPr lang="es-ES" sz="3200" b="1" dirty="0" err="1">
+                <a:solidFill>
+                  <a:srgbClr val="548494"/>
+                </a:solidFill>
+                <a:latin typeface="Calibri" panose="020F0502020204030204" pitchFamily="34" charset="0"/>
+                <a:cs typeface="Calibri" panose="020F0502020204030204" pitchFamily="34" charset="0"/>
+              </a:rPr>
+              <a:t>SmartContracts</a:t>
+            </a:r>
+            <a:r>
+              <a:rPr lang="es-ES" sz="3200" b="1" dirty="0">
+                <a:solidFill>
+                  <a:srgbClr val="548494"/>
+                </a:solidFill>
+                <a:latin typeface="Calibri" panose="020F0502020204030204" pitchFamily="34" charset="0"/>
+                <a:cs typeface="Calibri" panose="020F0502020204030204" pitchFamily="34" charset="0"/>
+              </a:rPr>
+              <a:t>, en los cuales podemos definir y ejecutar reglas de negocio.</a:t>
+            </a:r>
+          </a:p>
+        </p:txBody>
+      </p:sp>
+      <p:pic>
+        <p:nvPicPr>
+          <p:cNvPr id="2" name="Imagen 1"/>
+          <p:cNvPicPr>
+            <a:picLocks noChangeAspect="1"/>
+          </p:cNvPicPr>
           <p:nvPr/>
-        </p:nvSpPr>
+        </p:nvPicPr>
+        <p:blipFill>
+          <a:blip r:embed="rId2" cstate="print">
+            <a:extLst>
+              <a:ext uri="{28A0092B-C50C-407E-A947-70E740481C1C}">
+                <a14:useLocalDpi xmlns:a14="http://schemas.microsoft.com/office/drawing/2010/main" val="0"/>
+              </a:ext>
+            </a:extLst>
+          </a:blip>
+          <a:stretch>
+            <a:fillRect/>
+          </a:stretch>
+        </p:blipFill>
         <p:spPr>
           <a:xfrm>
-            <a:off x="5767952" y="2019754"/>
-            <a:ext cx="2162629" cy="606879"/>
+            <a:off x="5753330" y="1682225"/>
+            <a:ext cx="2169459" cy="2169459"/>
           </a:xfrm>
           <a:prstGeom prst="rect">
             <a:avLst/>
           </a:prstGeom>
-          <a:effectLst/>
         </p:spPr>
-        <p:txBody>
-          <a:bodyPr vert="horz" lIns="91440" tIns="45720" rIns="91440" bIns="45720" rtlCol="0" anchor="ctr">
-            <a:normAutofit/>
-          </a:bodyPr>
-          <a:lstStyle>
-            <a:lvl1pPr algn="ctr" defTabSz="457200" rtl="0" eaLnBrk="1" latinLnBrk="0" hangingPunct="1">
-              <a:spcBef>
-                <a:spcPct val="0"/>
-              </a:spcBef>
-              <a:buNone/>
-              <a:defRPr sz="4000" kern="1200" cap="none">
-                <a:ln w="3175" cmpd="sng">
-                  <a:noFill/>
-                </a:ln>
-                <a:solidFill>
-                  <a:schemeClr val="tx1"/>
-                </a:solidFill>
-                <a:effectLst/>
-                <a:latin typeface="Calibri" panose="020F0502020204030204" pitchFamily="34" charset="0"/>
-                <a:ea typeface="+mj-ea"/>
-                <a:cs typeface="Calibri" panose="020F0502020204030204" pitchFamily="34" charset="0"/>
-              </a:defRPr>
-            </a:lvl1pPr>
-            <a:lvl2pPr eaLnBrk="1" hangingPunct="1">
-              <a:defRPr>
-                <a:solidFill>
-                  <a:schemeClr val="tx2"/>
-                </a:solidFill>
-              </a:defRPr>
-            </a:lvl2pPr>
-            <a:lvl3pPr eaLnBrk="1" hangingPunct="1">
-              <a:defRPr>
-                <a:solidFill>
-                  <a:schemeClr val="tx2"/>
-                </a:solidFill>
-              </a:defRPr>
-            </a:lvl3pPr>
-            <a:lvl4pPr eaLnBrk="1" hangingPunct="1">
-              <a:defRPr>
-                <a:solidFill>
-                  <a:schemeClr val="tx2"/>
-                </a:solidFill>
-              </a:defRPr>
-            </a:lvl4pPr>
-            <a:lvl5pPr eaLnBrk="1" hangingPunct="1">
-              <a:defRPr>
-                <a:solidFill>
-                  <a:schemeClr val="tx2"/>
-                </a:solidFill>
-              </a:defRPr>
-            </a:lvl5pPr>
-            <a:lvl6pPr eaLnBrk="1" hangingPunct="1">
-              <a:defRPr>
-                <a:solidFill>
-                  <a:schemeClr val="tx2"/>
-                </a:solidFill>
-              </a:defRPr>
-            </a:lvl6pPr>
-            <a:lvl7pPr eaLnBrk="1" hangingPunct="1">
-              <a:defRPr>
-                <a:solidFill>
-                  <a:schemeClr val="tx2"/>
-                </a:solidFill>
-              </a:defRPr>
-            </a:lvl7pPr>
-            <a:lvl8pPr eaLnBrk="1" hangingPunct="1">
-              <a:defRPr>
-                <a:solidFill>
-                  <a:schemeClr val="tx2"/>
-                </a:solidFill>
-              </a:defRPr>
-            </a:lvl8pPr>
-            <a:lvl9pPr eaLnBrk="1" hangingPunct="1">
-              <a:defRPr>
-                <a:solidFill>
-                  <a:schemeClr val="tx2"/>
-                </a:solidFill>
-              </a:defRPr>
-            </a:lvl9pPr>
-          </a:lstStyle>
-          <a:p>
-            <a:r>
-              <a:rPr lang="es-ES" sz="2800" dirty="0" smtClean="0"/>
-              <a:t>Objeto</a:t>
-            </a:r>
-            <a:endParaRPr lang="es-ES" sz="2800" dirty="0"/>
-          </a:p>
-        </p:txBody>
-      </p:sp>
-      <p:sp>
-        <p:nvSpPr>
-          <p:cNvPr id="6" name="Título 1"/>
-          <p:cNvSpPr txBox="1">
-            <a:spLocks/>
-          </p:cNvSpPr>
+      </p:pic>
+      <p:sp>
+        <p:nvSpPr>
+          <p:cNvPr id="10" name="Rectángulo 9"/>
+          <p:cNvSpPr/>
           <p:nvPr/>
         </p:nvSpPr>
         <p:spPr>
           <a:xfrm>
-            <a:off x="5065486" y="3343730"/>
-            <a:ext cx="1983127" cy="809172"/>
+            <a:off x="3150202" y="959703"/>
+            <a:ext cx="7375711" cy="584775"/>
           </a:xfrm>
           <a:prstGeom prst="rect">
             <a:avLst/>
           </a:prstGeom>
-          <a:effectLst/>
         </p:spPr>
         <p:txBody>
-          <a:bodyPr vert="horz" lIns="91440" tIns="45720" rIns="91440" bIns="45720" rtlCol="0" anchor="ctr">
-            <a:normAutofit/>
-          </a:bodyPr>
-          <a:lstStyle>
-            <a:lvl1pPr algn="ctr" defTabSz="457200" rtl="0" eaLnBrk="1" latinLnBrk="0" hangingPunct="1">
-              <a:spcBef>
-                <a:spcPct val="0"/>
-              </a:spcBef>
-              <a:buNone/>
-              <a:defRPr sz="4000" kern="1200" cap="none">
-                <a:ln w="3175" cmpd="sng">
-                  <a:noFill/>
-                </a:ln>
-                <a:solidFill>
-                  <a:schemeClr val="tx1"/>
-                </a:solidFill>
-                <a:effectLst/>
-                <a:latin typeface="Calibri" panose="020F0502020204030204" pitchFamily="34" charset="0"/>
-                <a:ea typeface="+mj-ea"/>
-                <a:cs typeface="Calibri" panose="020F0502020204030204" pitchFamily="34" charset="0"/>
-              </a:defRPr>
-            </a:lvl1pPr>
-            <a:lvl2pPr eaLnBrk="1" hangingPunct="1">
-              <a:defRPr>
-                <a:solidFill>
-                  <a:schemeClr val="tx2"/>
-                </a:solidFill>
-              </a:defRPr>
-            </a:lvl2pPr>
-            <a:lvl3pPr eaLnBrk="1" hangingPunct="1">
-              <a:defRPr>
-                <a:solidFill>
-                  <a:schemeClr val="tx2"/>
-                </a:solidFill>
-              </a:defRPr>
-            </a:lvl3pPr>
-            <a:lvl4pPr eaLnBrk="1" hangingPunct="1">
-              <a:defRPr>
-                <a:solidFill>
-                  <a:schemeClr val="tx2"/>
-                </a:solidFill>
-              </a:defRPr>
-            </a:lvl4pPr>
-            <a:lvl5pPr eaLnBrk="1" hangingPunct="1">
-              <a:defRPr>
-                <a:solidFill>
-                  <a:schemeClr val="tx2"/>
-                </a:solidFill>
-              </a:defRPr>
-            </a:lvl5pPr>
-            <a:lvl6pPr eaLnBrk="1" hangingPunct="1">
-              <a:defRPr>
-                <a:solidFill>
-                  <a:schemeClr val="tx2"/>
-                </a:solidFill>
-              </a:defRPr>
-            </a:lvl6pPr>
-            <a:lvl7pPr eaLnBrk="1" hangingPunct="1">
-              <a:defRPr>
-                <a:solidFill>
-                  <a:schemeClr val="tx2"/>
-                </a:solidFill>
-              </a:defRPr>
-            </a:lvl7pPr>
-            <a:lvl8pPr eaLnBrk="1" hangingPunct="1">
-              <a:defRPr>
-                <a:solidFill>
-                  <a:schemeClr val="tx2"/>
-                </a:solidFill>
-              </a:defRPr>
-            </a:lvl8pPr>
-            <a:lvl9pPr eaLnBrk="1" hangingPunct="1">
-              <a:defRPr>
-                <a:solidFill>
-                  <a:schemeClr val="tx2"/>
-                </a:solidFill>
-              </a:defRPr>
-            </a:lvl9pPr>
-          </a:lstStyle>
-          <a:p>
-            <a:r>
-              <a:rPr lang="es-ES" dirty="0" smtClean="0">
-                <a:latin typeface="Bodoni MT Poster Compressed" panose="02070706080601050204" pitchFamily="18" charset="0"/>
-              </a:rPr>
-              <a:t>Causa</a:t>
-            </a:r>
-            <a:endParaRPr lang="es-ES" dirty="0">
-              <a:latin typeface="Bodoni MT Poster Compressed" panose="02070706080601050204" pitchFamily="18" charset="0"/>
-            </a:endParaRPr>
-          </a:p>
-        </p:txBody>
-      </p:sp>
-      <p:sp>
-        <p:nvSpPr>
-          <p:cNvPr id="7" name="Título 1"/>
-          <p:cNvSpPr txBox="1">
-            <a:spLocks/>
-          </p:cNvSpPr>
-          <p:nvPr/>
-        </p:nvSpPr>
-        <p:spPr>
-          <a:xfrm>
-            <a:off x="6849267" y="3067958"/>
-            <a:ext cx="3116717" cy="809172"/>
-          </a:xfrm>
-          <a:prstGeom prst="rect">
-            <a:avLst/>
-          </a:prstGeom>
-          <a:effectLst/>
-        </p:spPr>
-        <p:txBody>
-          <a:bodyPr vert="horz" lIns="91440" tIns="45720" rIns="91440" bIns="45720" rtlCol="0" anchor="ctr">
-            <a:normAutofit/>
-          </a:bodyPr>
-          <a:lstStyle>
-            <a:lvl1pPr algn="ctr" defTabSz="457200" rtl="0" eaLnBrk="1" latinLnBrk="0" hangingPunct="1">
-              <a:spcBef>
-                <a:spcPct val="0"/>
-              </a:spcBef>
-              <a:buNone/>
-              <a:defRPr sz="4000" kern="1200" cap="none">
-                <a:ln w="3175" cmpd="sng">
-                  <a:noFill/>
-                </a:ln>
-                <a:solidFill>
-                  <a:schemeClr val="tx1"/>
-                </a:solidFill>
-                <a:effectLst/>
-                <a:latin typeface="Calibri" panose="020F0502020204030204" pitchFamily="34" charset="0"/>
-                <a:ea typeface="+mj-ea"/>
-                <a:cs typeface="Calibri" panose="020F0502020204030204" pitchFamily="34" charset="0"/>
-              </a:defRPr>
-            </a:lvl1pPr>
-            <a:lvl2pPr eaLnBrk="1" hangingPunct="1">
-              <a:defRPr>
-                <a:solidFill>
-                  <a:schemeClr val="tx2"/>
-                </a:solidFill>
-              </a:defRPr>
-            </a:lvl2pPr>
-            <a:lvl3pPr eaLnBrk="1" hangingPunct="1">
-              <a:defRPr>
-                <a:solidFill>
-                  <a:schemeClr val="tx2"/>
-                </a:solidFill>
-              </a:defRPr>
-            </a:lvl3pPr>
-            <a:lvl4pPr eaLnBrk="1" hangingPunct="1">
-              <a:defRPr>
-                <a:solidFill>
-                  <a:schemeClr val="tx2"/>
-                </a:solidFill>
-              </a:defRPr>
-            </a:lvl4pPr>
-            <a:lvl5pPr eaLnBrk="1" hangingPunct="1">
-              <a:defRPr>
-                <a:solidFill>
-                  <a:schemeClr val="tx2"/>
-                </a:solidFill>
-              </a:defRPr>
-            </a:lvl5pPr>
-            <a:lvl6pPr eaLnBrk="1" hangingPunct="1">
-              <a:defRPr>
-                <a:solidFill>
-                  <a:schemeClr val="tx2"/>
-                </a:solidFill>
-              </a:defRPr>
-            </a:lvl6pPr>
-            <a:lvl7pPr eaLnBrk="1" hangingPunct="1">
-              <a:defRPr>
-                <a:solidFill>
-                  <a:schemeClr val="tx2"/>
-                </a:solidFill>
-              </a:defRPr>
-            </a:lvl7pPr>
-            <a:lvl8pPr eaLnBrk="1" hangingPunct="1">
-              <a:defRPr>
-                <a:solidFill>
-                  <a:schemeClr val="tx2"/>
-                </a:solidFill>
-              </a:defRPr>
-            </a:lvl8pPr>
-            <a:lvl9pPr eaLnBrk="1" hangingPunct="1">
-              <a:defRPr>
-                <a:solidFill>
-                  <a:schemeClr val="tx2"/>
-                </a:solidFill>
-              </a:defRPr>
-            </a:lvl9pPr>
-          </a:lstStyle>
-          <a:p>
-            <a:r>
-              <a:rPr lang="es-ES" dirty="0" smtClean="0">
-                <a:latin typeface="Brush Script MT" panose="03060802040406070304" pitchFamily="66" charset="0"/>
-              </a:rPr>
-              <a:t>Estímulo</a:t>
-            </a:r>
-            <a:endParaRPr lang="es-ES" dirty="0">
-              <a:latin typeface="Brush Script MT" panose="03060802040406070304" pitchFamily="66" charset="0"/>
-            </a:endParaRPr>
-          </a:p>
-        </p:txBody>
-      </p:sp>
-      <p:sp>
-        <p:nvSpPr>
-          <p:cNvPr id="8" name="Título 1"/>
-          <p:cNvSpPr txBox="1">
-            <a:spLocks/>
-          </p:cNvSpPr>
-          <p:nvPr/>
-        </p:nvSpPr>
-        <p:spPr>
-          <a:xfrm>
-            <a:off x="7880230" y="1615168"/>
-            <a:ext cx="3116717" cy="809172"/>
-          </a:xfrm>
-          <a:prstGeom prst="rect">
-            <a:avLst/>
-          </a:prstGeom>
-          <a:effectLst/>
-        </p:spPr>
-        <p:txBody>
-          <a:bodyPr vert="horz" lIns="91440" tIns="45720" rIns="91440" bIns="45720" rtlCol="0" anchor="ctr">
-            <a:normAutofit/>
-          </a:bodyPr>
-          <a:lstStyle>
-            <a:lvl1pPr algn="ctr" defTabSz="457200" rtl="0" eaLnBrk="1" latinLnBrk="0" hangingPunct="1">
-              <a:spcBef>
-                <a:spcPct val="0"/>
-              </a:spcBef>
-              <a:buNone/>
-              <a:defRPr sz="4000" kern="1200" cap="none">
-                <a:ln w="3175" cmpd="sng">
-                  <a:noFill/>
-                </a:ln>
-                <a:solidFill>
-                  <a:schemeClr val="tx1"/>
-                </a:solidFill>
-                <a:effectLst/>
-                <a:latin typeface="Calibri" panose="020F0502020204030204" pitchFamily="34" charset="0"/>
-                <a:ea typeface="+mj-ea"/>
-                <a:cs typeface="Calibri" panose="020F0502020204030204" pitchFamily="34" charset="0"/>
-              </a:defRPr>
-            </a:lvl1pPr>
-            <a:lvl2pPr eaLnBrk="1" hangingPunct="1">
-              <a:defRPr>
-                <a:solidFill>
-                  <a:schemeClr val="tx2"/>
-                </a:solidFill>
-              </a:defRPr>
-            </a:lvl2pPr>
-            <a:lvl3pPr eaLnBrk="1" hangingPunct="1">
-              <a:defRPr>
-                <a:solidFill>
-                  <a:schemeClr val="tx2"/>
-                </a:solidFill>
-              </a:defRPr>
-            </a:lvl3pPr>
-            <a:lvl4pPr eaLnBrk="1" hangingPunct="1">
-              <a:defRPr>
-                <a:solidFill>
-                  <a:schemeClr val="tx2"/>
-                </a:solidFill>
-              </a:defRPr>
-            </a:lvl4pPr>
-            <a:lvl5pPr eaLnBrk="1" hangingPunct="1">
-              <a:defRPr>
-                <a:solidFill>
-                  <a:schemeClr val="tx2"/>
-                </a:solidFill>
-              </a:defRPr>
-            </a:lvl5pPr>
-            <a:lvl6pPr eaLnBrk="1" hangingPunct="1">
-              <a:defRPr>
-                <a:solidFill>
-                  <a:schemeClr val="tx2"/>
-                </a:solidFill>
-              </a:defRPr>
-            </a:lvl6pPr>
-            <a:lvl7pPr eaLnBrk="1" hangingPunct="1">
-              <a:defRPr>
-                <a:solidFill>
-                  <a:schemeClr val="tx2"/>
-                </a:solidFill>
-              </a:defRPr>
-            </a:lvl7pPr>
-            <a:lvl8pPr eaLnBrk="1" hangingPunct="1">
-              <a:defRPr>
-                <a:solidFill>
-                  <a:schemeClr val="tx2"/>
-                </a:solidFill>
-              </a:defRPr>
-            </a:lvl8pPr>
-            <a:lvl9pPr eaLnBrk="1" hangingPunct="1">
-              <a:defRPr>
-                <a:solidFill>
-                  <a:schemeClr val="tx2"/>
-                </a:solidFill>
-              </a:defRPr>
-            </a:lvl9pPr>
-          </a:lstStyle>
-          <a:p>
-            <a:r>
-              <a:rPr lang="es-ES" dirty="0" smtClean="0">
-                <a:latin typeface="Bernard MT Condensed" panose="02050806060905020404" pitchFamily="18" charset="0"/>
-              </a:rPr>
-              <a:t>Razones</a:t>
-            </a:r>
-            <a:endParaRPr lang="es-ES" dirty="0">
-              <a:latin typeface="Bernard MT Condensed" panose="02050806060905020404" pitchFamily="18" charset="0"/>
-            </a:endParaRPr>
-          </a:p>
-        </p:txBody>
-      </p:sp>
-      <p:sp>
-        <p:nvSpPr>
-          <p:cNvPr id="9" name="Título 1"/>
-          <p:cNvSpPr txBox="1">
-            <a:spLocks/>
-          </p:cNvSpPr>
-          <p:nvPr/>
-        </p:nvSpPr>
-        <p:spPr>
-          <a:xfrm>
-            <a:off x="2601911" y="3240316"/>
-            <a:ext cx="1493496" cy="809172"/>
-          </a:xfrm>
-          <a:prstGeom prst="rect">
-            <a:avLst/>
-          </a:prstGeom>
-          <a:effectLst/>
-        </p:spPr>
-        <p:txBody>
-          <a:bodyPr vert="horz" lIns="91440" tIns="45720" rIns="91440" bIns="45720" rtlCol="0" anchor="ctr">
-            <a:noAutofit/>
-          </a:bodyPr>
-          <a:lstStyle>
-            <a:lvl1pPr algn="ctr" defTabSz="457200" rtl="0" eaLnBrk="1" latinLnBrk="0" hangingPunct="1">
-              <a:spcBef>
-                <a:spcPct val="0"/>
-              </a:spcBef>
-              <a:buNone/>
-              <a:defRPr sz="4000" kern="1200" cap="none">
-                <a:ln w="3175" cmpd="sng">
-                  <a:noFill/>
-                </a:ln>
-                <a:solidFill>
-                  <a:schemeClr val="tx1"/>
-                </a:solidFill>
-                <a:effectLst/>
-                <a:latin typeface="Calibri" panose="020F0502020204030204" pitchFamily="34" charset="0"/>
-                <a:ea typeface="+mj-ea"/>
-                <a:cs typeface="Calibri" panose="020F0502020204030204" pitchFamily="34" charset="0"/>
-              </a:defRPr>
-            </a:lvl1pPr>
-            <a:lvl2pPr eaLnBrk="1" hangingPunct="1">
-              <a:defRPr>
-                <a:solidFill>
-                  <a:schemeClr val="tx2"/>
-                </a:solidFill>
-              </a:defRPr>
-            </a:lvl2pPr>
-            <a:lvl3pPr eaLnBrk="1" hangingPunct="1">
-              <a:defRPr>
-                <a:solidFill>
-                  <a:schemeClr val="tx2"/>
-                </a:solidFill>
-              </a:defRPr>
-            </a:lvl3pPr>
-            <a:lvl4pPr eaLnBrk="1" hangingPunct="1">
-              <a:defRPr>
-                <a:solidFill>
-                  <a:schemeClr val="tx2"/>
-                </a:solidFill>
-              </a:defRPr>
-            </a:lvl4pPr>
-            <a:lvl5pPr eaLnBrk="1" hangingPunct="1">
-              <a:defRPr>
-                <a:solidFill>
-                  <a:schemeClr val="tx2"/>
-                </a:solidFill>
-              </a:defRPr>
-            </a:lvl5pPr>
-            <a:lvl6pPr eaLnBrk="1" hangingPunct="1">
-              <a:defRPr>
-                <a:solidFill>
-                  <a:schemeClr val="tx2"/>
-                </a:solidFill>
-              </a:defRPr>
-            </a:lvl6pPr>
-            <a:lvl7pPr eaLnBrk="1" hangingPunct="1">
-              <a:defRPr>
-                <a:solidFill>
-                  <a:schemeClr val="tx2"/>
-                </a:solidFill>
-              </a:defRPr>
-            </a:lvl7pPr>
-            <a:lvl8pPr eaLnBrk="1" hangingPunct="1">
-              <a:defRPr>
-                <a:solidFill>
-                  <a:schemeClr val="tx2"/>
-                </a:solidFill>
-              </a:defRPr>
-            </a:lvl8pPr>
-            <a:lvl9pPr eaLnBrk="1" hangingPunct="1">
-              <a:defRPr>
-                <a:solidFill>
-                  <a:schemeClr val="tx2"/>
-                </a:solidFill>
-              </a:defRPr>
-            </a:lvl9pPr>
-          </a:lstStyle>
-          <a:p>
-            <a:r>
-              <a:rPr lang="es-ES" sz="6000" dirty="0" smtClean="0">
-                <a:latin typeface="Arial Black" panose="020B0A04020102020204" pitchFamily="34" charset="0"/>
-              </a:rPr>
-              <a:t>¿?</a:t>
-            </a:r>
-            <a:endParaRPr lang="es-ES" sz="6000" dirty="0">
-              <a:latin typeface="Arial Black" panose="020B0A04020102020204" pitchFamily="34" charset="0"/>
-            </a:endParaRPr>
-          </a:p>
-        </p:txBody>
-      </p:sp>
-      <p:sp>
-        <p:nvSpPr>
-          <p:cNvPr id="10" name="CuadroTexto 9"/>
-          <p:cNvSpPr txBox="1"/>
-          <p:nvPr/>
-        </p:nvSpPr>
-        <p:spPr>
-          <a:xfrm>
-            <a:off x="2601911" y="4567738"/>
-            <a:ext cx="8839200" cy="1107996"/>
-          </a:xfrm>
-          <a:prstGeom prst="rect">
-            <a:avLst/>
-          </a:prstGeom>
-          <a:noFill/>
-        </p:spPr>
-        <p:txBody>
-          <a:bodyPr wrap="square" rtlCol="0">
+          <a:bodyPr wrap="square">
             <a:spAutoFit/>
           </a:bodyPr>
           <a:lstStyle/>
           <a:p>
             <a:r>
-              <a:rPr lang="es-ES" sz="6600" b="1" dirty="0" smtClean="0">
+              <a:rPr lang="es-ES" sz="3200" b="1" dirty="0" smtClean="0">
+                <a:solidFill>
+                  <a:srgbClr val="548494"/>
+                </a:solidFill>
                 <a:latin typeface="Calibri" panose="020F0502020204030204" pitchFamily="34" charset="0"/>
                 <a:cs typeface="Calibri" panose="020F0502020204030204" pitchFamily="34" charset="0"/>
               </a:rPr>
-              <a:t>..de la temática del TFG.</a:t>
-            </a:r>
-            <a:endParaRPr lang="es-ES" sz="6600" b="1" dirty="0">
+              <a:t>¿Qué modelo de red P2P seleccionamos?</a:t>
+            </a:r>
+            <a:endParaRPr lang="es-ES" sz="3200" b="1" dirty="0">
+              <a:solidFill>
+                <a:srgbClr val="548494"/>
+              </a:solidFill>
               <a:latin typeface="Calibri" panose="020F0502020204030204" pitchFamily="34" charset="0"/>
               <a:cs typeface="Calibri" panose="020F0502020204030204" pitchFamily="34" charset="0"/>
             </a:endParaRPr>
@@ -7434,7 +7287,7 @@
     </p:spTree>
     <p:extLst>
       <p:ext uri="{BB962C8B-B14F-4D97-AF65-F5344CB8AC3E}">
-        <p14:creationId xmlns:p14="http://schemas.microsoft.com/office/powerpoint/2010/main" val="2293866309"/>
+        <p14:creationId xmlns:p14="http://schemas.microsoft.com/office/powerpoint/2010/main" val="2402434600"/>
       </p:ext>
     </p:extLst>
   </p:cSld>
@@ -7444,279 +7297,845 @@
   <p:timing>
     <p:tnLst>
       <p:par>
-        <p:cTn id="1" dur="indefinite" restart="never" nodeType="tmRoot">
-          <p:childTnLst>
-            <p:seq concurrent="1" nextAc="seek">
-              <p:cTn id="2" dur="indefinite" nodeType="mainSeq">
-                <p:childTnLst>
-                  <p:par>
-                    <p:cTn id="3" fill="hold">
-                      <p:stCondLst>
-                        <p:cond delay="indefinite"/>
-                        <p:cond evt="onBegin" delay="0">
-                          <p:tn val="2"/>
-                        </p:cond>
-                      </p:stCondLst>
-                      <p:childTnLst>
-                        <p:par>
-                          <p:cTn id="4" fill="hold">
-                            <p:stCondLst>
-                              <p:cond delay="0"/>
-                            </p:stCondLst>
-                            <p:childTnLst>
-                              <p:par>
-                                <p:cTn id="5" presetID="1" presetClass="entr" presetSubtype="0" fill="hold" grpId="0" nodeType="withEffect">
-                                  <p:stCondLst>
-                                    <p:cond delay="0"/>
-                                  </p:stCondLst>
-                                  <p:childTnLst>
-                                    <p:set>
-                                      <p:cBhvr>
-                                        <p:cTn id="6" dur="1" fill="hold">
-                                          <p:stCondLst>
-                                            <p:cond delay="9"/>
-                                          </p:stCondLst>
-                                        </p:cTn>
-                                        <p:tgtEl>
-                                          <p:spTgt spid="2"/>
-                                        </p:tgtEl>
-                                        <p:attrNameLst>
-                                          <p:attrName>style.visibility</p:attrName>
-                                        </p:attrNameLst>
-                                      </p:cBhvr>
-                                      <p:to>
-                                        <p:strVal val="visible"/>
-                                      </p:to>
-                                    </p:set>
-                                  </p:childTnLst>
-                                </p:cTn>
-                              </p:par>
-                              <p:par>
-                                <p:cTn id="7" presetID="1" presetClass="entr" presetSubtype="0" fill="hold" grpId="0" nodeType="withEffect">
-                                  <p:stCondLst>
-                                    <p:cond delay="2250"/>
-                                  </p:stCondLst>
-                                  <p:childTnLst>
-                                    <p:set>
-                                      <p:cBhvr>
-                                        <p:cTn id="8" dur="1" fill="hold">
-                                          <p:stCondLst>
-                                            <p:cond delay="0"/>
-                                          </p:stCondLst>
-                                        </p:cTn>
-                                        <p:tgtEl>
-                                          <p:spTgt spid="5"/>
-                                        </p:tgtEl>
-                                        <p:attrNameLst>
-                                          <p:attrName>style.visibility</p:attrName>
-                                        </p:attrNameLst>
-                                      </p:cBhvr>
-                                      <p:to>
-                                        <p:strVal val="visible"/>
-                                      </p:to>
-                                    </p:set>
-                                  </p:childTnLst>
-                                </p:cTn>
-                              </p:par>
-                              <p:par>
-                                <p:cTn id="9" presetID="1" presetClass="entr" presetSubtype="0" fill="hold" grpId="0" nodeType="withEffect">
-                                  <p:stCondLst>
-                                    <p:cond delay="1500"/>
-                                  </p:stCondLst>
-                                  <p:childTnLst>
-                                    <p:set>
-                                      <p:cBhvr>
-                                        <p:cTn id="10" dur="1" fill="hold">
-                                          <p:stCondLst>
-                                            <p:cond delay="0"/>
-                                          </p:stCondLst>
-                                        </p:cTn>
-                                        <p:tgtEl>
-                                          <p:spTgt spid="4"/>
-                                        </p:tgtEl>
-                                        <p:attrNameLst>
-                                          <p:attrName>style.visibility</p:attrName>
-                                        </p:attrNameLst>
-                                      </p:cBhvr>
-                                      <p:to>
-                                        <p:strVal val="visible"/>
-                                      </p:to>
-                                    </p:set>
-                                  </p:childTnLst>
-                                </p:cTn>
-                              </p:par>
-                              <p:par>
-                                <p:cTn id="11" presetID="1" presetClass="entr" presetSubtype="0" fill="hold" grpId="0" nodeType="withEffect">
-                                  <p:stCondLst>
-                                    <p:cond delay="3750"/>
-                                  </p:stCondLst>
-                                  <p:childTnLst>
-                                    <p:set>
-                                      <p:cBhvr>
-                                        <p:cTn id="12" dur="1" fill="hold">
-                                          <p:stCondLst>
-                                            <p:cond delay="0"/>
-                                          </p:stCondLst>
-                                        </p:cTn>
-                                        <p:tgtEl>
-                                          <p:spTgt spid="6"/>
-                                        </p:tgtEl>
-                                        <p:attrNameLst>
-                                          <p:attrName>style.visibility</p:attrName>
-                                        </p:attrNameLst>
-                                      </p:cBhvr>
-                                      <p:to>
-                                        <p:strVal val="visible"/>
-                                      </p:to>
-                                    </p:set>
-                                  </p:childTnLst>
-                                </p:cTn>
-                              </p:par>
-                              <p:par>
-                                <p:cTn id="13" presetID="1" presetClass="entr" presetSubtype="0" fill="hold" grpId="0" nodeType="withEffect">
-                                  <p:stCondLst>
-                                    <p:cond delay="750"/>
-                                  </p:stCondLst>
-                                  <p:childTnLst>
-                                    <p:set>
-                                      <p:cBhvr>
-                                        <p:cTn id="14" dur="1" fill="hold">
-                                          <p:stCondLst>
-                                            <p:cond delay="9"/>
-                                          </p:stCondLst>
-                                        </p:cTn>
-                                        <p:tgtEl>
-                                          <p:spTgt spid="8"/>
-                                        </p:tgtEl>
-                                        <p:attrNameLst>
-                                          <p:attrName>style.visibility</p:attrName>
-                                        </p:attrNameLst>
-                                      </p:cBhvr>
-                                      <p:to>
-                                        <p:strVal val="visible"/>
-                                      </p:to>
-                                    </p:set>
-                                  </p:childTnLst>
-                                </p:cTn>
-                              </p:par>
-                              <p:par>
-                                <p:cTn id="15" presetID="1" presetClass="entr" presetSubtype="0" fill="hold" grpId="0" nodeType="withEffect">
-                                  <p:stCondLst>
-                                    <p:cond delay="3000"/>
-                                  </p:stCondLst>
-                                  <p:childTnLst>
-                                    <p:set>
-                                      <p:cBhvr>
-                                        <p:cTn id="16" dur="1" fill="hold">
-                                          <p:stCondLst>
-                                            <p:cond delay="0"/>
-                                          </p:stCondLst>
-                                        </p:cTn>
-                                        <p:tgtEl>
-                                          <p:spTgt spid="7"/>
-                                        </p:tgtEl>
-                                        <p:attrNameLst>
-                                          <p:attrName>style.visibility</p:attrName>
-                                        </p:attrNameLst>
-                                      </p:cBhvr>
-                                      <p:to>
-                                        <p:strVal val="visible"/>
-                                      </p:to>
-                                    </p:set>
-                                  </p:childTnLst>
-                                </p:cTn>
-                              </p:par>
-                              <p:par>
-                                <p:cTn id="17" presetID="1" presetClass="entr" presetSubtype="0" fill="hold" grpId="0" nodeType="withEffect">
-                                  <p:stCondLst>
-                                    <p:cond delay="4500"/>
-                                  </p:stCondLst>
-                                  <p:childTnLst>
-                                    <p:set>
-                                      <p:cBhvr>
-                                        <p:cTn id="18" dur="1" fill="hold">
-                                          <p:stCondLst>
-                                            <p:cond delay="0"/>
-                                          </p:stCondLst>
-                                        </p:cTn>
-                                        <p:tgtEl>
-                                          <p:spTgt spid="9"/>
-                                        </p:tgtEl>
-                                        <p:attrNameLst>
-                                          <p:attrName>style.visibility</p:attrName>
-                                        </p:attrNameLst>
-                                      </p:cBhvr>
-                                      <p:to>
-                                        <p:strVal val="visible"/>
-                                      </p:to>
-                                    </p:set>
-                                  </p:childTnLst>
-                                </p:cTn>
-                              </p:par>
-                              <p:par>
-                                <p:cTn id="19" presetID="1" presetClass="entr" presetSubtype="0" fill="hold" grpId="0" nodeType="withEffect">
-                                  <p:stCondLst>
-                                    <p:cond delay="4750"/>
-                                  </p:stCondLst>
-                                  <p:childTnLst>
-                                    <p:set>
-                                      <p:cBhvr>
-                                        <p:cTn id="20" dur="1" fill="hold">
-                                          <p:stCondLst>
-                                            <p:cond delay="0"/>
-                                          </p:stCondLst>
-                                        </p:cTn>
-                                        <p:tgtEl>
-                                          <p:spTgt spid="10"/>
-                                        </p:tgtEl>
-                                        <p:attrNameLst>
-                                          <p:attrName>style.visibility</p:attrName>
-                                        </p:attrNameLst>
-                                      </p:cBhvr>
-                                      <p:to>
-                                        <p:strVal val="visible"/>
-                                      </p:to>
-                                    </p:set>
-                                  </p:childTnLst>
-                                </p:cTn>
-                              </p:par>
-                            </p:childTnLst>
-                          </p:cTn>
-                        </p:par>
-                      </p:childTnLst>
-                    </p:cTn>
-                  </p:par>
-                </p:childTnLst>
-              </p:cTn>
-              <p:prevCondLst>
-                <p:cond evt="onPrev" delay="0">
-                  <p:tgtEl>
-                    <p:sldTgt/>
-                  </p:tgtEl>
-                </p:cond>
-              </p:prevCondLst>
-              <p:nextCondLst>
-                <p:cond evt="onNext" delay="0">
-                  <p:tgtEl>
-                    <p:sldTgt/>
-                  </p:tgtEl>
-                </p:cond>
-              </p:nextCondLst>
-            </p:seq>
-          </p:childTnLst>
-        </p:cTn>
+        <p:cTn id="1" dur="indefinite" restart="never" nodeType="tmRoot"/>
       </p:par>
     </p:tnLst>
-    <p:bldLst>
-      <p:bldP spid="2" grpId="0"/>
-      <p:bldP spid="4" grpId="0"/>
-      <p:bldP spid="5" grpId="0"/>
-      <p:bldP spid="6" grpId="0"/>
-      <p:bldP spid="7" grpId="0"/>
-      <p:bldP spid="8" grpId="0"/>
-      <p:bldP spid="9" grpId="0"/>
-      <p:bldP spid="10" grpId="0"/>
-    </p:bldLst>
+  </p:timing>
+</p:sld>
+</file>
+
+<file path=ppt/slides/slide4.xml><?xml version="1.0" encoding="utf-8"?>
+<p:sld xmlns:a="http://schemas.openxmlformats.org/drawingml/2006/main" xmlns:r="http://schemas.openxmlformats.org/officeDocument/2006/relationships" xmlns:p="http://schemas.openxmlformats.org/presentationml/2006/main">
+  <p:cSld>
+    <p:spTree>
+      <p:nvGrpSpPr>
+        <p:cNvPr id="1" name=""/>
+        <p:cNvGrpSpPr/>
+        <p:nvPr/>
+      </p:nvGrpSpPr>
+      <p:grpSpPr>
+        <a:xfrm>
+          <a:off x="0" y="0"/>
+          <a:ext cx="0" cy="0"/>
+          <a:chOff x="0" y="0"/>
+          <a:chExt cx="0" cy="0"/>
+        </a:xfrm>
+      </p:grpSpPr>
+      <p:sp>
+        <p:nvSpPr>
+          <p:cNvPr id="4" name="Elipse 3"/>
+          <p:cNvSpPr/>
+          <p:nvPr/>
+        </p:nvSpPr>
+        <p:spPr>
+          <a:xfrm>
+            <a:off x="573879" y="299764"/>
+            <a:ext cx="1734670" cy="1748119"/>
+          </a:xfrm>
+          <a:prstGeom prst="ellipse">
+            <a:avLst/>
+          </a:prstGeom>
+          <a:solidFill>
+            <a:srgbClr val="548494"/>
+          </a:solidFill>
+          <a:ln w="19050">
+            <a:solidFill>
+              <a:schemeClr val="tx2">
+                <a:lumMod val="75000"/>
+                <a:lumOff val="25000"/>
+              </a:schemeClr>
+            </a:solidFill>
+          </a:ln>
+        </p:spPr>
+        <p:style>
+          <a:lnRef idx="2">
+            <a:schemeClr val="accent1">
+              <a:shade val="50000"/>
+            </a:schemeClr>
+          </a:lnRef>
+          <a:fillRef idx="1">
+            <a:schemeClr val="accent1"/>
+          </a:fillRef>
+          <a:effectRef idx="0">
+            <a:schemeClr val="accent1"/>
+          </a:effectRef>
+          <a:fontRef idx="minor">
+            <a:schemeClr val="lt1"/>
+          </a:fontRef>
+        </p:style>
+        <p:txBody>
+          <a:bodyPr wrap="square" lIns="0" rIns="0" rtlCol="0" anchor="ctr"/>
+          <a:lstStyle/>
+          <a:p>
+            <a:pPr algn="ctr"/>
+            <a:r>
+              <a:rPr lang="es-ES" sz="2000" b="1" dirty="0" smtClean="0">
+                <a:solidFill>
+                  <a:schemeClr val="bg1"/>
+                </a:solidFill>
+                <a:latin typeface="Calibri" panose="020F0502020204030204" pitchFamily="34" charset="0"/>
+                <a:cs typeface="Calibri" panose="020F0502020204030204" pitchFamily="34" charset="0"/>
+              </a:rPr>
+              <a:t>Motivación</a:t>
+            </a:r>
+            <a:endParaRPr lang="es-ES" sz="2000" b="1" dirty="0">
+              <a:solidFill>
+                <a:schemeClr val="bg1"/>
+              </a:solidFill>
+              <a:latin typeface="Calibri" panose="020F0502020204030204" pitchFamily="34" charset="0"/>
+              <a:cs typeface="Calibri" panose="020F0502020204030204" pitchFamily="34" charset="0"/>
+            </a:endParaRPr>
+          </a:p>
+        </p:txBody>
+      </p:sp>
+      <p:grpSp>
+        <p:nvGrpSpPr>
+          <p:cNvPr id="12" name="Grupo 11"/>
+          <p:cNvGrpSpPr/>
+          <p:nvPr/>
+        </p:nvGrpSpPr>
+        <p:grpSpPr>
+          <a:xfrm>
+            <a:off x="948845" y="1476741"/>
+            <a:ext cx="5185808" cy="5128920"/>
+            <a:chOff x="948845" y="1533013"/>
+            <a:chExt cx="5185808" cy="5128920"/>
+          </a:xfrm>
+        </p:grpSpPr>
+        <p:sp>
+          <p:nvSpPr>
+            <p:cNvPr id="5" name="Elipse 4"/>
+            <p:cNvSpPr/>
+            <p:nvPr/>
+          </p:nvSpPr>
+          <p:spPr>
+            <a:xfrm>
+              <a:off x="948845" y="1533013"/>
+              <a:ext cx="5185808" cy="5128920"/>
+            </a:xfrm>
+            <a:prstGeom prst="ellipse">
+              <a:avLst/>
+            </a:prstGeom>
+            <a:solidFill>
+              <a:srgbClr val="548494"/>
+            </a:solidFill>
+            <a:ln w="19050">
+              <a:solidFill>
+                <a:schemeClr val="tx2">
+                  <a:lumMod val="75000"/>
+                  <a:lumOff val="25000"/>
+                </a:schemeClr>
+              </a:solidFill>
+            </a:ln>
+          </p:spPr>
+          <p:style>
+            <a:lnRef idx="2">
+              <a:schemeClr val="accent1">
+                <a:shade val="50000"/>
+              </a:schemeClr>
+            </a:lnRef>
+            <a:fillRef idx="1">
+              <a:schemeClr val="accent1"/>
+            </a:fillRef>
+            <a:effectRef idx="0">
+              <a:schemeClr val="accent1"/>
+            </a:effectRef>
+            <a:fontRef idx="minor">
+              <a:schemeClr val="lt1"/>
+            </a:fontRef>
+          </p:style>
+          <p:txBody>
+            <a:bodyPr wrap="square" lIns="0" rIns="0" rtlCol="0" anchor="ctr"/>
+            <a:lstStyle/>
+            <a:p>
+              <a:pPr algn="ctr"/>
+              <a:endParaRPr lang="es-ES" b="1" dirty="0">
+                <a:solidFill>
+                  <a:schemeClr val="bg1"/>
+                </a:solidFill>
+                <a:latin typeface="Calibri" panose="020F0502020204030204" pitchFamily="34" charset="0"/>
+                <a:cs typeface="Calibri" panose="020F0502020204030204" pitchFamily="34" charset="0"/>
+              </a:endParaRPr>
+            </a:p>
+          </p:txBody>
+        </p:sp>
+        <p:sp>
+          <p:nvSpPr>
+            <p:cNvPr id="6" name="CuadroTexto 5"/>
+            <p:cNvSpPr txBox="1"/>
+            <p:nvPr/>
+          </p:nvSpPr>
+          <p:spPr>
+            <a:xfrm>
+              <a:off x="1482175" y="2475306"/>
+              <a:ext cx="4318473" cy="954107"/>
+            </a:xfrm>
+            <a:prstGeom prst="rect">
+              <a:avLst/>
+            </a:prstGeom>
+            <a:noFill/>
+          </p:spPr>
+          <p:txBody>
+            <a:bodyPr wrap="square" lIns="36000" rIns="36000" rtlCol="0">
+              <a:spAutoFit/>
+            </a:bodyPr>
+            <a:lstStyle/>
+            <a:p>
+              <a:pPr algn="ctr"/>
+              <a:r>
+                <a:rPr lang="es-ES" sz="2800" b="1" dirty="0" smtClean="0">
+                  <a:solidFill>
+                    <a:schemeClr val="bg1"/>
+                  </a:solidFill>
+                  <a:latin typeface="Calibri" panose="020F0502020204030204" pitchFamily="34" charset="0"/>
+                  <a:cs typeface="Calibri" panose="020F0502020204030204" pitchFamily="34" charset="0"/>
+                </a:rPr>
+                <a:t>El proyecto se ha centrado en dos objetivos.</a:t>
+              </a:r>
+              <a:endParaRPr lang="es-ES" sz="2800" b="1" dirty="0">
+                <a:solidFill>
+                  <a:schemeClr val="bg1"/>
+                </a:solidFill>
+                <a:latin typeface="Calibri" panose="020F0502020204030204" pitchFamily="34" charset="0"/>
+                <a:cs typeface="Calibri" panose="020F0502020204030204" pitchFamily="34" charset="0"/>
+              </a:endParaRPr>
+            </a:p>
+          </p:txBody>
+        </p:sp>
+      </p:grpSp>
+      <p:sp>
+        <p:nvSpPr>
+          <p:cNvPr id="8" name="CuadroTexto 7"/>
+          <p:cNvSpPr txBox="1"/>
+          <p:nvPr/>
+        </p:nvSpPr>
+        <p:spPr>
+          <a:xfrm>
+            <a:off x="1159757" y="3856836"/>
+            <a:ext cx="4974896" cy="584775"/>
+          </a:xfrm>
+          <a:prstGeom prst="rect">
+            <a:avLst/>
+          </a:prstGeom>
+          <a:noFill/>
+        </p:spPr>
+        <p:txBody>
+          <a:bodyPr wrap="square" rtlCol="0">
+            <a:spAutoFit/>
+          </a:bodyPr>
+          <a:lstStyle/>
+          <a:p>
+            <a:pPr marL="571500" indent="-571500">
+              <a:spcAft>
+                <a:spcPts val="1800"/>
+              </a:spcAft>
+              <a:buFont typeface="Arial" panose="020B0604020202020204" pitchFamily="34" charset="0"/>
+              <a:buChar char="•"/>
+            </a:pPr>
+            <a:r>
+              <a:rPr lang="es-ES" sz="3200" b="1" dirty="0" smtClean="0">
+                <a:solidFill>
+                  <a:schemeClr val="bg1"/>
+                </a:solidFill>
+                <a:latin typeface="Calibri" panose="020F0502020204030204" pitchFamily="34" charset="0"/>
+                <a:cs typeface="Calibri" panose="020F0502020204030204" pitchFamily="34" charset="0"/>
+              </a:rPr>
+              <a:t>Resolver un problema.</a:t>
+            </a:r>
+          </a:p>
+        </p:txBody>
+      </p:sp>
+      <p:sp>
+        <p:nvSpPr>
+          <p:cNvPr id="2" name="Rectángulo 1"/>
+          <p:cNvSpPr/>
+          <p:nvPr/>
+        </p:nvSpPr>
+        <p:spPr>
+          <a:xfrm>
+            <a:off x="6611712" y="3641391"/>
+            <a:ext cx="5373928" cy="1015663"/>
+          </a:xfrm>
+          <a:prstGeom prst="rect">
+            <a:avLst/>
+          </a:prstGeom>
+        </p:spPr>
+        <p:txBody>
+          <a:bodyPr wrap="square">
+            <a:spAutoFit/>
+          </a:bodyPr>
+          <a:lstStyle/>
+          <a:p>
+            <a:pPr algn="just"/>
+            <a:r>
+              <a:rPr lang="es-ES" sz="2000" b="1" dirty="0">
+                <a:solidFill>
+                  <a:srgbClr val="548494"/>
+                </a:solidFill>
+                <a:latin typeface="Calibri" panose="020F0502020204030204" pitchFamily="34" charset="0"/>
+                <a:cs typeface="Calibri" panose="020F0502020204030204" pitchFamily="34" charset="0"/>
+              </a:rPr>
+              <a:t>Se pretende solucionar el problema de la desconexión existente entre los diferentes sistemas veterinarios de las CCAA.</a:t>
+            </a:r>
+          </a:p>
+        </p:txBody>
+      </p:sp>
+      <p:pic>
+        <p:nvPicPr>
+          <p:cNvPr id="10" name="Imagen 9"/>
+          <p:cNvPicPr>
+            <a:picLocks noChangeAspect="1"/>
+          </p:cNvPicPr>
+          <p:nvPr/>
+        </p:nvPicPr>
+        <p:blipFill rotWithShape="1">
+          <a:blip r:embed="rId2"/>
+          <a:srcRect l="25269" t="31001" r="25692" b="12274"/>
+          <a:stretch/>
+        </p:blipFill>
+        <p:spPr>
+          <a:xfrm>
+            <a:off x="6509619" y="688961"/>
+            <a:ext cx="4445390" cy="2740452"/>
+          </a:xfrm>
+          <a:prstGeom prst="rect">
+            <a:avLst/>
+          </a:prstGeom>
+        </p:spPr>
+      </p:pic>
+      <p:sp>
+        <p:nvSpPr>
+          <p:cNvPr id="11" name="Rectángulo 10"/>
+          <p:cNvSpPr/>
+          <p:nvPr/>
+        </p:nvSpPr>
+        <p:spPr>
+          <a:xfrm>
+            <a:off x="1164516" y="4576646"/>
+            <a:ext cx="3423245" cy="584775"/>
+          </a:xfrm>
+          <a:prstGeom prst="rect">
+            <a:avLst/>
+          </a:prstGeom>
+        </p:spPr>
+        <p:txBody>
+          <a:bodyPr wrap="none">
+            <a:spAutoFit/>
+          </a:bodyPr>
+          <a:lstStyle/>
+          <a:p>
+            <a:pPr marL="571500" lvl="0" indent="-571500">
+              <a:buFont typeface="Arial" panose="020B0604020202020204" pitchFamily="34" charset="0"/>
+              <a:buChar char="•"/>
+            </a:pPr>
+            <a:r>
+              <a:rPr lang="es-ES" sz="3200" b="1" dirty="0">
+                <a:solidFill>
+                  <a:prstClr val="white"/>
+                </a:solidFill>
+                <a:latin typeface="Calibri" panose="020F0502020204030204" pitchFamily="34" charset="0"/>
+                <a:cs typeface="Calibri" panose="020F0502020204030204" pitchFamily="34" charset="0"/>
+              </a:rPr>
+              <a:t>Aceptar un reto</a:t>
+            </a:r>
+            <a:endParaRPr lang="es-ES" sz="3200" b="1" dirty="0">
+              <a:solidFill>
+                <a:prstClr val="white"/>
+              </a:solidFill>
+              <a:latin typeface="Calibri" panose="020F0502020204030204" pitchFamily="34" charset="0"/>
+              <a:cs typeface="Calibri" panose="020F0502020204030204" pitchFamily="34" charset="0"/>
+            </a:endParaRPr>
+          </a:p>
+        </p:txBody>
+      </p:sp>
+    </p:spTree>
+    <p:extLst>
+      <p:ext uri="{BB962C8B-B14F-4D97-AF65-F5344CB8AC3E}">
+        <p14:creationId xmlns:p14="http://schemas.microsoft.com/office/powerpoint/2010/main" val="1901284571"/>
+      </p:ext>
+    </p:extLst>
+  </p:cSld>
+  <p:clrMapOvr>
+    <a:masterClrMapping/>
+  </p:clrMapOvr>
+  <p:timing>
+    <p:tnLst>
+      <p:par>
+        <p:cTn id="1" dur="indefinite" restart="never" nodeType="tmRoot"/>
+      </p:par>
+    </p:tnLst>
+  </p:timing>
+</p:sld>
+</file>
+
+<file path=ppt/slides/slide5.xml><?xml version="1.0" encoding="utf-8"?>
+<p:sld xmlns:a="http://schemas.openxmlformats.org/drawingml/2006/main" xmlns:r="http://schemas.openxmlformats.org/officeDocument/2006/relationships" xmlns:p="http://schemas.openxmlformats.org/presentationml/2006/main">
+  <p:cSld>
+    <p:spTree>
+      <p:nvGrpSpPr>
+        <p:cNvPr id="1" name=""/>
+        <p:cNvGrpSpPr/>
+        <p:nvPr/>
+      </p:nvGrpSpPr>
+      <p:grpSpPr>
+        <a:xfrm>
+          <a:off x="0" y="0"/>
+          <a:ext cx="0" cy="0"/>
+          <a:chOff x="0" y="0"/>
+          <a:chExt cx="0" cy="0"/>
+        </a:xfrm>
+      </p:grpSpPr>
+      <p:pic>
+        <p:nvPicPr>
+          <p:cNvPr id="4" name="Imagen 3"/>
+          <p:cNvPicPr>
+            <a:picLocks noChangeAspect="1"/>
+          </p:cNvPicPr>
+          <p:nvPr/>
+        </p:nvPicPr>
+        <p:blipFill rotWithShape="1">
+          <a:blip r:embed="rId2"/>
+          <a:srcRect l="48231" t="29270" r="13923" b="3181"/>
+          <a:stretch/>
+        </p:blipFill>
+        <p:spPr>
+          <a:xfrm>
+            <a:off x="5050300" y="295420"/>
+            <a:ext cx="6093117" cy="5795890"/>
+          </a:xfrm>
+          <a:prstGeom prst="rect">
+            <a:avLst/>
+          </a:prstGeom>
+        </p:spPr>
+      </p:pic>
+      <p:sp>
+        <p:nvSpPr>
+          <p:cNvPr id="5" name="Rectángulo 4"/>
+          <p:cNvSpPr/>
+          <p:nvPr/>
+        </p:nvSpPr>
+        <p:spPr>
+          <a:xfrm>
+            <a:off x="4951826" y="6091310"/>
+            <a:ext cx="5619864" cy="246221"/>
+          </a:xfrm>
+          <a:prstGeom prst="rect">
+            <a:avLst/>
+          </a:prstGeom>
+        </p:spPr>
+        <p:txBody>
+          <a:bodyPr wrap="square">
+            <a:spAutoFit/>
+          </a:bodyPr>
+          <a:lstStyle/>
+          <a:p>
+            <a:r>
+              <a:rPr lang="es-ES" sz="1000" i="1" dirty="0" smtClean="0">
+                <a:solidFill>
+                  <a:schemeClr val="accent1">
+                    <a:lumMod val="50000"/>
+                  </a:schemeClr>
+                </a:solidFill>
+                <a:latin typeface="Arial" panose="020B0604020202020204" pitchFamily="34" charset="0"/>
+              </a:rPr>
+              <a:t>Fuente: https</a:t>
+            </a:r>
+            <a:r>
+              <a:rPr lang="es-ES" sz="1000" i="1" dirty="0">
+                <a:solidFill>
+                  <a:schemeClr val="accent1">
+                    <a:lumMod val="50000"/>
+                  </a:schemeClr>
+                </a:solidFill>
+                <a:latin typeface="Arial" panose="020B0604020202020204" pitchFamily="34" charset="0"/>
+              </a:rPr>
+              <a:t>://drive.google.com/file/d/1JxmV0252ikfsPAwdW_mIRmED2-Ww5VK6/view </a:t>
+            </a:r>
+            <a:endParaRPr lang="es-ES" sz="1000" dirty="0">
+              <a:solidFill>
+                <a:schemeClr val="accent1">
+                  <a:lumMod val="50000"/>
+                </a:schemeClr>
+              </a:solidFill>
+            </a:endParaRPr>
+          </a:p>
+        </p:txBody>
+      </p:sp>
+      <p:sp>
+        <p:nvSpPr>
+          <p:cNvPr id="6" name="Rectángulo 5"/>
+          <p:cNvSpPr/>
+          <p:nvPr/>
+        </p:nvSpPr>
+        <p:spPr>
+          <a:xfrm>
+            <a:off x="1606162" y="3488305"/>
+            <a:ext cx="2846164" cy="584775"/>
+          </a:xfrm>
+          <a:prstGeom prst="rect">
+            <a:avLst/>
+          </a:prstGeom>
+        </p:spPr>
+        <p:txBody>
+          <a:bodyPr wrap="none">
+            <a:spAutoFit/>
+          </a:bodyPr>
+          <a:lstStyle/>
+          <a:p>
+            <a:r>
+              <a:rPr lang="es-ES" sz="3200" b="1" dirty="0">
+                <a:solidFill>
+                  <a:schemeClr val="accent1">
+                    <a:lumMod val="50000"/>
+                  </a:schemeClr>
+                </a:solidFill>
+                <a:latin typeface="Calibri" panose="020F0502020204030204" pitchFamily="34" charset="0"/>
+                <a:cs typeface="Calibri" panose="020F0502020204030204" pitchFamily="34" charset="0"/>
+              </a:rPr>
+              <a:t>Aceptar un reto</a:t>
+            </a:r>
+            <a:endParaRPr lang="es-ES" dirty="0">
+              <a:solidFill>
+                <a:schemeClr val="accent1">
+                  <a:lumMod val="50000"/>
+                </a:schemeClr>
+              </a:solidFill>
+            </a:endParaRPr>
+          </a:p>
+        </p:txBody>
+      </p:sp>
+    </p:spTree>
+    <p:extLst>
+      <p:ext uri="{BB962C8B-B14F-4D97-AF65-F5344CB8AC3E}">
+        <p14:creationId xmlns:p14="http://schemas.microsoft.com/office/powerpoint/2010/main" val="1646743644"/>
+      </p:ext>
+    </p:extLst>
+  </p:cSld>
+  <p:clrMapOvr>
+    <a:masterClrMapping/>
+  </p:clrMapOvr>
+  <p:timing>
+    <p:tnLst>
+      <p:par>
+        <p:cTn id="1" dur="indefinite" restart="never" nodeType="tmRoot"/>
+      </p:par>
+    </p:tnLst>
+  </p:timing>
+</p:sld>
+</file>
+
+<file path=ppt/slides/slide6.xml><?xml version="1.0" encoding="utf-8"?>
+<p:sld xmlns:a="http://schemas.openxmlformats.org/drawingml/2006/main" xmlns:r="http://schemas.openxmlformats.org/officeDocument/2006/relationships" xmlns:p="http://schemas.openxmlformats.org/presentationml/2006/main">
+  <p:cSld>
+    <p:spTree>
+      <p:nvGrpSpPr>
+        <p:cNvPr id="1" name=""/>
+        <p:cNvGrpSpPr/>
+        <p:nvPr/>
+      </p:nvGrpSpPr>
+      <p:grpSpPr>
+        <a:xfrm>
+          <a:off x="0" y="0"/>
+          <a:ext cx="0" cy="0"/>
+          <a:chOff x="0" y="0"/>
+          <a:chExt cx="0" cy="0"/>
+        </a:xfrm>
+      </p:grpSpPr>
+      <p:sp>
+        <p:nvSpPr>
+          <p:cNvPr id="4" name="Elipse 3"/>
+          <p:cNvSpPr/>
+          <p:nvPr/>
+        </p:nvSpPr>
+        <p:spPr>
+          <a:xfrm>
+            <a:off x="573879" y="299764"/>
+            <a:ext cx="1734670" cy="1748119"/>
+          </a:xfrm>
+          <a:prstGeom prst="ellipse">
+            <a:avLst/>
+          </a:prstGeom>
+          <a:solidFill>
+            <a:srgbClr val="548494"/>
+          </a:solidFill>
+          <a:ln w="19050">
+            <a:solidFill>
+              <a:schemeClr val="tx2">
+                <a:lumMod val="75000"/>
+                <a:lumOff val="25000"/>
+              </a:schemeClr>
+            </a:solidFill>
+          </a:ln>
+        </p:spPr>
+        <p:style>
+          <a:lnRef idx="2">
+            <a:schemeClr val="accent1">
+              <a:shade val="50000"/>
+            </a:schemeClr>
+          </a:lnRef>
+          <a:fillRef idx="1">
+            <a:schemeClr val="accent1"/>
+          </a:fillRef>
+          <a:effectRef idx="0">
+            <a:schemeClr val="accent1"/>
+          </a:effectRef>
+          <a:fontRef idx="minor">
+            <a:schemeClr val="lt1"/>
+          </a:fontRef>
+        </p:style>
+        <p:txBody>
+          <a:bodyPr wrap="square" lIns="0" rIns="0" rtlCol="0" anchor="ctr"/>
+          <a:lstStyle/>
+          <a:p>
+            <a:pPr algn="ctr"/>
+            <a:r>
+              <a:rPr lang="es-ES" sz="2000" b="1" dirty="0" smtClean="0">
+                <a:solidFill>
+                  <a:schemeClr val="bg1"/>
+                </a:solidFill>
+                <a:latin typeface="Calibri" panose="020F0502020204030204" pitchFamily="34" charset="0"/>
+                <a:cs typeface="Calibri" panose="020F0502020204030204" pitchFamily="34" charset="0"/>
+              </a:rPr>
+              <a:t>Solución propuesta</a:t>
+            </a:r>
+            <a:endParaRPr lang="es-ES" sz="2000" b="1" dirty="0">
+              <a:solidFill>
+                <a:schemeClr val="bg1"/>
+              </a:solidFill>
+              <a:latin typeface="Calibri" panose="020F0502020204030204" pitchFamily="34" charset="0"/>
+              <a:cs typeface="Calibri" panose="020F0502020204030204" pitchFamily="34" charset="0"/>
+            </a:endParaRPr>
+          </a:p>
+        </p:txBody>
+      </p:sp>
+      <p:grpSp>
+        <p:nvGrpSpPr>
+          <p:cNvPr id="12" name="Grupo 11"/>
+          <p:cNvGrpSpPr/>
+          <p:nvPr/>
+        </p:nvGrpSpPr>
+        <p:grpSpPr>
+          <a:xfrm>
+            <a:off x="948845" y="1533013"/>
+            <a:ext cx="5185808" cy="5128920"/>
+            <a:chOff x="948845" y="1533013"/>
+            <a:chExt cx="5185808" cy="5128920"/>
+          </a:xfrm>
+        </p:grpSpPr>
+        <p:sp>
+          <p:nvSpPr>
+            <p:cNvPr id="5" name="Elipse 4"/>
+            <p:cNvSpPr/>
+            <p:nvPr/>
+          </p:nvSpPr>
+          <p:spPr>
+            <a:xfrm>
+              <a:off x="948845" y="1533013"/>
+              <a:ext cx="5185808" cy="5128920"/>
+            </a:xfrm>
+            <a:prstGeom prst="ellipse">
+              <a:avLst/>
+            </a:prstGeom>
+            <a:solidFill>
+              <a:srgbClr val="548494"/>
+            </a:solidFill>
+            <a:ln w="19050">
+              <a:solidFill>
+                <a:schemeClr val="tx2">
+                  <a:lumMod val="75000"/>
+                  <a:lumOff val="25000"/>
+                </a:schemeClr>
+              </a:solidFill>
+            </a:ln>
+          </p:spPr>
+          <p:style>
+            <a:lnRef idx="2">
+              <a:schemeClr val="accent1">
+                <a:shade val="50000"/>
+              </a:schemeClr>
+            </a:lnRef>
+            <a:fillRef idx="1">
+              <a:schemeClr val="accent1"/>
+            </a:fillRef>
+            <a:effectRef idx="0">
+              <a:schemeClr val="accent1"/>
+            </a:effectRef>
+            <a:fontRef idx="minor">
+              <a:schemeClr val="lt1"/>
+            </a:fontRef>
+          </p:style>
+          <p:txBody>
+            <a:bodyPr wrap="square" lIns="0" rIns="0" rtlCol="0" anchor="ctr"/>
+            <a:lstStyle/>
+            <a:p>
+              <a:pPr algn="ctr"/>
+              <a:endParaRPr lang="es-ES" b="1" dirty="0">
+                <a:solidFill>
+                  <a:schemeClr val="bg1"/>
+                </a:solidFill>
+                <a:latin typeface="Calibri" panose="020F0502020204030204" pitchFamily="34" charset="0"/>
+                <a:cs typeface="Calibri" panose="020F0502020204030204" pitchFamily="34" charset="0"/>
+              </a:endParaRPr>
+            </a:p>
+          </p:txBody>
+        </p:sp>
+        <p:sp>
+          <p:nvSpPr>
+            <p:cNvPr id="6" name="CuadroTexto 5"/>
+            <p:cNvSpPr txBox="1"/>
+            <p:nvPr/>
+          </p:nvSpPr>
+          <p:spPr>
+            <a:xfrm>
+              <a:off x="2308549" y="1940734"/>
+              <a:ext cx="3344233" cy="954107"/>
+            </a:xfrm>
+            <a:prstGeom prst="rect">
+              <a:avLst/>
+            </a:prstGeom>
+            <a:noFill/>
+          </p:spPr>
+          <p:txBody>
+            <a:bodyPr wrap="square" lIns="36000" rIns="36000" rtlCol="0">
+              <a:spAutoFit/>
+            </a:bodyPr>
+            <a:lstStyle/>
+            <a:p>
+              <a:r>
+                <a:rPr lang="es-ES" sz="2800" b="1" dirty="0" smtClean="0">
+                  <a:solidFill>
+                    <a:schemeClr val="bg1"/>
+                  </a:solidFill>
+                  <a:latin typeface="Calibri" panose="020F0502020204030204" pitchFamily="34" charset="0"/>
+                  <a:cs typeface="Calibri" panose="020F0502020204030204" pitchFamily="34" charset="0"/>
+                </a:rPr>
+                <a:t>Aplicación web clásica formada por:</a:t>
+              </a:r>
+              <a:endParaRPr lang="es-ES" sz="2800" b="1" dirty="0">
+                <a:solidFill>
+                  <a:schemeClr val="bg1"/>
+                </a:solidFill>
+                <a:latin typeface="Calibri" panose="020F0502020204030204" pitchFamily="34" charset="0"/>
+                <a:cs typeface="Calibri" panose="020F0502020204030204" pitchFamily="34" charset="0"/>
+              </a:endParaRPr>
+            </a:p>
+          </p:txBody>
+        </p:sp>
+      </p:grpSp>
+      <p:sp>
+        <p:nvSpPr>
+          <p:cNvPr id="7" name="Rectángulo 6"/>
+          <p:cNvSpPr/>
+          <p:nvPr/>
+        </p:nvSpPr>
+        <p:spPr>
+          <a:xfrm>
+            <a:off x="1224326" y="3302562"/>
+            <a:ext cx="4428456" cy="707886"/>
+          </a:xfrm>
+          <a:prstGeom prst="rect">
+            <a:avLst/>
+          </a:prstGeom>
+        </p:spPr>
+        <p:txBody>
+          <a:bodyPr wrap="none">
+            <a:spAutoFit/>
+          </a:bodyPr>
+          <a:lstStyle/>
+          <a:p>
+            <a:pPr marL="342900" indent="-342900">
+              <a:buFont typeface="Arial" panose="020B0604020202020204" pitchFamily="34" charset="0"/>
+              <a:buChar char="•"/>
+            </a:pPr>
+            <a:r>
+              <a:rPr lang="es-ES" sz="2000" b="1" dirty="0" smtClean="0">
+                <a:solidFill>
+                  <a:schemeClr val="bg1"/>
+                </a:solidFill>
+                <a:latin typeface="Calibri" panose="020F0502020204030204" pitchFamily="34" charset="0"/>
+                <a:cs typeface="Calibri" panose="020F0502020204030204" pitchFamily="34" charset="0"/>
+              </a:rPr>
+              <a:t>Frontal en framework </a:t>
+            </a:r>
+            <a:r>
+              <a:rPr lang="es-ES" sz="2000" b="1" dirty="0" err="1" smtClean="0">
+                <a:solidFill>
+                  <a:schemeClr val="bg1"/>
+                </a:solidFill>
+                <a:latin typeface="Calibri" panose="020F0502020204030204" pitchFamily="34" charset="0"/>
+                <a:cs typeface="Calibri" panose="020F0502020204030204" pitchFamily="34" charset="0"/>
+              </a:rPr>
+              <a:t>VueJS</a:t>
+            </a:r>
+            <a:endParaRPr lang="es-ES" sz="2000" b="1" dirty="0">
+              <a:solidFill>
+                <a:schemeClr val="bg1"/>
+              </a:solidFill>
+              <a:latin typeface="Calibri" panose="020F0502020204030204" pitchFamily="34" charset="0"/>
+              <a:cs typeface="Calibri" panose="020F0502020204030204" pitchFamily="34" charset="0"/>
+            </a:endParaRPr>
+          </a:p>
+          <a:p>
+            <a:pPr marL="342900" indent="-342900">
+              <a:buFont typeface="Arial" panose="020B0604020202020204" pitchFamily="34" charset="0"/>
+              <a:buChar char="•"/>
+            </a:pPr>
+            <a:r>
+              <a:rPr lang="es-ES" sz="2000" b="1" dirty="0" smtClean="0">
+                <a:solidFill>
+                  <a:schemeClr val="bg1"/>
+                </a:solidFill>
+                <a:latin typeface="Calibri" panose="020F0502020204030204" pitchFamily="34" charset="0"/>
+                <a:cs typeface="Calibri" panose="020F0502020204030204" pitchFamily="34" charset="0"/>
+              </a:rPr>
+              <a:t>Capa de servicios </a:t>
+            </a:r>
+            <a:r>
+              <a:rPr lang="es-ES" sz="2000" b="1" dirty="0" err="1" smtClean="0">
+                <a:solidFill>
+                  <a:schemeClr val="bg1"/>
+                </a:solidFill>
+                <a:latin typeface="Calibri" panose="020F0502020204030204" pitchFamily="34" charset="0"/>
+                <a:cs typeface="Calibri" panose="020F0502020204030204" pitchFamily="34" charset="0"/>
+              </a:rPr>
+              <a:t>javascript</a:t>
+            </a:r>
+            <a:r>
+              <a:rPr lang="es-ES" sz="2000" b="1" dirty="0" smtClean="0">
+                <a:solidFill>
+                  <a:schemeClr val="bg1"/>
+                </a:solidFill>
+                <a:latin typeface="Calibri" panose="020F0502020204030204" pitchFamily="34" charset="0"/>
+                <a:cs typeface="Calibri" panose="020F0502020204030204" pitchFamily="34" charset="0"/>
+              </a:rPr>
+              <a:t>: Web3.js</a:t>
+            </a:r>
+            <a:endParaRPr lang="es-ES" sz="2000" b="1" dirty="0">
+              <a:solidFill>
+                <a:schemeClr val="bg1"/>
+              </a:solidFill>
+              <a:latin typeface="Calibri" panose="020F0502020204030204" pitchFamily="34" charset="0"/>
+              <a:cs typeface="Calibri" panose="020F0502020204030204" pitchFamily="34" charset="0"/>
+            </a:endParaRPr>
+          </a:p>
+        </p:txBody>
+      </p:sp>
+    </p:spTree>
+    <p:extLst>
+      <p:ext uri="{BB962C8B-B14F-4D97-AF65-F5344CB8AC3E}">
+        <p14:creationId xmlns:p14="http://schemas.microsoft.com/office/powerpoint/2010/main" val="4179998563"/>
+      </p:ext>
+    </p:extLst>
+  </p:cSld>
+  <p:clrMapOvr>
+    <a:masterClrMapping/>
+  </p:clrMapOvr>
+  <p:timing>
+    <p:tnLst>
+      <p:par>
+        <p:cTn id="1" dur="indefinite" restart="never" nodeType="tmRoot"/>
+      </p:par>
+    </p:tnLst>
   </p:timing>
 </p:sld>
 </file>

--- a/Defensa TFG.pptx
+++ b/Defensa TFG.pptx
@@ -4,6 +4,9 @@
   <p:sldMasterIdLst>
     <p:sldMasterId id="2147483660" r:id="rId1"/>
   </p:sldMasterIdLst>
+  <p:notesMasterIdLst>
+    <p:notesMasterId r:id="rId9"/>
+  </p:notesMasterIdLst>
   <p:sldIdLst>
     <p:sldId id="256" r:id="rId2"/>
     <p:sldId id="258" r:id="rId3"/>
@@ -11,6 +14,7 @@
     <p:sldId id="259" r:id="rId5"/>
     <p:sldId id="260" r:id="rId6"/>
     <p:sldId id="261" r:id="rId7"/>
+    <p:sldId id="262" r:id="rId8"/>
   </p:sldIdLst>
   <p:sldSz cx="12192000" cy="6858000"/>
   <p:notesSz cx="6858000" cy="9144000"/>
@@ -115,6 +119,356 @@
     </p:ext>
   </p:extLst>
 </p:presentation>
+</file>
+
+<file path=ppt/notesMasters/notesMaster1.xml><?xml version="1.0" encoding="utf-8"?>
+<p:notesMaster xmlns:a="http://schemas.openxmlformats.org/drawingml/2006/main" xmlns:r="http://schemas.openxmlformats.org/officeDocument/2006/relationships" xmlns:p="http://schemas.openxmlformats.org/presentationml/2006/main">
+  <p:cSld>
+    <p:bg>
+      <p:bgRef idx="1001">
+        <a:schemeClr val="bg1"/>
+      </p:bgRef>
+    </p:bg>
+    <p:spTree>
+      <p:nvGrpSpPr>
+        <p:cNvPr id="1" name=""/>
+        <p:cNvGrpSpPr/>
+        <p:nvPr/>
+      </p:nvGrpSpPr>
+      <p:grpSpPr>
+        <a:xfrm>
+          <a:off x="0" y="0"/>
+          <a:ext cx="0" cy="0"/>
+          <a:chOff x="0" y="0"/>
+          <a:chExt cx="0" cy="0"/>
+        </a:xfrm>
+      </p:grpSpPr>
+      <p:sp>
+        <p:nvSpPr>
+          <p:cNvPr id="2" name="Marcador de encabezado 1"/>
+          <p:cNvSpPr>
+            <a:spLocks noGrp="1"/>
+          </p:cNvSpPr>
+          <p:nvPr>
+            <p:ph type="hdr" sz="quarter"/>
+          </p:nvPr>
+        </p:nvSpPr>
+        <p:spPr>
+          <a:xfrm>
+            <a:off x="0" y="0"/>
+            <a:ext cx="2971800" cy="458788"/>
+          </a:xfrm>
+          <a:prstGeom prst="rect">
+            <a:avLst/>
+          </a:prstGeom>
+        </p:spPr>
+        <p:txBody>
+          <a:bodyPr vert="horz" lIns="91440" tIns="45720" rIns="91440" bIns="45720" rtlCol="0"/>
+          <a:lstStyle>
+            <a:lvl1pPr algn="l">
+              <a:defRPr sz="1200"/>
+            </a:lvl1pPr>
+          </a:lstStyle>
+          <a:p>
+            <a:endParaRPr lang="es-ES"/>
+          </a:p>
+        </p:txBody>
+      </p:sp>
+      <p:sp>
+        <p:nvSpPr>
+          <p:cNvPr id="3" name="Marcador de fecha 2"/>
+          <p:cNvSpPr>
+            <a:spLocks noGrp="1"/>
+          </p:cNvSpPr>
+          <p:nvPr>
+            <p:ph type="dt" idx="1"/>
+          </p:nvPr>
+        </p:nvSpPr>
+        <p:spPr>
+          <a:xfrm>
+            <a:off x="3884613" y="0"/>
+            <a:ext cx="2971800" cy="458788"/>
+          </a:xfrm>
+          <a:prstGeom prst="rect">
+            <a:avLst/>
+          </a:prstGeom>
+        </p:spPr>
+        <p:txBody>
+          <a:bodyPr vert="horz" lIns="91440" tIns="45720" rIns="91440" bIns="45720" rtlCol="0"/>
+          <a:lstStyle>
+            <a:lvl1pPr algn="r">
+              <a:defRPr sz="1200"/>
+            </a:lvl1pPr>
+          </a:lstStyle>
+          <a:p>
+            <a:fld id="{536AB874-D0BD-49D3-B3D2-B0E4C3F5D7FB}" type="datetimeFigureOut">
+              <a:rPr lang="es-ES" smtClean="0"/>
+              <a:t>09/11/2019</a:t>
+            </a:fld>
+            <a:endParaRPr lang="es-ES"/>
+          </a:p>
+        </p:txBody>
+      </p:sp>
+      <p:sp>
+        <p:nvSpPr>
+          <p:cNvPr id="4" name="Marcador de imagen de diapositiva 3"/>
+          <p:cNvSpPr>
+            <a:spLocks noGrp="1" noRot="1" noChangeAspect="1"/>
+          </p:cNvSpPr>
+          <p:nvPr>
+            <p:ph type="sldImg" idx="2"/>
+          </p:nvPr>
+        </p:nvSpPr>
+        <p:spPr>
+          <a:xfrm>
+            <a:off x="685800" y="1143000"/>
+            <a:ext cx="5486400" cy="3086100"/>
+          </a:xfrm>
+          <a:prstGeom prst="rect">
+            <a:avLst/>
+          </a:prstGeom>
+          <a:noFill/>
+          <a:ln w="12700">
+            <a:solidFill>
+              <a:prstClr val="black"/>
+            </a:solidFill>
+          </a:ln>
+        </p:spPr>
+        <p:txBody>
+          <a:bodyPr vert="horz" lIns="91440" tIns="45720" rIns="91440" bIns="45720" rtlCol="0" anchor="ctr"/>
+          <a:lstStyle/>
+          <a:p>
+            <a:endParaRPr lang="es-ES"/>
+          </a:p>
+        </p:txBody>
+      </p:sp>
+      <p:sp>
+        <p:nvSpPr>
+          <p:cNvPr id="5" name="Marcador de notas 4"/>
+          <p:cNvSpPr>
+            <a:spLocks noGrp="1"/>
+          </p:cNvSpPr>
+          <p:nvPr>
+            <p:ph type="body" sz="quarter" idx="3"/>
+          </p:nvPr>
+        </p:nvSpPr>
+        <p:spPr>
+          <a:xfrm>
+            <a:off x="685800" y="4400550"/>
+            <a:ext cx="5486400" cy="3600450"/>
+          </a:xfrm>
+          <a:prstGeom prst="rect">
+            <a:avLst/>
+          </a:prstGeom>
+        </p:spPr>
+        <p:txBody>
+          <a:bodyPr vert="horz" lIns="91440" tIns="45720" rIns="91440" bIns="45720" rtlCol="0"/>
+          <a:lstStyle/>
+          <a:p>
+            <a:pPr lvl="0"/>
+            <a:r>
+              <a:rPr lang="es-ES" smtClean="0"/>
+              <a:t>Haga clic para modificar el estilo de texto del patrón</a:t>
+            </a:r>
+          </a:p>
+          <a:p>
+            <a:pPr lvl="1"/>
+            <a:r>
+              <a:rPr lang="es-ES" smtClean="0"/>
+              <a:t>Segundo nivel</a:t>
+            </a:r>
+          </a:p>
+          <a:p>
+            <a:pPr lvl="2"/>
+            <a:r>
+              <a:rPr lang="es-ES" smtClean="0"/>
+              <a:t>Tercer nivel</a:t>
+            </a:r>
+          </a:p>
+          <a:p>
+            <a:pPr lvl="3"/>
+            <a:r>
+              <a:rPr lang="es-ES" smtClean="0"/>
+              <a:t>Cuarto nivel</a:t>
+            </a:r>
+          </a:p>
+          <a:p>
+            <a:pPr lvl="4"/>
+            <a:r>
+              <a:rPr lang="es-ES" smtClean="0"/>
+              <a:t>Quinto nivel</a:t>
+            </a:r>
+            <a:endParaRPr lang="es-ES"/>
+          </a:p>
+        </p:txBody>
+      </p:sp>
+      <p:sp>
+        <p:nvSpPr>
+          <p:cNvPr id="6" name="Marcador de pie de página 5"/>
+          <p:cNvSpPr>
+            <a:spLocks noGrp="1"/>
+          </p:cNvSpPr>
+          <p:nvPr>
+            <p:ph type="ftr" sz="quarter" idx="4"/>
+          </p:nvPr>
+        </p:nvSpPr>
+        <p:spPr>
+          <a:xfrm>
+            <a:off x="0" y="8685213"/>
+            <a:ext cx="2971800" cy="458787"/>
+          </a:xfrm>
+          <a:prstGeom prst="rect">
+            <a:avLst/>
+          </a:prstGeom>
+        </p:spPr>
+        <p:txBody>
+          <a:bodyPr vert="horz" lIns="91440" tIns="45720" rIns="91440" bIns="45720" rtlCol="0" anchor="b"/>
+          <a:lstStyle>
+            <a:lvl1pPr algn="l">
+              <a:defRPr sz="1200"/>
+            </a:lvl1pPr>
+          </a:lstStyle>
+          <a:p>
+            <a:endParaRPr lang="es-ES"/>
+          </a:p>
+        </p:txBody>
+      </p:sp>
+      <p:sp>
+        <p:nvSpPr>
+          <p:cNvPr id="7" name="Marcador de número de diapositiva 6"/>
+          <p:cNvSpPr>
+            <a:spLocks noGrp="1"/>
+          </p:cNvSpPr>
+          <p:nvPr>
+            <p:ph type="sldNum" sz="quarter" idx="5"/>
+          </p:nvPr>
+        </p:nvSpPr>
+        <p:spPr>
+          <a:xfrm>
+            <a:off x="3884613" y="8685213"/>
+            <a:ext cx="2971800" cy="458787"/>
+          </a:xfrm>
+          <a:prstGeom prst="rect">
+            <a:avLst/>
+          </a:prstGeom>
+        </p:spPr>
+        <p:txBody>
+          <a:bodyPr vert="horz" lIns="91440" tIns="45720" rIns="91440" bIns="45720" rtlCol="0" anchor="b"/>
+          <a:lstStyle>
+            <a:lvl1pPr algn="r">
+              <a:defRPr sz="1200"/>
+            </a:lvl1pPr>
+          </a:lstStyle>
+          <a:p>
+            <a:fld id="{564D1C59-9AB2-4FF3-BD76-86D9FAD72321}" type="slidenum">
+              <a:rPr lang="es-ES" smtClean="0"/>
+              <a:t>‹Nº›</a:t>
+            </a:fld>
+            <a:endParaRPr lang="es-ES"/>
+          </a:p>
+        </p:txBody>
+      </p:sp>
+    </p:spTree>
+    <p:extLst>
+      <p:ext uri="{BB962C8B-B14F-4D97-AF65-F5344CB8AC3E}">
+        <p14:creationId xmlns:p14="http://schemas.microsoft.com/office/powerpoint/2010/main" val="3876289942"/>
+      </p:ext>
+    </p:extLst>
+  </p:cSld>
+  <p:clrMap bg1="lt1" tx1="dk1" bg2="lt2" tx2="dk2" accent1="accent1" accent2="accent2" accent3="accent3" accent4="accent4" accent5="accent5" accent6="accent6" hlink="hlink" folHlink="folHlink"/>
+  <p:notesStyle>
+    <a:lvl1pPr marL="0" algn="l" defTabSz="914400" rtl="0" eaLnBrk="1" latinLnBrk="0" hangingPunct="1">
+      <a:defRPr sz="1200" kern="1200">
+        <a:solidFill>
+          <a:schemeClr val="tx1"/>
+        </a:solidFill>
+        <a:latin typeface="+mn-lt"/>
+        <a:ea typeface="+mn-ea"/>
+        <a:cs typeface="+mn-cs"/>
+      </a:defRPr>
+    </a:lvl1pPr>
+    <a:lvl2pPr marL="457200" algn="l" defTabSz="914400" rtl="0" eaLnBrk="1" latinLnBrk="0" hangingPunct="1">
+      <a:defRPr sz="1200" kern="1200">
+        <a:solidFill>
+          <a:schemeClr val="tx1"/>
+        </a:solidFill>
+        <a:latin typeface="+mn-lt"/>
+        <a:ea typeface="+mn-ea"/>
+        <a:cs typeface="+mn-cs"/>
+      </a:defRPr>
+    </a:lvl2pPr>
+    <a:lvl3pPr marL="914400" algn="l" defTabSz="914400" rtl="0" eaLnBrk="1" latinLnBrk="0" hangingPunct="1">
+      <a:defRPr sz="1200" kern="1200">
+        <a:solidFill>
+          <a:schemeClr val="tx1"/>
+        </a:solidFill>
+        <a:latin typeface="+mn-lt"/>
+        <a:ea typeface="+mn-ea"/>
+        <a:cs typeface="+mn-cs"/>
+      </a:defRPr>
+    </a:lvl3pPr>
+    <a:lvl4pPr marL="1371600" algn="l" defTabSz="914400" rtl="0" eaLnBrk="1" latinLnBrk="0" hangingPunct="1">
+      <a:defRPr sz="1200" kern="1200">
+        <a:solidFill>
+          <a:schemeClr val="tx1"/>
+        </a:solidFill>
+        <a:latin typeface="+mn-lt"/>
+        <a:ea typeface="+mn-ea"/>
+        <a:cs typeface="+mn-cs"/>
+      </a:defRPr>
+    </a:lvl4pPr>
+    <a:lvl5pPr marL="1828800" algn="l" defTabSz="914400" rtl="0" eaLnBrk="1" latinLnBrk="0" hangingPunct="1">
+      <a:defRPr sz="1200" kern="1200">
+        <a:solidFill>
+          <a:schemeClr val="tx1"/>
+        </a:solidFill>
+        <a:latin typeface="+mn-lt"/>
+        <a:ea typeface="+mn-ea"/>
+        <a:cs typeface="+mn-cs"/>
+      </a:defRPr>
+    </a:lvl5pPr>
+    <a:lvl6pPr marL="2286000" algn="l" defTabSz="914400" rtl="0" eaLnBrk="1" latinLnBrk="0" hangingPunct="1">
+      <a:defRPr sz="1200" kern="1200">
+        <a:solidFill>
+          <a:schemeClr val="tx1"/>
+        </a:solidFill>
+        <a:latin typeface="+mn-lt"/>
+        <a:ea typeface="+mn-ea"/>
+        <a:cs typeface="+mn-cs"/>
+      </a:defRPr>
+    </a:lvl6pPr>
+    <a:lvl7pPr marL="2743200" algn="l" defTabSz="914400" rtl="0" eaLnBrk="1" latinLnBrk="0" hangingPunct="1">
+      <a:defRPr sz="1200" kern="1200">
+        <a:solidFill>
+          <a:schemeClr val="tx1"/>
+        </a:solidFill>
+        <a:latin typeface="+mn-lt"/>
+        <a:ea typeface="+mn-ea"/>
+        <a:cs typeface="+mn-cs"/>
+      </a:defRPr>
+    </a:lvl7pPr>
+    <a:lvl8pPr marL="3200400" algn="l" defTabSz="914400" rtl="0" eaLnBrk="1" latinLnBrk="0" hangingPunct="1">
+      <a:defRPr sz="1200" kern="1200">
+        <a:solidFill>
+          <a:schemeClr val="tx1"/>
+        </a:solidFill>
+        <a:latin typeface="+mn-lt"/>
+        <a:ea typeface="+mn-ea"/>
+        <a:cs typeface="+mn-cs"/>
+      </a:defRPr>
+    </a:lvl8pPr>
+    <a:lvl9pPr marL="3657600" algn="l" defTabSz="914400" rtl="0" eaLnBrk="1" latinLnBrk="0" hangingPunct="1">
+      <a:defRPr sz="1200" kern="1200">
+        <a:solidFill>
+          <a:schemeClr val="tx1"/>
+        </a:solidFill>
+        <a:latin typeface="+mn-lt"/>
+        <a:ea typeface="+mn-ea"/>
+        <a:cs typeface="+mn-cs"/>
+      </a:defRPr>
+    </a:lvl9pPr>
+  </p:notesStyle>
+</p:notesMaster>
 </file>
 
 <file path=ppt/slideLayouts/slideLayout1.xml><?xml version="1.0" encoding="utf-8"?>
@@ -1112,7 +1466,7 @@
           <a:p>
             <a:fld id="{DCD2F85C-5785-4909-909D-72FCCDF8845C}" type="datetimeFigureOut">
               <a:rPr lang="es-ES" smtClean="0"/>
-              <a:t>05/11/2019</a:t>
+              <a:t>09/11/2019</a:t>
             </a:fld>
             <a:endParaRPr lang="es-ES"/>
           </a:p>
@@ -1360,7 +1714,7 @@
           <a:p>
             <a:fld id="{DCD2F85C-5785-4909-909D-72FCCDF8845C}" type="datetimeFigureOut">
               <a:rPr lang="es-ES" smtClean="0"/>
-              <a:t>05/11/2019</a:t>
+              <a:t>09/11/2019</a:t>
             </a:fld>
             <a:endParaRPr lang="es-ES"/>
           </a:p>
@@ -1900,7 +2254,7 @@
           <a:p>
             <a:fld id="{DCD2F85C-5785-4909-909D-72FCCDF8845C}" type="datetimeFigureOut">
               <a:rPr lang="es-ES" smtClean="0"/>
-              <a:t>05/11/2019</a:t>
+              <a:t>09/11/2019</a:t>
             </a:fld>
             <a:endParaRPr lang="es-ES"/>
           </a:p>
@@ -2148,7 +2502,7 @@
           <a:p>
             <a:fld id="{DCD2F85C-5785-4909-909D-72FCCDF8845C}" type="datetimeFigureOut">
               <a:rPr lang="es-ES" smtClean="0"/>
-              <a:t>05/11/2019</a:t>
+              <a:t>09/11/2019</a:t>
             </a:fld>
             <a:endParaRPr lang="es-ES"/>
           </a:p>
@@ -2680,7 +3034,7 @@
           <a:p>
             <a:fld id="{DCD2F85C-5785-4909-909D-72FCCDF8845C}" type="datetimeFigureOut">
               <a:rPr lang="es-ES" smtClean="0"/>
-              <a:t>05/11/2019</a:t>
+              <a:t>09/11/2019</a:t>
             </a:fld>
             <a:endParaRPr lang="es-ES"/>
           </a:p>
@@ -2977,7 +3331,7 @@
           <a:p>
             <a:fld id="{DCD2F85C-5785-4909-909D-72FCCDF8845C}" type="datetimeFigureOut">
               <a:rPr lang="es-ES" smtClean="0"/>
-              <a:t>05/11/2019</a:t>
+              <a:t>09/11/2019</a:t>
             </a:fld>
             <a:endParaRPr lang="es-ES"/>
           </a:p>
@@ -3151,7 +3505,7 @@
           <a:p>
             <a:fld id="{DCD2F85C-5785-4909-909D-72FCCDF8845C}" type="datetimeFigureOut">
               <a:rPr lang="es-ES" smtClean="0"/>
-              <a:t>05/11/2019</a:t>
+              <a:t>09/11/2019</a:t>
             </a:fld>
             <a:endParaRPr lang="es-ES"/>
           </a:p>
@@ -3331,7 +3685,7 @@
           <a:p>
             <a:fld id="{DCD2F85C-5785-4909-909D-72FCCDF8845C}" type="datetimeFigureOut">
               <a:rPr lang="es-ES" smtClean="0"/>
-              <a:t>05/11/2019</a:t>
+              <a:t>09/11/2019</a:t>
             </a:fld>
             <a:endParaRPr lang="es-ES"/>
           </a:p>
@@ -3835,7 +4189,7 @@
           <a:p>
             <a:fld id="{DCD2F85C-5785-4909-909D-72FCCDF8845C}" type="datetimeFigureOut">
               <a:rPr lang="es-ES" smtClean="0"/>
-              <a:t>05/11/2019</a:t>
+              <a:t>09/11/2019</a:t>
             </a:fld>
             <a:endParaRPr lang="es-ES"/>
           </a:p>
@@ -4139,7 +4493,7 @@
           <a:p>
             <a:fld id="{DCD2F85C-5785-4909-909D-72FCCDF8845C}" type="datetimeFigureOut">
               <a:rPr lang="es-ES" smtClean="0"/>
-              <a:t>05/11/2019</a:t>
+              <a:t>09/11/2019</a:t>
             </a:fld>
             <a:endParaRPr lang="es-ES"/>
           </a:p>
@@ -4588,7 +4942,7 @@
           <a:p>
             <a:fld id="{DCD2F85C-5785-4909-909D-72FCCDF8845C}" type="datetimeFigureOut">
               <a:rPr lang="es-ES" smtClean="0"/>
-              <a:t>05/11/2019</a:t>
+              <a:t>09/11/2019</a:t>
             </a:fld>
             <a:endParaRPr lang="es-ES"/>
           </a:p>
@@ -4713,7 +5067,7 @@
           <a:p>
             <a:fld id="{DCD2F85C-5785-4909-909D-72FCCDF8845C}" type="datetimeFigureOut">
               <a:rPr lang="es-ES" smtClean="0"/>
-              <a:t>05/11/2019</a:t>
+              <a:t>09/11/2019</a:t>
             </a:fld>
             <a:endParaRPr lang="es-ES"/>
           </a:p>
@@ -4815,7 +5169,7 @@
           <a:p>
             <a:fld id="{DCD2F85C-5785-4909-909D-72FCCDF8845C}" type="datetimeFigureOut">
               <a:rPr lang="es-ES" smtClean="0"/>
-              <a:t>05/11/2019</a:t>
+              <a:t>09/11/2019</a:t>
             </a:fld>
             <a:endParaRPr lang="es-ES"/>
           </a:p>
@@ -5098,7 +5452,7 @@
           <a:p>
             <a:fld id="{DCD2F85C-5785-4909-909D-72FCCDF8845C}" type="datetimeFigureOut">
               <a:rPr lang="es-ES" smtClean="0"/>
-              <a:t>05/11/2019</a:t>
+              <a:t>09/11/2019</a:t>
             </a:fld>
             <a:endParaRPr lang="es-ES"/>
           </a:p>
@@ -5389,7 +5743,7 @@
           <a:p>
             <a:fld id="{DCD2F85C-5785-4909-909D-72FCCDF8845C}" type="datetimeFigureOut">
               <a:rPr lang="es-ES" smtClean="0"/>
-              <a:t>05/11/2019</a:t>
+              <a:t>09/11/2019</a:t>
             </a:fld>
             <a:endParaRPr lang="es-ES"/>
           </a:p>
@@ -5954,7 +6308,7 @@
           <a:p>
             <a:fld id="{DCD2F85C-5785-4909-909D-72FCCDF8845C}" type="datetimeFigureOut">
               <a:rPr lang="es-ES" smtClean="0"/>
-              <a:t>05/11/2019</a:t>
+              <a:t>09/11/2019</a:t>
             </a:fld>
             <a:endParaRPr lang="es-ES"/>
           </a:p>
@@ -6516,12 +6870,20 @@
           <a:p>
             <a:pPr algn="l"/>
             <a:r>
+              <a:rPr lang="es-ES" dirty="0" err="1"/>
+              <a:t>d</a:t>
+            </a:r>
+            <a:r>
               <a:rPr lang="es-ES" dirty="0" err="1" smtClean="0"/>
-              <a:t>DApp</a:t>
+              <a:t>App</a:t>
             </a:r>
             <a:r>
               <a:rPr lang="es-ES" dirty="0" smtClean="0"/>
-              <a:t> para la gestión de mascotas</a:t>
+              <a:t> </a:t>
+            </a:r>
+            <a:r>
+              <a:rPr lang="es-ES" dirty="0" smtClean="0"/>
+              <a:t>para la gestión de mascotas</a:t>
             </a:r>
             <a:endParaRPr lang="es-ES" dirty="0"/>
           </a:p>
@@ -7102,6 +7464,47 @@
           </a:prstGeom>
         </p:spPr>
       </p:pic>
+      <p:sp>
+        <p:nvSpPr>
+          <p:cNvPr id="17" name="Rectángulo 16"/>
+          <p:cNvSpPr/>
+          <p:nvPr/>
+        </p:nvSpPr>
+        <p:spPr>
+          <a:xfrm>
+            <a:off x="4937394" y="6549976"/>
+            <a:ext cx="1537014" cy="338554"/>
+          </a:xfrm>
+          <a:prstGeom prst="rect">
+            <a:avLst/>
+          </a:prstGeom>
+        </p:spPr>
+        <p:txBody>
+          <a:bodyPr wrap="square">
+            <a:spAutoFit/>
+          </a:bodyPr>
+          <a:lstStyle/>
+          <a:p>
+            <a:r>
+              <a:rPr lang="es-ES" sz="1600" b="1" dirty="0" smtClean="0">
+                <a:solidFill>
+                  <a:srgbClr val="548494"/>
+                </a:solidFill>
+                <a:latin typeface="Calibri" panose="020F0502020204030204" pitchFamily="34" charset="0"/>
+                <a:cs typeface="Calibri" panose="020F0502020204030204" pitchFamily="34" charset="0"/>
+              </a:rPr>
+              <a:t>Capítulos 1 y 2</a:t>
+            </a:r>
+            <a:endParaRPr lang="es-ES" sz="1600" b="1" dirty="0">
+              <a:solidFill>
+                <a:srgbClr val="548494"/>
+              </a:solidFill>
+              <a:latin typeface="Calibri" panose="020F0502020204030204" pitchFamily="34" charset="0"/>
+              <a:cs typeface="Calibri" panose="020F0502020204030204" pitchFamily="34" charset="0"/>
+            </a:endParaRPr>
+          </a:p>
+        </p:txBody>
+      </p:sp>
     </p:spTree>
     <p:extLst>
       <p:ext uri="{BB962C8B-B14F-4D97-AF65-F5344CB8AC3E}">
@@ -7147,8 +7550,8 @@
         </p:nvSpPr>
         <p:spPr>
           <a:xfrm>
-            <a:off x="2447594" y="4127177"/>
-            <a:ext cx="8780929" cy="1569660"/>
+            <a:off x="1385046" y="1789007"/>
+            <a:ext cx="10273895" cy="1015663"/>
           </a:xfrm>
           <a:prstGeom prst="rect">
             <a:avLst/>
@@ -7160,8 +7563,12 @@
           </a:bodyPr>
           <a:lstStyle/>
           <a:p>
-            <a:r>
-              <a:rPr lang="es-ES" sz="3200" b="1" dirty="0">
+            <a:pPr marL="342900" indent="-342900" algn="just">
+              <a:buFont typeface="Arial" panose="020B0604020202020204" pitchFamily="34" charset="0"/>
+              <a:buChar char="•"/>
+            </a:pPr>
+            <a:r>
+              <a:rPr lang="es-ES" sz="2000" b="1" dirty="0">
                 <a:solidFill>
                   <a:srgbClr val="548494"/>
                 </a:solidFill>
@@ -7171,7 +7578,7 @@
               <a:t>Desarrollamos sobre  </a:t>
             </a:r>
             <a:r>
-              <a:rPr lang="es-ES" sz="3200" b="1" dirty="0" err="1">
+              <a:rPr lang="es-ES" sz="2000" b="1" dirty="0" err="1">
                 <a:solidFill>
                   <a:srgbClr val="548494"/>
                 </a:solidFill>
@@ -7181,17 +7588,27 @@
               <a:t>BlockChain</a:t>
             </a:r>
             <a:r>
-              <a:rPr lang="es-ES" sz="3200" b="1" dirty="0">
+              <a:rPr lang="es-ES" sz="2000" b="1" dirty="0">
                 <a:solidFill>
                   <a:srgbClr val="548494"/>
                 </a:solidFill>
                 <a:latin typeface="Calibri" panose="020F0502020204030204" pitchFamily="34" charset="0"/>
                 <a:cs typeface="Calibri" panose="020F0502020204030204" pitchFamily="34" charset="0"/>
               </a:rPr>
-              <a:t>  por su capacidad para desplegar </a:t>
-            </a:r>
-            <a:r>
-              <a:rPr lang="es-ES" sz="3200" b="1" dirty="0" err="1">
+              <a:t>  por su capacidad para </a:t>
+            </a:r>
+            <a:r>
+              <a:rPr lang="es-ES" sz="2000" b="1" dirty="0" smtClean="0">
+                <a:solidFill>
+                  <a:srgbClr val="548494"/>
+                </a:solidFill>
+                <a:latin typeface="Calibri" panose="020F0502020204030204" pitchFamily="34" charset="0"/>
+                <a:cs typeface="Calibri" panose="020F0502020204030204" pitchFamily="34" charset="0"/>
+              </a:rPr>
+              <a:t>desplegar y almacenar </a:t>
+            </a:r>
+            <a:r>
+              <a:rPr lang="es-ES" sz="2000" b="1" dirty="0" err="1" smtClean="0">
                 <a:solidFill>
                   <a:srgbClr val="548494"/>
                 </a:solidFill>
@@ -7201,14 +7618,54 @@
               <a:t>SmartContracts</a:t>
             </a:r>
             <a:r>
-              <a:rPr lang="es-ES" sz="3200" b="1" dirty="0">
+              <a:rPr lang="es-ES" sz="2000" b="1" dirty="0" smtClean="0">
                 <a:solidFill>
                   <a:srgbClr val="548494"/>
                 </a:solidFill>
                 <a:latin typeface="Calibri" panose="020F0502020204030204" pitchFamily="34" charset="0"/>
                 <a:cs typeface="Calibri" panose="020F0502020204030204" pitchFamily="34" charset="0"/>
               </a:rPr>
-              <a:t>, en los cuales podemos definir y ejecutar reglas de negocio.</a:t>
+              <a:t>. Éstos son pequeños programas</a:t>
+            </a:r>
+            <a:r>
+              <a:rPr lang="es-ES" sz="2000" b="1" dirty="0" smtClean="0">
+                <a:solidFill>
+                  <a:srgbClr val="548494"/>
+                </a:solidFill>
+                <a:latin typeface="Calibri" panose="020F0502020204030204" pitchFamily="34" charset="0"/>
+                <a:cs typeface="Calibri" panose="020F0502020204030204" pitchFamily="34" charset="0"/>
+              </a:rPr>
+              <a:t> </a:t>
+            </a:r>
+            <a:r>
+              <a:rPr lang="es-ES" sz="2000" b="1" dirty="0">
+                <a:solidFill>
+                  <a:srgbClr val="548494"/>
+                </a:solidFill>
+                <a:latin typeface="Calibri" panose="020F0502020204030204" pitchFamily="34" charset="0"/>
+                <a:cs typeface="Calibri" panose="020F0502020204030204" pitchFamily="34" charset="0"/>
+              </a:rPr>
+              <a:t>en </a:t>
+            </a:r>
+            <a:r>
+              <a:rPr lang="es-ES" sz="2000" b="1" dirty="0" smtClean="0">
+                <a:solidFill>
+                  <a:srgbClr val="548494"/>
+                </a:solidFill>
+                <a:latin typeface="Calibri" panose="020F0502020204030204" pitchFamily="34" charset="0"/>
+                <a:cs typeface="Calibri" panose="020F0502020204030204" pitchFamily="34" charset="0"/>
+              </a:rPr>
+              <a:t>donde se pueden definir </a:t>
+            </a:r>
+            <a:r>
+              <a:rPr lang="es-ES" sz="2000" b="1" dirty="0">
+                <a:solidFill>
+                  <a:srgbClr val="548494"/>
+                </a:solidFill>
+                <a:latin typeface="Calibri" panose="020F0502020204030204" pitchFamily="34" charset="0"/>
+                <a:cs typeface="Calibri" panose="020F0502020204030204" pitchFamily="34" charset="0"/>
+              </a:rPr>
+              <a:t>y ejecutar reglas de negocio.</a:t>
             </a:r>
           </a:p>
         </p:txBody>
@@ -7235,8 +7692,8 @@
         </p:blipFill>
         <p:spPr>
           <a:xfrm>
-            <a:off x="5753330" y="1682225"/>
-            <a:ext cx="2169459" cy="2169459"/>
+            <a:off x="5737666" y="656041"/>
+            <a:ext cx="1132966" cy="1132966"/>
           </a:xfrm>
           <a:prstGeom prst="rect">
             <a:avLst/>
@@ -7251,8 +7708,8 @@
         </p:nvSpPr>
         <p:spPr>
           <a:xfrm>
-            <a:off x="3150202" y="959703"/>
-            <a:ext cx="7375711" cy="584775"/>
+            <a:off x="3357006" y="194376"/>
+            <a:ext cx="6329974" cy="461665"/>
           </a:xfrm>
           <a:prstGeom prst="rect">
             <a:avLst/>
@@ -7265,7 +7722,7 @@
           <a:lstStyle/>
           <a:p>
             <a:r>
-              <a:rPr lang="es-ES" sz="3200" b="1" dirty="0" smtClean="0">
+              <a:rPr lang="es-ES" sz="2400" b="1" dirty="0" smtClean="0">
                 <a:solidFill>
                   <a:srgbClr val="548494"/>
                 </a:solidFill>
@@ -7274,7 +7731,341 @@
               </a:rPr>
               <a:t>¿Qué modelo de red P2P seleccionamos?</a:t>
             </a:r>
-            <a:endParaRPr lang="es-ES" sz="3200" b="1" dirty="0">
+            <a:endParaRPr lang="es-ES" sz="2400" b="1" dirty="0">
+              <a:solidFill>
+                <a:srgbClr val="548494"/>
+              </a:solidFill>
+              <a:latin typeface="Calibri" panose="020F0502020204030204" pitchFamily="34" charset="0"/>
+              <a:cs typeface="Calibri" panose="020F0502020204030204" pitchFamily="34" charset="0"/>
+            </a:endParaRPr>
+          </a:p>
+        </p:txBody>
+      </p:sp>
+      <p:sp>
+        <p:nvSpPr>
+          <p:cNvPr id="7" name="Rectángulo 6"/>
+          <p:cNvSpPr/>
+          <p:nvPr/>
+        </p:nvSpPr>
+        <p:spPr>
+          <a:xfrm>
+            <a:off x="3966061" y="2667438"/>
+            <a:ext cx="4442762" cy="461665"/>
+          </a:xfrm>
+          <a:prstGeom prst="rect">
+            <a:avLst/>
+          </a:prstGeom>
+        </p:spPr>
+        <p:txBody>
+          <a:bodyPr wrap="square">
+            <a:spAutoFit/>
+          </a:bodyPr>
+          <a:lstStyle/>
+          <a:p>
+            <a:r>
+              <a:rPr lang="es-ES" sz="2400" b="1" dirty="0" smtClean="0">
+                <a:solidFill>
+                  <a:srgbClr val="548494"/>
+                </a:solidFill>
+                <a:latin typeface="Calibri" panose="020F0502020204030204" pitchFamily="34" charset="0"/>
+                <a:cs typeface="Calibri" panose="020F0502020204030204" pitchFamily="34" charset="0"/>
+              </a:rPr>
+              <a:t>¿</a:t>
+            </a:r>
+            <a:r>
+              <a:rPr lang="es-ES" sz="2400" b="1" dirty="0" smtClean="0">
+                <a:solidFill>
+                  <a:srgbClr val="548494"/>
+                </a:solidFill>
+                <a:latin typeface="Calibri" panose="020F0502020204030204" pitchFamily="34" charset="0"/>
+                <a:cs typeface="Calibri" panose="020F0502020204030204" pitchFamily="34" charset="0"/>
+              </a:rPr>
+              <a:t>Dónde almacenamos los datos</a:t>
+            </a:r>
+            <a:r>
+              <a:rPr lang="es-ES" sz="2400" b="1" dirty="0" smtClean="0">
+                <a:solidFill>
+                  <a:srgbClr val="548494"/>
+                </a:solidFill>
+                <a:latin typeface="Calibri" panose="020F0502020204030204" pitchFamily="34" charset="0"/>
+                <a:cs typeface="Calibri" panose="020F0502020204030204" pitchFamily="34" charset="0"/>
+              </a:rPr>
+              <a:t>?</a:t>
+            </a:r>
+            <a:endParaRPr lang="es-ES" sz="2400" b="1" dirty="0">
+              <a:solidFill>
+                <a:srgbClr val="548494"/>
+              </a:solidFill>
+              <a:latin typeface="Calibri" panose="020F0502020204030204" pitchFamily="34" charset="0"/>
+              <a:cs typeface="Calibri" panose="020F0502020204030204" pitchFamily="34" charset="0"/>
+            </a:endParaRPr>
+          </a:p>
+        </p:txBody>
+      </p:sp>
+      <p:pic>
+        <p:nvPicPr>
+          <p:cNvPr id="8" name="Imagen 7"/>
+          <p:cNvPicPr>
+            <a:picLocks noChangeAspect="1"/>
+          </p:cNvPicPr>
+          <p:nvPr/>
+        </p:nvPicPr>
+        <p:blipFill>
+          <a:blip r:embed="rId3">
+            <a:extLst>
+              <a:ext uri="{28A0092B-C50C-407E-A947-70E740481C1C}">
+                <a14:useLocalDpi xmlns:a14="http://schemas.microsoft.com/office/drawing/2010/main" val="0"/>
+              </a:ext>
+            </a:extLst>
+          </a:blip>
+          <a:stretch>
+            <a:fillRect/>
+          </a:stretch>
+        </p:blipFill>
+        <p:spPr>
+          <a:xfrm>
+            <a:off x="5805195" y="3198429"/>
+            <a:ext cx="997908" cy="997908"/>
+          </a:xfrm>
+          <a:prstGeom prst="rect">
+            <a:avLst/>
+          </a:prstGeom>
+        </p:spPr>
+      </p:pic>
+      <p:sp>
+        <p:nvSpPr>
+          <p:cNvPr id="11" name="Rectángulo 10"/>
+          <p:cNvSpPr/>
+          <p:nvPr/>
+        </p:nvSpPr>
+        <p:spPr>
+          <a:xfrm>
+            <a:off x="4045621" y="4437999"/>
+            <a:ext cx="3046513" cy="400110"/>
+          </a:xfrm>
+          <a:prstGeom prst="rect">
+            <a:avLst/>
+          </a:prstGeom>
+        </p:spPr>
+        <p:txBody>
+          <a:bodyPr wrap="square">
+            <a:spAutoFit/>
+          </a:bodyPr>
+          <a:lstStyle/>
+          <a:p>
+            <a:r>
+              <a:rPr lang="es-ES" sz="2000" b="1" dirty="0" smtClean="0">
+                <a:solidFill>
+                  <a:srgbClr val="548494"/>
+                </a:solidFill>
+                <a:latin typeface="Calibri" panose="020F0502020204030204" pitchFamily="34" charset="0"/>
+                <a:cs typeface="Calibri" panose="020F0502020204030204" pitchFamily="34" charset="0"/>
+              </a:rPr>
+              <a:t>Inter </a:t>
+            </a:r>
+            <a:r>
+              <a:rPr lang="es-ES" sz="2000" b="1" dirty="0" err="1" smtClean="0">
+                <a:solidFill>
+                  <a:srgbClr val="548494"/>
+                </a:solidFill>
+                <a:latin typeface="Calibri" panose="020F0502020204030204" pitchFamily="34" charset="0"/>
+                <a:cs typeface="Calibri" panose="020F0502020204030204" pitchFamily="34" charset="0"/>
+              </a:rPr>
+              <a:t>Planetary</a:t>
+            </a:r>
+            <a:r>
+              <a:rPr lang="es-ES" sz="2000" b="1" dirty="0" smtClean="0">
+                <a:solidFill>
+                  <a:srgbClr val="548494"/>
+                </a:solidFill>
+                <a:latin typeface="Calibri" panose="020F0502020204030204" pitchFamily="34" charset="0"/>
+                <a:cs typeface="Calibri" panose="020F0502020204030204" pitchFamily="34" charset="0"/>
+              </a:rPr>
+              <a:t> File </a:t>
+            </a:r>
+            <a:r>
+              <a:rPr lang="es-ES" sz="2000" b="1" dirty="0" err="1" smtClean="0">
+                <a:solidFill>
+                  <a:srgbClr val="548494"/>
+                </a:solidFill>
+                <a:latin typeface="Calibri" panose="020F0502020204030204" pitchFamily="34" charset="0"/>
+                <a:cs typeface="Calibri" panose="020F0502020204030204" pitchFamily="34" charset="0"/>
+              </a:rPr>
+              <a:t>System</a:t>
+            </a:r>
+            <a:r>
+              <a:rPr lang="es-ES" sz="2000" b="1" dirty="0" smtClean="0">
+                <a:solidFill>
+                  <a:srgbClr val="548494"/>
+                </a:solidFill>
+                <a:latin typeface="Calibri" panose="020F0502020204030204" pitchFamily="34" charset="0"/>
+                <a:cs typeface="Calibri" panose="020F0502020204030204" pitchFamily="34" charset="0"/>
+              </a:rPr>
+              <a:t> </a:t>
+            </a:r>
+            <a:endParaRPr lang="es-ES" sz="2000" b="1" dirty="0">
+              <a:solidFill>
+                <a:srgbClr val="548494"/>
+              </a:solidFill>
+              <a:latin typeface="Calibri" panose="020F0502020204030204" pitchFamily="34" charset="0"/>
+              <a:cs typeface="Calibri" panose="020F0502020204030204" pitchFamily="34" charset="0"/>
+            </a:endParaRPr>
+          </a:p>
+        </p:txBody>
+      </p:sp>
+      <p:sp>
+        <p:nvSpPr>
+          <p:cNvPr id="12" name="Rectángulo 11"/>
+          <p:cNvSpPr/>
+          <p:nvPr/>
+        </p:nvSpPr>
+        <p:spPr>
+          <a:xfrm>
+            <a:off x="3391426" y="5012790"/>
+            <a:ext cx="5825446" cy="984885"/>
+          </a:xfrm>
+          <a:prstGeom prst="rect">
+            <a:avLst/>
+          </a:prstGeom>
+        </p:spPr>
+        <p:txBody>
+          <a:bodyPr wrap="square">
+            <a:spAutoFit/>
+          </a:bodyPr>
+          <a:lstStyle/>
+          <a:p>
+            <a:r>
+              <a:rPr lang="en-US" b="1" i="1" dirty="0">
+                <a:solidFill>
+                  <a:srgbClr val="548494"/>
+                </a:solidFill>
+                <a:latin typeface="Calibri" panose="020F0502020204030204" pitchFamily="34" charset="0"/>
+                <a:cs typeface="Calibri" panose="020F0502020204030204" pitchFamily="34" charset="0"/>
+              </a:rPr>
+              <a:t>“IPFS </a:t>
+            </a:r>
+            <a:r>
+              <a:rPr lang="en-US" b="1" i="1" dirty="0">
+                <a:solidFill>
+                  <a:srgbClr val="548494"/>
+                </a:solidFill>
+                <a:latin typeface="Calibri" panose="020F0502020204030204" pitchFamily="34" charset="0"/>
+                <a:cs typeface="Calibri" panose="020F0502020204030204" pitchFamily="34" charset="0"/>
+              </a:rPr>
+              <a:t>is a distributed system for storing and accessing files, websites, applications, and data</a:t>
+            </a:r>
+            <a:r>
+              <a:rPr lang="en-US" b="1" i="1" dirty="0" smtClean="0">
+                <a:solidFill>
+                  <a:srgbClr val="548494"/>
+                </a:solidFill>
+                <a:latin typeface="Calibri" panose="020F0502020204030204" pitchFamily="34" charset="0"/>
+                <a:cs typeface="Calibri" panose="020F0502020204030204" pitchFamily="34" charset="0"/>
+              </a:rPr>
+              <a:t>.”</a:t>
+            </a:r>
+          </a:p>
+          <a:p>
+            <a:pPr>
+              <a:spcBef>
+                <a:spcPts val="1200"/>
+              </a:spcBef>
+            </a:pPr>
+            <a:r>
+              <a:rPr lang="en-US" sz="1100" b="1" i="1" dirty="0" smtClean="0">
+                <a:solidFill>
+                  <a:srgbClr val="548494"/>
+                </a:solidFill>
+                <a:latin typeface="Calibri" panose="020F0502020204030204" pitchFamily="34" charset="0"/>
+                <a:cs typeface="Calibri" panose="020F0502020204030204" pitchFamily="34" charset="0"/>
+              </a:rPr>
+              <a:t>Fuente: </a:t>
+            </a:r>
+            <a:r>
+              <a:rPr lang="es-ES" sz="1100" i="1" dirty="0">
+                <a:hlinkClick r:id="rId4"/>
+              </a:rPr>
+              <a:t>https://docs.ipfs.io/introduction/overview/</a:t>
+            </a:r>
+            <a:endParaRPr lang="en-US" sz="1100" b="1" i="1" dirty="0">
+              <a:solidFill>
+                <a:srgbClr val="548494"/>
+              </a:solidFill>
+              <a:latin typeface="Calibri" panose="020F0502020204030204" pitchFamily="34" charset="0"/>
+              <a:cs typeface="Calibri" panose="020F0502020204030204" pitchFamily="34" charset="0"/>
+            </a:endParaRPr>
+          </a:p>
+        </p:txBody>
+      </p:sp>
+      <p:sp>
+        <p:nvSpPr>
+          <p:cNvPr id="13" name="Rectángulo 12"/>
+          <p:cNvSpPr/>
+          <p:nvPr/>
+        </p:nvSpPr>
+        <p:spPr>
+          <a:xfrm>
+            <a:off x="7092135" y="4499555"/>
+            <a:ext cx="1473642" cy="338554"/>
+          </a:xfrm>
+          <a:prstGeom prst="rect">
+            <a:avLst/>
+          </a:prstGeom>
+        </p:spPr>
+        <p:txBody>
+          <a:bodyPr wrap="square">
+            <a:spAutoFit/>
+          </a:bodyPr>
+          <a:lstStyle/>
+          <a:p>
+            <a:r>
+              <a:rPr lang="es-ES" sz="1600" i="1" dirty="0">
+                <a:hlinkClick r:id="rId5"/>
+              </a:rPr>
+              <a:t>https://ipfs.io/</a:t>
+            </a:r>
+            <a:endParaRPr lang="es-ES" sz="1600" b="1" i="1" dirty="0">
+              <a:solidFill>
+                <a:srgbClr val="548494"/>
+              </a:solidFill>
+              <a:latin typeface="Calibri" panose="020F0502020204030204" pitchFamily="34" charset="0"/>
+              <a:cs typeface="Calibri" panose="020F0502020204030204" pitchFamily="34" charset="0"/>
+            </a:endParaRPr>
+          </a:p>
+        </p:txBody>
+      </p:sp>
+      <p:sp>
+        <p:nvSpPr>
+          <p:cNvPr id="15" name="Rectángulo 14"/>
+          <p:cNvSpPr/>
+          <p:nvPr/>
+        </p:nvSpPr>
+        <p:spPr>
+          <a:xfrm>
+            <a:off x="4937394" y="6549976"/>
+            <a:ext cx="1537014" cy="338554"/>
+          </a:xfrm>
+          <a:prstGeom prst="rect">
+            <a:avLst/>
+          </a:prstGeom>
+        </p:spPr>
+        <p:txBody>
+          <a:bodyPr wrap="square">
+            <a:spAutoFit/>
+          </a:bodyPr>
+          <a:lstStyle/>
+          <a:p>
+            <a:r>
+              <a:rPr lang="es-ES" sz="1600" b="1" dirty="0" smtClean="0">
+                <a:solidFill>
+                  <a:srgbClr val="548494"/>
+                </a:solidFill>
+                <a:latin typeface="Calibri" panose="020F0502020204030204" pitchFamily="34" charset="0"/>
+                <a:cs typeface="Calibri" panose="020F0502020204030204" pitchFamily="34" charset="0"/>
+              </a:rPr>
+              <a:t>Capítulos 1 y 2</a:t>
+            </a:r>
+            <a:endParaRPr lang="es-ES" sz="1600" b="1" dirty="0">
               <a:solidFill>
                 <a:srgbClr val="548494"/>
               </a:solidFill>
@@ -7297,9 +8088,236 @@
   <p:timing>
     <p:tnLst>
       <p:par>
-        <p:cTn id="1" dur="indefinite" restart="never" nodeType="tmRoot"/>
+        <p:cTn id="1" dur="indefinite" restart="never" nodeType="tmRoot">
+          <p:childTnLst>
+            <p:seq concurrent="1" nextAc="seek">
+              <p:cTn id="2" dur="indefinite" nodeType="mainSeq">
+                <p:childTnLst>
+                  <p:par>
+                    <p:cTn id="3" fill="hold">
+                      <p:stCondLst>
+                        <p:cond delay="indefinite"/>
+                      </p:stCondLst>
+                      <p:childTnLst>
+                        <p:par>
+                          <p:cTn id="4" fill="hold">
+                            <p:stCondLst>
+                              <p:cond delay="0"/>
+                            </p:stCondLst>
+                            <p:childTnLst>
+                              <p:par>
+                                <p:cTn id="5" presetID="1" presetClass="entr" presetSubtype="0" fill="hold" nodeType="clickEffect">
+                                  <p:stCondLst>
+                                    <p:cond delay="0"/>
+                                  </p:stCondLst>
+                                  <p:childTnLst>
+                                    <p:set>
+                                      <p:cBhvr>
+                                        <p:cTn id="6" dur="1" fill="hold">
+                                          <p:stCondLst>
+                                            <p:cond delay="0"/>
+                                          </p:stCondLst>
+                                        </p:cTn>
+                                        <p:tgtEl>
+                                          <p:spTgt spid="2"/>
+                                        </p:tgtEl>
+                                        <p:attrNameLst>
+                                          <p:attrName>style.visibility</p:attrName>
+                                        </p:attrNameLst>
+                                      </p:cBhvr>
+                                      <p:to>
+                                        <p:strVal val="visible"/>
+                                      </p:to>
+                                    </p:set>
+                                  </p:childTnLst>
+                                </p:cTn>
+                              </p:par>
+                              <p:par>
+                                <p:cTn id="7" presetID="1" presetClass="entr" presetSubtype="0" fill="hold" grpId="0" nodeType="withEffect">
+                                  <p:stCondLst>
+                                    <p:cond delay="0"/>
+                                  </p:stCondLst>
+                                  <p:childTnLst>
+                                    <p:set>
+                                      <p:cBhvr>
+                                        <p:cTn id="8" dur="1" fill="hold">
+                                          <p:stCondLst>
+                                            <p:cond delay="0"/>
+                                          </p:stCondLst>
+                                        </p:cTn>
+                                        <p:tgtEl>
+                                          <p:spTgt spid="9"/>
+                                        </p:tgtEl>
+                                        <p:attrNameLst>
+                                          <p:attrName>style.visibility</p:attrName>
+                                        </p:attrNameLst>
+                                      </p:cBhvr>
+                                      <p:to>
+                                        <p:strVal val="visible"/>
+                                      </p:to>
+                                    </p:set>
+                                  </p:childTnLst>
+                                </p:cTn>
+                              </p:par>
+                            </p:childTnLst>
+                          </p:cTn>
+                        </p:par>
+                      </p:childTnLst>
+                    </p:cTn>
+                  </p:par>
+                  <p:par>
+                    <p:cTn id="9" fill="hold">
+                      <p:stCondLst>
+                        <p:cond delay="indefinite"/>
+                      </p:stCondLst>
+                      <p:childTnLst>
+                        <p:par>
+                          <p:cTn id="10" fill="hold">
+                            <p:stCondLst>
+                              <p:cond delay="0"/>
+                            </p:stCondLst>
+                            <p:childTnLst>
+                              <p:par>
+                                <p:cTn id="11" presetID="1" presetClass="entr" presetSubtype="0" fill="hold" nodeType="clickEffect">
+                                  <p:stCondLst>
+                                    <p:cond delay="0"/>
+                                  </p:stCondLst>
+                                  <p:childTnLst>
+                                    <p:set>
+                                      <p:cBhvr>
+                                        <p:cTn id="12" dur="1" fill="hold">
+                                          <p:stCondLst>
+                                            <p:cond delay="0"/>
+                                          </p:stCondLst>
+                                        </p:cTn>
+                                        <p:tgtEl>
+                                          <p:spTgt spid="8"/>
+                                        </p:tgtEl>
+                                        <p:attrNameLst>
+                                          <p:attrName>style.visibility</p:attrName>
+                                        </p:attrNameLst>
+                                      </p:cBhvr>
+                                      <p:to>
+                                        <p:strVal val="visible"/>
+                                      </p:to>
+                                    </p:set>
+                                  </p:childTnLst>
+                                </p:cTn>
+                              </p:par>
+                              <p:par>
+                                <p:cTn id="13" presetID="1" presetClass="entr" presetSubtype="0" fill="hold" grpId="0" nodeType="withEffect">
+                                  <p:stCondLst>
+                                    <p:cond delay="0"/>
+                                  </p:stCondLst>
+                                  <p:childTnLst>
+                                    <p:set>
+                                      <p:cBhvr>
+                                        <p:cTn id="14" dur="1" fill="hold">
+                                          <p:stCondLst>
+                                            <p:cond delay="0"/>
+                                          </p:stCondLst>
+                                        </p:cTn>
+                                        <p:tgtEl>
+                                          <p:spTgt spid="11"/>
+                                        </p:tgtEl>
+                                        <p:attrNameLst>
+                                          <p:attrName>style.visibility</p:attrName>
+                                        </p:attrNameLst>
+                                      </p:cBhvr>
+                                      <p:to>
+                                        <p:strVal val="visible"/>
+                                      </p:to>
+                                    </p:set>
+                                  </p:childTnLst>
+                                </p:cTn>
+                              </p:par>
+                              <p:par>
+                                <p:cTn id="15" presetID="1" presetClass="entr" presetSubtype="0" fill="hold" grpId="0" nodeType="withEffect">
+                                  <p:stCondLst>
+                                    <p:cond delay="0"/>
+                                  </p:stCondLst>
+                                  <p:childTnLst>
+                                    <p:set>
+                                      <p:cBhvr>
+                                        <p:cTn id="16" dur="1" fill="hold">
+                                          <p:stCondLst>
+                                            <p:cond delay="0"/>
+                                          </p:stCondLst>
+                                        </p:cTn>
+                                        <p:tgtEl>
+                                          <p:spTgt spid="12"/>
+                                        </p:tgtEl>
+                                        <p:attrNameLst>
+                                          <p:attrName>style.visibility</p:attrName>
+                                        </p:attrNameLst>
+                                      </p:cBhvr>
+                                      <p:to>
+                                        <p:strVal val="visible"/>
+                                      </p:to>
+                                    </p:set>
+                                  </p:childTnLst>
+                                </p:cTn>
+                              </p:par>
+                              <p:par>
+                                <p:cTn id="17" presetID="1" presetClass="entr" presetSubtype="0" fill="hold" grpId="0" nodeType="withEffect">
+                                  <p:stCondLst>
+                                    <p:cond delay="0"/>
+                                  </p:stCondLst>
+                                  <p:childTnLst>
+                                    <p:set>
+                                      <p:cBhvr>
+                                        <p:cTn id="18" dur="1" fill="hold">
+                                          <p:stCondLst>
+                                            <p:cond delay="0"/>
+                                          </p:stCondLst>
+                                        </p:cTn>
+                                        <p:tgtEl>
+                                          <p:spTgt spid="13"/>
+                                        </p:tgtEl>
+                                        <p:attrNameLst>
+                                          <p:attrName>style.visibility</p:attrName>
+                                        </p:attrNameLst>
+                                      </p:cBhvr>
+                                      <p:to>
+                                        <p:strVal val="visible"/>
+                                      </p:to>
+                                    </p:set>
+                                  </p:childTnLst>
+                                </p:cTn>
+                              </p:par>
+                            </p:childTnLst>
+                          </p:cTn>
+                        </p:par>
+                      </p:childTnLst>
+                    </p:cTn>
+                  </p:par>
+                </p:childTnLst>
+              </p:cTn>
+              <p:prevCondLst>
+                <p:cond evt="onPrev" delay="0">
+                  <p:tgtEl>
+                    <p:sldTgt/>
+                  </p:tgtEl>
+                </p:cond>
+              </p:prevCondLst>
+              <p:nextCondLst>
+                <p:cond evt="onNext" delay="0">
+                  <p:tgtEl>
+                    <p:sldTgt/>
+                  </p:tgtEl>
+                </p:cond>
+              </p:nextCondLst>
+            </p:seq>
+          </p:childTnLst>
+        </p:cTn>
       </p:par>
     </p:tnLst>
+    <p:bldLst>
+      <p:bldP spid="9" grpId="0"/>
+      <p:bldP spid="11" grpId="0"/>
+      <p:bldP spid="12" grpId="0"/>
+      <p:bldP spid="13" grpId="0"/>
+    </p:bldLst>
   </p:timing>
 </p:sld>
 </file>
@@ -7638,9 +8656,159 @@
               </a:rPr>
               <a:t>Aceptar un reto</a:t>
             </a:r>
-            <a:endParaRPr lang="es-ES" sz="3200" b="1" dirty="0">
+          </a:p>
+        </p:txBody>
+      </p:sp>
+      <p:sp>
+        <p:nvSpPr>
+          <p:cNvPr id="13" name="Rectángulo 12"/>
+          <p:cNvSpPr/>
+          <p:nvPr/>
+        </p:nvSpPr>
+        <p:spPr>
+          <a:xfrm>
+            <a:off x="3012512" y="390019"/>
+            <a:ext cx="3066930" cy="461665"/>
+          </a:xfrm>
+          <a:prstGeom prst="rect">
+            <a:avLst/>
+          </a:prstGeom>
+        </p:spPr>
+        <p:txBody>
+          <a:bodyPr wrap="none">
+            <a:spAutoFit/>
+          </a:bodyPr>
+          <a:lstStyle/>
+          <a:p>
+            <a:r>
+              <a:rPr lang="es-ES" sz="2400" b="1" dirty="0">
+                <a:solidFill>
+                  <a:srgbClr val="548494"/>
+                </a:solidFill>
+                <a:latin typeface="Calibri" panose="020F0502020204030204" pitchFamily="34" charset="0"/>
+                <a:cs typeface="Calibri" panose="020F0502020204030204" pitchFamily="34" charset="0"/>
+              </a:rPr>
+              <a:t>Resolver un problema:</a:t>
+            </a:r>
+            <a:endParaRPr lang="es-ES" sz="2400" b="1" dirty="0">
               <a:solidFill>
-                <a:prstClr val="white"/>
+                <a:srgbClr val="548494"/>
+              </a:solidFill>
+              <a:latin typeface="Calibri" panose="020F0502020204030204" pitchFamily="34" charset="0"/>
+              <a:cs typeface="Calibri" panose="020F0502020204030204" pitchFamily="34" charset="0"/>
+            </a:endParaRPr>
+          </a:p>
+        </p:txBody>
+      </p:sp>
+      <p:sp>
+        <p:nvSpPr>
+          <p:cNvPr id="3" name="Rectángulo 2"/>
+          <p:cNvSpPr/>
+          <p:nvPr/>
+        </p:nvSpPr>
+        <p:spPr>
+          <a:xfrm>
+            <a:off x="6611712" y="4708080"/>
+            <a:ext cx="3780458" cy="307777"/>
+          </a:xfrm>
+          <a:prstGeom prst="rect">
+            <a:avLst/>
+          </a:prstGeom>
+        </p:spPr>
+        <p:txBody>
+          <a:bodyPr wrap="none">
+            <a:spAutoFit/>
+          </a:bodyPr>
+          <a:lstStyle/>
+          <a:p>
+            <a:r>
+              <a:rPr lang="en-US" sz="1400" i="1" dirty="0" smtClean="0">
+                <a:solidFill>
+                  <a:srgbClr val="548494"/>
+                </a:solidFill>
+                <a:latin typeface="Calibri" panose="020F0502020204030204" pitchFamily="34" charset="0"/>
+                <a:cs typeface="Calibri" panose="020F0502020204030204" pitchFamily="34" charset="0"/>
+              </a:rPr>
+              <a:t>Fuente: Centro </a:t>
+            </a:r>
+            <a:r>
+              <a:rPr lang="es-ES" sz="1400" i="1" dirty="0" smtClean="0">
+                <a:solidFill>
+                  <a:srgbClr val="548494"/>
+                </a:solidFill>
+                <a:latin typeface="Calibri" panose="020F0502020204030204" pitchFamily="34" charset="0"/>
+                <a:cs typeface="Calibri" panose="020F0502020204030204" pitchFamily="34" charset="0"/>
+              </a:rPr>
+              <a:t>Veterinario</a:t>
+            </a:r>
+            <a:r>
+              <a:rPr lang="en-US" sz="1400" i="1" dirty="0" smtClean="0">
+                <a:solidFill>
+                  <a:srgbClr val="548494"/>
+                </a:solidFill>
+                <a:latin typeface="Calibri" panose="020F0502020204030204" pitchFamily="34" charset="0"/>
+                <a:cs typeface="Calibri" panose="020F0502020204030204" pitchFamily="34" charset="0"/>
+              </a:rPr>
+              <a:t> </a:t>
+            </a:r>
+            <a:r>
+              <a:rPr lang="en-US" sz="1400" i="1" dirty="0" err="1" smtClean="0">
+                <a:solidFill>
+                  <a:srgbClr val="548494"/>
+                </a:solidFill>
+                <a:latin typeface="Calibri" panose="020F0502020204030204" pitchFamily="34" charset="0"/>
+                <a:cs typeface="Calibri" panose="020F0502020204030204" pitchFamily="34" charset="0"/>
+              </a:rPr>
+              <a:t>García</a:t>
+            </a:r>
+            <a:r>
+              <a:rPr lang="en-US" sz="1400" i="1" dirty="0" smtClean="0">
+                <a:solidFill>
+                  <a:srgbClr val="548494"/>
+                </a:solidFill>
+                <a:latin typeface="Calibri" panose="020F0502020204030204" pitchFamily="34" charset="0"/>
+                <a:cs typeface="Calibri" panose="020F0502020204030204" pitchFamily="34" charset="0"/>
+              </a:rPr>
+              <a:t>-Ochoa y SIACYL</a:t>
+            </a:r>
+            <a:endParaRPr lang="es-ES" sz="1400" dirty="0"/>
+          </a:p>
+        </p:txBody>
+      </p:sp>
+      <p:sp>
+        <p:nvSpPr>
+          <p:cNvPr id="14" name="Rectángulo 13"/>
+          <p:cNvSpPr/>
+          <p:nvPr/>
+        </p:nvSpPr>
+        <p:spPr>
+          <a:xfrm>
+            <a:off x="4937394" y="6549976"/>
+            <a:ext cx="1537014" cy="338554"/>
+          </a:xfrm>
+          <a:prstGeom prst="rect">
+            <a:avLst/>
+          </a:prstGeom>
+        </p:spPr>
+        <p:txBody>
+          <a:bodyPr wrap="square">
+            <a:spAutoFit/>
+          </a:bodyPr>
+          <a:lstStyle/>
+          <a:p>
+            <a:r>
+              <a:rPr lang="es-ES" sz="1600" b="1" dirty="0" smtClean="0">
+                <a:solidFill>
+                  <a:srgbClr val="548494"/>
+                </a:solidFill>
+                <a:latin typeface="Calibri" panose="020F0502020204030204" pitchFamily="34" charset="0"/>
+                <a:cs typeface="Calibri" panose="020F0502020204030204" pitchFamily="34" charset="0"/>
+              </a:rPr>
+              <a:t>Capítulos 1 y 2</a:t>
+            </a:r>
+            <a:endParaRPr lang="es-ES" sz="1600" b="1" dirty="0">
+              <a:solidFill>
+                <a:srgbClr val="548494"/>
               </a:solidFill>
               <a:latin typeface="Calibri" panose="020F0502020204030204" pitchFamily="34" charset="0"/>
               <a:cs typeface="Calibri" panose="020F0502020204030204" pitchFamily="34" charset="0"/>
@@ -7661,9 +8829,163 @@
   <p:timing>
     <p:tnLst>
       <p:par>
-        <p:cTn id="1" dur="indefinite" restart="never" nodeType="tmRoot"/>
+        <p:cTn id="1" dur="indefinite" restart="never" nodeType="tmRoot">
+          <p:childTnLst>
+            <p:seq concurrent="1" nextAc="seek">
+              <p:cTn id="2" dur="indefinite" nodeType="mainSeq">
+                <p:childTnLst>
+                  <p:par>
+                    <p:cTn id="3" fill="hold">
+                      <p:stCondLst>
+                        <p:cond delay="indefinite"/>
+                      </p:stCondLst>
+                      <p:childTnLst>
+                        <p:par>
+                          <p:cTn id="4" fill="hold">
+                            <p:stCondLst>
+                              <p:cond delay="0"/>
+                            </p:stCondLst>
+                            <p:childTnLst>
+                              <p:par>
+                                <p:cTn id="5" presetID="1" presetClass="entr" presetSubtype="0" fill="hold" grpId="0" nodeType="clickEffect">
+                                  <p:stCondLst>
+                                    <p:cond delay="0"/>
+                                  </p:stCondLst>
+                                  <p:childTnLst>
+                                    <p:set>
+                                      <p:cBhvr>
+                                        <p:cTn id="6" dur="1" fill="hold">
+                                          <p:stCondLst>
+                                            <p:cond delay="0"/>
+                                          </p:stCondLst>
+                                        </p:cTn>
+                                        <p:tgtEl>
+                                          <p:spTgt spid="13"/>
+                                        </p:tgtEl>
+                                        <p:attrNameLst>
+                                          <p:attrName>style.visibility</p:attrName>
+                                        </p:attrNameLst>
+                                      </p:cBhvr>
+                                      <p:to>
+                                        <p:strVal val="visible"/>
+                                      </p:to>
+                                    </p:set>
+                                  </p:childTnLst>
+                                </p:cTn>
+                              </p:par>
+                              <p:par>
+                                <p:cTn id="7" presetID="1" presetClass="entr" presetSubtype="0" fill="hold" nodeType="withEffect">
+                                  <p:stCondLst>
+                                    <p:cond delay="0"/>
+                                  </p:stCondLst>
+                                  <p:childTnLst>
+                                    <p:set>
+                                      <p:cBhvr>
+                                        <p:cTn id="8" dur="1" fill="hold">
+                                          <p:stCondLst>
+                                            <p:cond delay="0"/>
+                                          </p:stCondLst>
+                                        </p:cTn>
+                                        <p:tgtEl>
+                                          <p:spTgt spid="10"/>
+                                        </p:tgtEl>
+                                        <p:attrNameLst>
+                                          <p:attrName>style.visibility</p:attrName>
+                                        </p:attrNameLst>
+                                      </p:cBhvr>
+                                      <p:to>
+                                        <p:strVal val="visible"/>
+                                      </p:to>
+                                    </p:set>
+                                  </p:childTnLst>
+                                </p:cTn>
+                              </p:par>
+                              <p:par>
+                                <p:cTn id="9" presetID="1" presetClass="entr" presetSubtype="0" fill="hold" grpId="0" nodeType="withEffect">
+                                  <p:stCondLst>
+                                    <p:cond delay="0"/>
+                                  </p:stCondLst>
+                                  <p:childTnLst>
+                                    <p:set>
+                                      <p:cBhvr>
+                                        <p:cTn id="10" dur="1" fill="hold">
+                                          <p:stCondLst>
+                                            <p:cond delay="0"/>
+                                          </p:stCondLst>
+                                        </p:cTn>
+                                        <p:tgtEl>
+                                          <p:spTgt spid="2"/>
+                                        </p:tgtEl>
+                                        <p:attrNameLst>
+                                          <p:attrName>style.visibility</p:attrName>
+                                        </p:attrNameLst>
+                                      </p:cBhvr>
+                                      <p:to>
+                                        <p:strVal val="visible"/>
+                                      </p:to>
+                                    </p:set>
+                                  </p:childTnLst>
+                                </p:cTn>
+                              </p:par>
+                              <p:par>
+                                <p:cTn id="11" presetID="1" presetClass="entr" presetSubtype="0" fill="hold" grpId="0" nodeType="withEffect">
+                                  <p:stCondLst>
+                                    <p:cond delay="0"/>
+                                  </p:stCondLst>
+                                  <p:childTnLst>
+                                    <p:set>
+                                      <p:cBhvr>
+                                        <p:cTn id="12" dur="1" fill="hold">
+                                          <p:stCondLst>
+                                            <p:cond delay="0"/>
+                                          </p:stCondLst>
+                                        </p:cTn>
+                                        <p:tgtEl>
+                                          <p:spTgt spid="3"/>
+                                        </p:tgtEl>
+                                        <p:attrNameLst>
+                                          <p:attrName>style.visibility</p:attrName>
+                                        </p:attrNameLst>
+                                      </p:cBhvr>
+                                      <p:to>
+                                        <p:strVal val="visible"/>
+                                      </p:to>
+                                    </p:set>
+                                  </p:childTnLst>
+                                </p:cTn>
+                              </p:par>
+                            </p:childTnLst>
+                          </p:cTn>
+                        </p:par>
+                      </p:childTnLst>
+                    </p:cTn>
+                  </p:par>
+                </p:childTnLst>
+              </p:cTn>
+              <p:prevCondLst>
+                <p:cond evt="onPrev" delay="0">
+                  <p:tgtEl>
+                    <p:sldTgt/>
+                  </p:tgtEl>
+                </p:cond>
+              </p:prevCondLst>
+              <p:nextCondLst>
+                <p:cond evt="onNext" delay="0">
+                  <p:tgtEl>
+                    <p:sldTgt/>
+                  </p:tgtEl>
+                </p:cond>
+              </p:nextCondLst>
+            </p:seq>
+          </p:childTnLst>
+        </p:cTn>
       </p:par>
     </p:tnLst>
+    <p:bldLst>
+      <p:bldP spid="2" grpId="0"/>
+      <p:bldP spid="13" grpId="0"/>
+      <p:bldP spid="3" grpId="0"/>
+    </p:bldLst>
   </p:timing>
 </p:sld>
 </file>
@@ -7700,7 +9022,7 @@
         </p:blipFill>
         <p:spPr>
           <a:xfrm>
-            <a:off x="5050300" y="295420"/>
+            <a:off x="5074043" y="295420"/>
             <a:ext cx="6093117" cy="5795890"/>
           </a:xfrm>
           <a:prstGeom prst="rect">
@@ -7800,6 +9122,158 @@
                   <a:lumMod val="50000"/>
                 </a:schemeClr>
               </a:solidFill>
+            </a:endParaRPr>
+          </a:p>
+        </p:txBody>
+      </p:sp>
+      <p:sp>
+        <p:nvSpPr>
+          <p:cNvPr id="2" name="Rectángulo 1"/>
+          <p:cNvSpPr/>
+          <p:nvPr/>
+        </p:nvSpPr>
+        <p:spPr>
+          <a:xfrm>
+            <a:off x="2921668" y="1743655"/>
+            <a:ext cx="1665649" cy="338554"/>
+          </a:xfrm>
+          <a:prstGeom prst="rect">
+            <a:avLst/>
+          </a:prstGeom>
+        </p:spPr>
+        <p:txBody>
+          <a:bodyPr wrap="none">
+            <a:spAutoFit/>
+          </a:bodyPr>
+          <a:lstStyle/>
+          <a:p>
+            <a:r>
+              <a:rPr lang="es-ES" sz="1600" i="1" dirty="0">
+                <a:solidFill>
+                  <a:srgbClr val="548494"/>
+                </a:solidFill>
+              </a:rPr>
+              <a:t>https://alastria.io/</a:t>
+            </a:r>
+          </a:p>
+        </p:txBody>
+      </p:sp>
+      <p:sp>
+        <p:nvSpPr>
+          <p:cNvPr id="7" name="Rectángulo 6"/>
+          <p:cNvSpPr/>
+          <p:nvPr/>
+        </p:nvSpPr>
+        <p:spPr>
+          <a:xfrm>
+            <a:off x="1157257" y="1707196"/>
+            <a:ext cx="1871987" cy="369332"/>
+          </a:xfrm>
+          <a:prstGeom prst="rect">
+            <a:avLst/>
+          </a:prstGeom>
+        </p:spPr>
+        <p:txBody>
+          <a:bodyPr wrap="none">
+            <a:spAutoFit/>
+          </a:bodyPr>
+          <a:lstStyle/>
+          <a:p>
+            <a:r>
+              <a:rPr lang="es-ES" sz="1600" b="1" dirty="0" smtClean="0">
+                <a:solidFill>
+                  <a:schemeClr val="accent1">
+                    <a:lumMod val="50000"/>
+                  </a:schemeClr>
+                </a:solidFill>
+                <a:latin typeface="Calibri" panose="020F0502020204030204" pitchFamily="34" charset="0"/>
+                <a:cs typeface="Calibri" panose="020F0502020204030204" pitchFamily="34" charset="0"/>
+              </a:rPr>
+              <a:t>Consorcio</a:t>
+            </a:r>
+            <a:r>
+              <a:rPr lang="es-ES" b="1" dirty="0" smtClean="0">
+                <a:solidFill>
+                  <a:schemeClr val="accent1">
+                    <a:lumMod val="50000"/>
+                  </a:schemeClr>
+                </a:solidFill>
+                <a:latin typeface="Calibri" panose="020F0502020204030204" pitchFamily="34" charset="0"/>
+                <a:cs typeface="Calibri" panose="020F0502020204030204" pitchFamily="34" charset="0"/>
+              </a:rPr>
+              <a:t> </a:t>
+            </a:r>
+            <a:r>
+              <a:rPr lang="es-ES" b="1" dirty="0" err="1" smtClean="0">
+                <a:solidFill>
+                  <a:schemeClr val="accent1">
+                    <a:lumMod val="50000"/>
+                  </a:schemeClr>
+                </a:solidFill>
+                <a:latin typeface="Calibri" panose="020F0502020204030204" pitchFamily="34" charset="0"/>
+                <a:cs typeface="Calibri" panose="020F0502020204030204" pitchFamily="34" charset="0"/>
+              </a:rPr>
+              <a:t>Alastria</a:t>
+            </a:r>
+            <a:r>
+              <a:rPr lang="es-ES" b="1" dirty="0" smtClean="0">
+                <a:solidFill>
+                  <a:schemeClr val="accent1">
+                    <a:lumMod val="50000"/>
+                  </a:schemeClr>
+                </a:solidFill>
+                <a:latin typeface="Calibri" panose="020F0502020204030204" pitchFamily="34" charset="0"/>
+                <a:cs typeface="Calibri" panose="020F0502020204030204" pitchFamily="34" charset="0"/>
+              </a:rPr>
+              <a:t>:</a:t>
+            </a:r>
+            <a:endParaRPr lang="es-ES" sz="1100" dirty="0">
+              <a:solidFill>
+                <a:schemeClr val="accent1">
+                  <a:lumMod val="50000"/>
+                </a:schemeClr>
+              </a:solidFill>
+            </a:endParaRPr>
+          </a:p>
+        </p:txBody>
+      </p:sp>
+      <p:sp>
+        <p:nvSpPr>
+          <p:cNvPr id="8" name="Rectángulo 7"/>
+          <p:cNvSpPr/>
+          <p:nvPr/>
+        </p:nvSpPr>
+        <p:spPr>
+          <a:xfrm>
+            <a:off x="4937394" y="6549976"/>
+            <a:ext cx="1537014" cy="338554"/>
+          </a:xfrm>
+          <a:prstGeom prst="rect">
+            <a:avLst/>
+          </a:prstGeom>
+        </p:spPr>
+        <p:txBody>
+          <a:bodyPr wrap="square">
+            <a:spAutoFit/>
+          </a:bodyPr>
+          <a:lstStyle/>
+          <a:p>
+            <a:r>
+              <a:rPr lang="es-ES" sz="1600" b="1" dirty="0" smtClean="0">
+                <a:solidFill>
+                  <a:srgbClr val="548494"/>
+                </a:solidFill>
+                <a:latin typeface="Calibri" panose="020F0502020204030204" pitchFamily="34" charset="0"/>
+                <a:cs typeface="Calibri" panose="020F0502020204030204" pitchFamily="34" charset="0"/>
+              </a:rPr>
+              <a:t>Capítulos 1 y 2</a:t>
+            </a:r>
+            <a:endParaRPr lang="es-ES" sz="1600" b="1" dirty="0">
+              <a:solidFill>
+                <a:srgbClr val="548494"/>
+              </a:solidFill>
+              <a:latin typeface="Calibri" panose="020F0502020204030204" pitchFamily="34" charset="0"/>
+              <a:cs typeface="Calibri" panose="020F0502020204030204" pitchFamily="34" charset="0"/>
             </a:endParaRPr>
           </a:p>
         </p:txBody>
@@ -7987,8 +9461,8 @@
           </p:nvSpPr>
           <p:spPr>
             <a:xfrm>
-              <a:off x="2308549" y="1940734"/>
-              <a:ext cx="3344233" cy="954107"/>
+              <a:off x="1040923" y="3805085"/>
+              <a:ext cx="5001651" cy="584775"/>
             </a:xfrm>
             <a:prstGeom prst="rect">
               <a:avLst/>
@@ -8002,16 +9476,36 @@
             <a:lstStyle/>
             <a:p>
               <a:r>
-                <a:rPr lang="es-ES" sz="2800" b="1" dirty="0" smtClean="0">
+                <a:rPr lang="es-ES" sz="3200" b="1" dirty="0" smtClean="0">
                   <a:solidFill>
                     <a:schemeClr val="bg1"/>
                   </a:solidFill>
                   <a:latin typeface="Calibri" panose="020F0502020204030204" pitchFamily="34" charset="0"/>
                   <a:cs typeface="Calibri" panose="020F0502020204030204" pitchFamily="34" charset="0"/>
                 </a:rPr>
-                <a:t>Aplicación web clásica formada por:</a:t>
+                <a:t>Aplicación web </a:t>
               </a:r>
-              <a:endParaRPr lang="es-ES" sz="2800" b="1" dirty="0">
+              <a:r>
+                <a:rPr lang="es-ES" sz="3200" b="1" dirty="0" smtClean="0">
+                  <a:solidFill>
+                    <a:schemeClr val="bg1"/>
+                  </a:solidFill>
+                  <a:latin typeface="Calibri" panose="020F0502020204030204" pitchFamily="34" charset="0"/>
+                  <a:cs typeface="Calibri" panose="020F0502020204030204" pitchFamily="34" charset="0"/>
+                </a:rPr>
+                <a:t>formada </a:t>
+              </a:r>
+              <a:r>
+                <a:rPr lang="es-ES" sz="3200" b="1" dirty="0" smtClean="0">
+                  <a:solidFill>
+                    <a:schemeClr val="bg1"/>
+                  </a:solidFill>
+                  <a:latin typeface="Calibri" panose="020F0502020204030204" pitchFamily="34" charset="0"/>
+                  <a:cs typeface="Calibri" panose="020F0502020204030204" pitchFamily="34" charset="0"/>
+                </a:rPr>
+                <a:t>por:</a:t>
+              </a:r>
+              <a:endParaRPr lang="es-ES" sz="3200" b="1" dirty="0">
                 <a:solidFill>
                   <a:schemeClr val="bg1"/>
                 </a:solidFill>
@@ -8024,14 +9518,14 @@
       </p:grpSp>
       <p:sp>
         <p:nvSpPr>
-          <p:cNvPr id="7" name="Rectángulo 6"/>
+          <p:cNvPr id="2" name="Rectángulo 1"/>
           <p:cNvSpPr/>
           <p:nvPr/>
         </p:nvSpPr>
         <p:spPr>
           <a:xfrm>
-            <a:off x="1224326" y="3302562"/>
-            <a:ext cx="4428456" cy="707886"/>
+            <a:off x="6005213" y="2149702"/>
+            <a:ext cx="4428456" cy="400110"/>
           </a:xfrm>
           <a:prstGeom prst="rect">
             <a:avLst/>
@@ -8043,24 +9537,437 @@
           </a:bodyPr>
           <a:lstStyle/>
           <a:p>
-            <a:pPr marL="342900" indent="-342900">
+            <a:pPr indent="-342900">
               <a:buFont typeface="Arial" panose="020B0604020202020204" pitchFamily="34" charset="0"/>
               <a:buChar char="•"/>
             </a:pPr>
             <a:r>
-              <a:rPr lang="es-ES" sz="2000" b="1" dirty="0" smtClean="0">
-                <a:solidFill>
-                  <a:schemeClr val="bg1"/>
+              <a:rPr lang="es-ES" sz="2000" b="1" dirty="0">
+                <a:solidFill>
+                  <a:srgbClr val="548494"/>
                 </a:solidFill>
                 <a:latin typeface="Calibri" panose="020F0502020204030204" pitchFamily="34" charset="0"/>
                 <a:cs typeface="Calibri" panose="020F0502020204030204" pitchFamily="34" charset="0"/>
               </a:rPr>
-              <a:t>Frontal en framework </a:t>
+              <a:t>Capa de servicios </a:t>
+            </a:r>
+            <a:r>
+              <a:rPr lang="es-ES" sz="2000" b="1" dirty="0" err="1">
+                <a:solidFill>
+                  <a:srgbClr val="548494"/>
+                </a:solidFill>
+                <a:latin typeface="Calibri" panose="020F0502020204030204" pitchFamily="34" charset="0"/>
+                <a:cs typeface="Calibri" panose="020F0502020204030204" pitchFamily="34" charset="0"/>
+              </a:rPr>
+              <a:t>javascript</a:t>
+            </a:r>
+            <a:r>
+              <a:rPr lang="es-ES" sz="2000" b="1" dirty="0">
+                <a:solidFill>
+                  <a:srgbClr val="548494"/>
+                </a:solidFill>
+                <a:latin typeface="Calibri" panose="020F0502020204030204" pitchFamily="34" charset="0"/>
+                <a:cs typeface="Calibri" panose="020F0502020204030204" pitchFamily="34" charset="0"/>
+              </a:rPr>
+              <a:t>: Web3.js</a:t>
+            </a:r>
+          </a:p>
+        </p:txBody>
+      </p:sp>
+      <p:pic>
+        <p:nvPicPr>
+          <p:cNvPr id="3" name="Imagen 2"/>
+          <p:cNvPicPr>
+            <a:picLocks noChangeAspect="1"/>
+          </p:cNvPicPr>
+          <p:nvPr/>
+        </p:nvPicPr>
+        <p:blipFill>
+          <a:blip r:embed="rId2" cstate="print">
+            <a:extLst>
+              <a:ext uri="{28A0092B-C50C-407E-A947-70E740481C1C}">
+                <a14:useLocalDpi xmlns:a14="http://schemas.microsoft.com/office/drawing/2010/main" val="0"/>
+              </a:ext>
+            </a:extLst>
+          </a:blip>
+          <a:stretch>
+            <a:fillRect/>
+          </a:stretch>
+        </p:blipFill>
+        <p:spPr>
+          <a:xfrm>
+            <a:off x="8781734" y="1286771"/>
+            <a:ext cx="570396" cy="492483"/>
+          </a:xfrm>
+          <a:prstGeom prst="rect">
+            <a:avLst/>
+          </a:prstGeom>
+        </p:spPr>
+      </p:pic>
+      <p:pic>
+        <p:nvPicPr>
+          <p:cNvPr id="8" name="Imagen 7"/>
+          <p:cNvPicPr>
+            <a:picLocks noChangeAspect="1"/>
+          </p:cNvPicPr>
+          <p:nvPr/>
+        </p:nvPicPr>
+        <p:blipFill>
+          <a:blip r:embed="rId3" cstate="print">
+            <a:extLst>
+              <a:ext uri="{28A0092B-C50C-407E-A947-70E740481C1C}">
+                <a14:useLocalDpi xmlns:a14="http://schemas.microsoft.com/office/drawing/2010/main" val="0"/>
+              </a:ext>
+            </a:extLst>
+          </a:blip>
+          <a:stretch>
+            <a:fillRect/>
+          </a:stretch>
+        </p:blipFill>
+        <p:spPr>
+          <a:xfrm>
+            <a:off x="10444206" y="2017780"/>
+            <a:ext cx="786209" cy="668513"/>
+          </a:xfrm>
+          <a:prstGeom prst="rect">
+            <a:avLst/>
+          </a:prstGeom>
+        </p:spPr>
+      </p:pic>
+      <p:sp>
+        <p:nvSpPr>
+          <p:cNvPr id="10" name="Rectángulo 9"/>
+          <p:cNvSpPr/>
+          <p:nvPr/>
+        </p:nvSpPr>
+        <p:spPr>
+          <a:xfrm>
+            <a:off x="6305774" y="2997224"/>
+            <a:ext cx="4605043" cy="400110"/>
+          </a:xfrm>
+          <a:prstGeom prst="rect">
+            <a:avLst/>
+          </a:prstGeom>
+        </p:spPr>
+        <p:txBody>
+          <a:bodyPr wrap="none">
+            <a:spAutoFit/>
+          </a:bodyPr>
+          <a:lstStyle/>
+          <a:p>
+            <a:pPr indent="-342900">
+              <a:buFont typeface="Arial" panose="020B0604020202020204" pitchFamily="34" charset="0"/>
+              <a:buChar char="•"/>
+            </a:pPr>
+            <a:r>
+              <a:rPr lang="es-ES" sz="2000" b="1" dirty="0" smtClean="0">
+                <a:solidFill>
+                  <a:srgbClr val="548494"/>
+                </a:solidFill>
+                <a:latin typeface="Calibri" panose="020F0502020204030204" pitchFamily="34" charset="0"/>
+                <a:cs typeface="Calibri" panose="020F0502020204030204" pitchFamily="34" charset="0"/>
+              </a:rPr>
+              <a:t>Framework </a:t>
             </a:r>
             <a:r>
               <a:rPr lang="es-ES" sz="2000" b="1" dirty="0" err="1" smtClean="0">
                 <a:solidFill>
-                  <a:schemeClr val="bg1"/>
+                  <a:srgbClr val="548494"/>
+                </a:solidFill>
+                <a:latin typeface="Calibri" panose="020F0502020204030204" pitchFamily="34" charset="0"/>
+                <a:cs typeface="Calibri" panose="020F0502020204030204" pitchFamily="34" charset="0"/>
+              </a:rPr>
+              <a:t>Truffle</a:t>
+            </a:r>
+            <a:r>
+              <a:rPr lang="es-ES" sz="2000" b="1" dirty="0" smtClean="0">
+                <a:solidFill>
+                  <a:srgbClr val="548494"/>
+                </a:solidFill>
+                <a:latin typeface="Calibri" panose="020F0502020204030204" pitchFamily="34" charset="0"/>
+                <a:cs typeface="Calibri" panose="020F0502020204030204" pitchFamily="34" charset="0"/>
+              </a:rPr>
+              <a:t> / Servidor </a:t>
+            </a:r>
+            <a:r>
+              <a:rPr lang="es-ES" sz="2000" b="1" dirty="0" err="1" smtClean="0">
+                <a:solidFill>
+                  <a:srgbClr val="548494"/>
+                </a:solidFill>
+                <a:latin typeface="Calibri" panose="020F0502020204030204" pitchFamily="34" charset="0"/>
+                <a:cs typeface="Calibri" panose="020F0502020204030204" pitchFamily="34" charset="0"/>
+              </a:rPr>
+              <a:t>Ganache</a:t>
+            </a:r>
+            <a:endParaRPr lang="es-ES" sz="2000" b="1" dirty="0">
+              <a:solidFill>
+                <a:srgbClr val="548494"/>
+              </a:solidFill>
+              <a:latin typeface="Calibri" panose="020F0502020204030204" pitchFamily="34" charset="0"/>
+              <a:cs typeface="Calibri" panose="020F0502020204030204" pitchFamily="34" charset="0"/>
+            </a:endParaRPr>
+          </a:p>
+        </p:txBody>
+      </p:sp>
+      <p:pic>
+        <p:nvPicPr>
+          <p:cNvPr id="9" name="Imagen 8"/>
+          <p:cNvPicPr>
+            <a:picLocks noChangeAspect="1"/>
+          </p:cNvPicPr>
+          <p:nvPr/>
+        </p:nvPicPr>
+        <p:blipFill>
+          <a:blip r:embed="rId4">
+            <a:extLst>
+              <a:ext uri="{28A0092B-C50C-407E-A947-70E740481C1C}">
+                <a14:useLocalDpi xmlns:a14="http://schemas.microsoft.com/office/drawing/2010/main" val="0"/>
+              </a:ext>
+            </a:extLst>
+          </a:blip>
+          <a:stretch>
+            <a:fillRect/>
+          </a:stretch>
+        </p:blipFill>
+        <p:spPr>
+          <a:xfrm>
+            <a:off x="11081938" y="2841490"/>
+            <a:ext cx="561975" cy="866775"/>
+          </a:xfrm>
+          <a:prstGeom prst="rect">
+            <a:avLst/>
+          </a:prstGeom>
+        </p:spPr>
+      </p:pic>
+      <p:sp>
+        <p:nvSpPr>
+          <p:cNvPr id="13" name="Rectángulo 12"/>
+          <p:cNvSpPr/>
+          <p:nvPr/>
+        </p:nvSpPr>
+        <p:spPr>
+          <a:xfrm>
+            <a:off x="6485640" y="3844746"/>
+            <a:ext cx="3448508" cy="400110"/>
+          </a:xfrm>
+          <a:prstGeom prst="rect">
+            <a:avLst/>
+          </a:prstGeom>
+        </p:spPr>
+        <p:txBody>
+          <a:bodyPr wrap="none">
+            <a:spAutoFit/>
+          </a:bodyPr>
+          <a:lstStyle/>
+          <a:p>
+            <a:pPr indent="-342900">
+              <a:buFont typeface="Arial" panose="020B0604020202020204" pitchFamily="34" charset="0"/>
+              <a:buChar char="•"/>
+            </a:pPr>
+            <a:r>
+              <a:rPr lang="es-ES" sz="2000" b="1" dirty="0" err="1" smtClean="0">
+                <a:solidFill>
+                  <a:srgbClr val="548494"/>
+                </a:solidFill>
+                <a:latin typeface="Calibri" panose="020F0502020204030204" pitchFamily="34" charset="0"/>
+                <a:cs typeface="Calibri" panose="020F0502020204030204" pitchFamily="34" charset="0"/>
+              </a:rPr>
+              <a:t>Smartcontracts</a:t>
+            </a:r>
+            <a:r>
+              <a:rPr lang="es-ES" sz="2000" b="1" dirty="0" smtClean="0">
+                <a:solidFill>
+                  <a:srgbClr val="548494"/>
+                </a:solidFill>
+                <a:latin typeface="Calibri" panose="020F0502020204030204" pitchFamily="34" charset="0"/>
+                <a:cs typeface="Calibri" panose="020F0502020204030204" pitchFamily="34" charset="0"/>
+              </a:rPr>
+              <a:t> en </a:t>
+            </a:r>
+            <a:r>
+              <a:rPr lang="es-ES" sz="2000" b="1" dirty="0" err="1" smtClean="0">
+                <a:solidFill>
+                  <a:srgbClr val="548494"/>
+                </a:solidFill>
+                <a:latin typeface="Calibri" panose="020F0502020204030204" pitchFamily="34" charset="0"/>
+                <a:cs typeface="Calibri" panose="020F0502020204030204" pitchFamily="34" charset="0"/>
+              </a:rPr>
+              <a:t>Solidity</a:t>
+            </a:r>
+            <a:r>
+              <a:rPr lang="es-ES" sz="2000" b="1" dirty="0" smtClean="0">
+                <a:solidFill>
+                  <a:srgbClr val="548494"/>
+                </a:solidFill>
+                <a:latin typeface="Calibri" panose="020F0502020204030204" pitchFamily="34" charset="0"/>
+                <a:cs typeface="Calibri" panose="020F0502020204030204" pitchFamily="34" charset="0"/>
+              </a:rPr>
+              <a:t>: </a:t>
+            </a:r>
+            <a:endParaRPr lang="es-ES" sz="2000" b="1" dirty="0">
+              <a:solidFill>
+                <a:srgbClr val="548494"/>
+              </a:solidFill>
+              <a:latin typeface="Calibri" panose="020F0502020204030204" pitchFamily="34" charset="0"/>
+              <a:cs typeface="Calibri" panose="020F0502020204030204" pitchFamily="34" charset="0"/>
+            </a:endParaRPr>
+          </a:p>
+        </p:txBody>
+      </p:sp>
+      <p:pic>
+        <p:nvPicPr>
+          <p:cNvPr id="11" name="Imagen 10"/>
+          <p:cNvPicPr>
+            <a:picLocks noChangeAspect="1"/>
+          </p:cNvPicPr>
+          <p:nvPr/>
+        </p:nvPicPr>
+        <p:blipFill>
+          <a:blip r:embed="rId5">
+            <a:extLst>
+              <a:ext uri="{28A0092B-C50C-407E-A947-70E740481C1C}">
+                <a14:useLocalDpi xmlns:a14="http://schemas.microsoft.com/office/drawing/2010/main" val="0"/>
+              </a:ext>
+            </a:extLst>
+          </a:blip>
+          <a:stretch>
+            <a:fillRect/>
+          </a:stretch>
+        </p:blipFill>
+        <p:spPr>
+          <a:xfrm>
+            <a:off x="9982888" y="3708265"/>
+            <a:ext cx="509854" cy="681595"/>
+          </a:xfrm>
+          <a:prstGeom prst="rect">
+            <a:avLst/>
+          </a:prstGeom>
+        </p:spPr>
+      </p:pic>
+      <p:sp>
+        <p:nvSpPr>
+          <p:cNvPr id="14" name="Rectángulo 13"/>
+          <p:cNvSpPr/>
+          <p:nvPr/>
+        </p:nvSpPr>
+        <p:spPr>
+          <a:xfrm>
+            <a:off x="6294863" y="4692268"/>
+            <a:ext cx="3297441" cy="400110"/>
+          </a:xfrm>
+          <a:prstGeom prst="rect">
+            <a:avLst/>
+          </a:prstGeom>
+        </p:spPr>
+        <p:txBody>
+          <a:bodyPr wrap="none">
+            <a:spAutoFit/>
+          </a:bodyPr>
+          <a:lstStyle/>
+          <a:p>
+            <a:pPr indent="-342900">
+              <a:buFont typeface="Arial" panose="020B0604020202020204" pitchFamily="34" charset="0"/>
+              <a:buChar char="•"/>
+            </a:pPr>
+            <a:r>
+              <a:rPr lang="es-ES" sz="2000" b="1" dirty="0" smtClean="0">
+                <a:solidFill>
+                  <a:srgbClr val="548494"/>
+                </a:solidFill>
+                <a:latin typeface="Calibri" panose="020F0502020204030204" pitchFamily="34" charset="0"/>
+                <a:cs typeface="Calibri" panose="020F0502020204030204" pitchFamily="34" charset="0"/>
+              </a:rPr>
+              <a:t>Almacenamiento en IPFS: </a:t>
+            </a:r>
+            <a:endParaRPr lang="es-ES" sz="2000" b="1" dirty="0">
+              <a:solidFill>
+                <a:srgbClr val="548494"/>
+              </a:solidFill>
+              <a:latin typeface="Calibri" panose="020F0502020204030204" pitchFamily="34" charset="0"/>
+              <a:cs typeface="Calibri" panose="020F0502020204030204" pitchFamily="34" charset="0"/>
+            </a:endParaRPr>
+          </a:p>
+        </p:txBody>
+      </p:sp>
+      <p:pic>
+        <p:nvPicPr>
+          <p:cNvPr id="15" name="Imagen 14"/>
+          <p:cNvPicPr>
+            <a:picLocks noChangeAspect="1"/>
+          </p:cNvPicPr>
+          <p:nvPr/>
+        </p:nvPicPr>
+        <p:blipFill>
+          <a:blip r:embed="rId6" cstate="print">
+            <a:extLst>
+              <a:ext uri="{28A0092B-C50C-407E-A947-70E740481C1C}">
+                <a14:useLocalDpi xmlns:a14="http://schemas.microsoft.com/office/drawing/2010/main" val="0"/>
+              </a:ext>
+            </a:extLst>
+          </a:blip>
+          <a:stretch>
+            <a:fillRect/>
+          </a:stretch>
+        </p:blipFill>
+        <p:spPr>
+          <a:xfrm>
+            <a:off x="9670486" y="4637413"/>
+            <a:ext cx="527324" cy="527324"/>
+          </a:xfrm>
+          <a:prstGeom prst="rect">
+            <a:avLst/>
+          </a:prstGeom>
+        </p:spPr>
+      </p:pic>
+      <p:sp>
+        <p:nvSpPr>
+          <p:cNvPr id="7" name="Rectángulo 6"/>
+          <p:cNvSpPr/>
+          <p:nvPr/>
+        </p:nvSpPr>
+        <p:spPr>
+          <a:xfrm>
+            <a:off x="5097079" y="1302180"/>
+            <a:ext cx="3587585" cy="400110"/>
+          </a:xfrm>
+          <a:prstGeom prst="rect">
+            <a:avLst/>
+          </a:prstGeom>
+        </p:spPr>
+        <p:txBody>
+          <a:bodyPr wrap="none">
+            <a:spAutoFit/>
+          </a:bodyPr>
+          <a:lstStyle/>
+          <a:p>
+            <a:pPr indent="-342900">
+              <a:buFont typeface="Arial" panose="020B0604020202020204" pitchFamily="34" charset="0"/>
+              <a:buChar char="•"/>
+            </a:pPr>
+            <a:r>
+              <a:rPr lang="es-ES" sz="2000" b="1" dirty="0">
+                <a:solidFill>
+                  <a:srgbClr val="548494"/>
+                </a:solidFill>
+                <a:latin typeface="Calibri" panose="020F0502020204030204" pitchFamily="34" charset="0"/>
+                <a:cs typeface="Calibri" panose="020F0502020204030204" pitchFamily="34" charset="0"/>
+              </a:rPr>
+              <a:t>Frontal en </a:t>
+            </a:r>
+            <a:r>
+              <a:rPr lang="es-ES" sz="2000" b="1" dirty="0" smtClean="0">
+                <a:solidFill>
+                  <a:srgbClr val="548494"/>
+                </a:solidFill>
+                <a:latin typeface="Calibri" panose="020F0502020204030204" pitchFamily="34" charset="0"/>
+                <a:cs typeface="Calibri" panose="020F0502020204030204" pitchFamily="34" charset="0"/>
+              </a:rPr>
+              <a:t>framework: </a:t>
+            </a:r>
+            <a:r>
+              <a:rPr lang="es-ES" sz="2000" b="1" dirty="0" err="1" smtClean="0">
+                <a:solidFill>
+                  <a:srgbClr val="548494"/>
                 </a:solidFill>
                 <a:latin typeface="Calibri" panose="020F0502020204030204" pitchFamily="34" charset="0"/>
                 <a:cs typeface="Calibri" panose="020F0502020204030204" pitchFamily="34" charset="0"/>
@@ -8069,50 +9976,48 @@
             </a:r>
             <a:endParaRPr lang="es-ES" sz="2000" b="1" dirty="0">
               <a:solidFill>
-                <a:schemeClr val="bg1"/>
+                <a:srgbClr val="548494"/>
               </a:solidFill>
               <a:latin typeface="Calibri" panose="020F0502020204030204" pitchFamily="34" charset="0"/>
               <a:cs typeface="Calibri" panose="020F0502020204030204" pitchFamily="34" charset="0"/>
             </a:endParaRPr>
           </a:p>
-          <a:p>
-            <a:pPr marL="342900" indent="-342900">
-              <a:buFont typeface="Arial" panose="020B0604020202020204" pitchFamily="34" charset="0"/>
-              <a:buChar char="•"/>
-            </a:pPr>
-            <a:r>
-              <a:rPr lang="es-ES" sz="2000" b="1" dirty="0" smtClean="0">
-                <a:solidFill>
-                  <a:schemeClr val="bg1"/>
+        </p:txBody>
+      </p:sp>
+      <p:sp>
+        <p:nvSpPr>
+          <p:cNvPr id="17" name="Rectángulo 16"/>
+          <p:cNvSpPr/>
+          <p:nvPr/>
+        </p:nvSpPr>
+        <p:spPr>
+          <a:xfrm>
+            <a:off x="4937394" y="6549976"/>
+            <a:ext cx="1105180" cy="338554"/>
+          </a:xfrm>
+          <a:prstGeom prst="rect">
+            <a:avLst/>
+          </a:prstGeom>
+        </p:spPr>
+        <p:txBody>
+          <a:bodyPr wrap="square">
+            <a:spAutoFit/>
+          </a:bodyPr>
+          <a:lstStyle/>
+          <a:p>
+            <a:r>
+              <a:rPr lang="es-ES" sz="1600" b="1" dirty="0" smtClean="0">
+                <a:solidFill>
+                  <a:srgbClr val="548494"/>
                 </a:solidFill>
                 <a:latin typeface="Calibri" panose="020F0502020204030204" pitchFamily="34" charset="0"/>
                 <a:cs typeface="Calibri" panose="020F0502020204030204" pitchFamily="34" charset="0"/>
               </a:rPr>
-              <a:t>Capa de servicios </a:t>
-            </a:r>
-            <a:r>
-              <a:rPr lang="es-ES" sz="2000" b="1" dirty="0" err="1" smtClean="0">
-                <a:solidFill>
-                  <a:schemeClr val="bg1"/>
-                </a:solidFill>
-                <a:latin typeface="Calibri" panose="020F0502020204030204" pitchFamily="34" charset="0"/>
-                <a:cs typeface="Calibri" panose="020F0502020204030204" pitchFamily="34" charset="0"/>
-              </a:rPr>
-              <a:t>javascript</a:t>
-            </a:r>
-            <a:r>
-              <a:rPr lang="es-ES" sz="2000" b="1" dirty="0" smtClean="0">
-                <a:solidFill>
-                  <a:schemeClr val="bg1"/>
-                </a:solidFill>
-                <a:latin typeface="Calibri" panose="020F0502020204030204" pitchFamily="34" charset="0"/>
-                <a:cs typeface="Calibri" panose="020F0502020204030204" pitchFamily="34" charset="0"/>
-              </a:rPr>
-              <a:t>: Web3.js</a:t>
-            </a:r>
-            <a:endParaRPr lang="es-ES" sz="2000" b="1" dirty="0">
+              <a:t>Capítulo 4</a:t>
+            </a:r>
+            <a:endParaRPr lang="es-ES" sz="1600" b="1" dirty="0">
               <a:solidFill>
-                <a:schemeClr val="bg1"/>
+                <a:srgbClr val="548494"/>
               </a:solidFill>
               <a:latin typeface="Calibri" panose="020F0502020204030204" pitchFamily="34" charset="0"/>
               <a:cs typeface="Calibri" panose="020F0502020204030204" pitchFamily="34" charset="0"/>
@@ -8124,6 +10029,361 @@
     <p:extLst>
       <p:ext uri="{BB962C8B-B14F-4D97-AF65-F5344CB8AC3E}">
         <p14:creationId xmlns:p14="http://schemas.microsoft.com/office/powerpoint/2010/main" val="4179998563"/>
+      </p:ext>
+    </p:extLst>
+  </p:cSld>
+  <p:clrMapOvr>
+    <a:masterClrMapping/>
+  </p:clrMapOvr>
+  <p:timing>
+    <p:tnLst>
+      <p:par>
+        <p:cTn id="1" dur="indefinite" restart="never" nodeType="tmRoot">
+          <p:childTnLst>
+            <p:seq concurrent="1" nextAc="seek">
+              <p:cTn id="2" dur="indefinite" nodeType="mainSeq">
+                <p:childTnLst>
+                  <p:par>
+                    <p:cTn id="3" fill="hold">
+                      <p:stCondLst>
+                        <p:cond delay="indefinite"/>
+                      </p:stCondLst>
+                      <p:childTnLst>
+                        <p:par>
+                          <p:cTn id="4" fill="hold">
+                            <p:stCondLst>
+                              <p:cond delay="0"/>
+                            </p:stCondLst>
+                            <p:childTnLst>
+                              <p:par>
+                                <p:cTn id="5" presetID="1" presetClass="entr" presetSubtype="0" fill="hold" grpId="0" nodeType="clickEffect">
+                                  <p:stCondLst>
+                                    <p:cond delay="0"/>
+                                  </p:stCondLst>
+                                  <p:childTnLst>
+                                    <p:set>
+                                      <p:cBhvr>
+                                        <p:cTn id="6" dur="1" fill="hold">
+                                          <p:stCondLst>
+                                            <p:cond delay="0"/>
+                                          </p:stCondLst>
+                                        </p:cTn>
+                                        <p:tgtEl>
+                                          <p:spTgt spid="7"/>
+                                        </p:tgtEl>
+                                        <p:attrNameLst>
+                                          <p:attrName>style.visibility</p:attrName>
+                                        </p:attrNameLst>
+                                      </p:cBhvr>
+                                      <p:to>
+                                        <p:strVal val="visible"/>
+                                      </p:to>
+                                    </p:set>
+                                  </p:childTnLst>
+                                </p:cTn>
+                              </p:par>
+                              <p:par>
+                                <p:cTn id="7" presetID="1" presetClass="entr" presetSubtype="0" fill="hold" nodeType="withEffect">
+                                  <p:stCondLst>
+                                    <p:cond delay="0"/>
+                                  </p:stCondLst>
+                                  <p:childTnLst>
+                                    <p:set>
+                                      <p:cBhvr>
+                                        <p:cTn id="8" dur="1" fill="hold">
+                                          <p:stCondLst>
+                                            <p:cond delay="0"/>
+                                          </p:stCondLst>
+                                        </p:cTn>
+                                        <p:tgtEl>
+                                          <p:spTgt spid="3"/>
+                                        </p:tgtEl>
+                                        <p:attrNameLst>
+                                          <p:attrName>style.visibility</p:attrName>
+                                        </p:attrNameLst>
+                                      </p:cBhvr>
+                                      <p:to>
+                                        <p:strVal val="visible"/>
+                                      </p:to>
+                                    </p:set>
+                                  </p:childTnLst>
+                                </p:cTn>
+                              </p:par>
+                              <p:par>
+                                <p:cTn id="9" presetID="1" presetClass="entr" presetSubtype="0" fill="hold" grpId="0" nodeType="withEffect">
+                                  <p:stCondLst>
+                                    <p:cond delay="0"/>
+                                  </p:stCondLst>
+                                  <p:childTnLst>
+                                    <p:set>
+                                      <p:cBhvr>
+                                        <p:cTn id="10" dur="1" fill="hold">
+                                          <p:stCondLst>
+                                            <p:cond delay="0"/>
+                                          </p:stCondLst>
+                                        </p:cTn>
+                                        <p:tgtEl>
+                                          <p:spTgt spid="2"/>
+                                        </p:tgtEl>
+                                        <p:attrNameLst>
+                                          <p:attrName>style.visibility</p:attrName>
+                                        </p:attrNameLst>
+                                      </p:cBhvr>
+                                      <p:to>
+                                        <p:strVal val="visible"/>
+                                      </p:to>
+                                    </p:set>
+                                  </p:childTnLst>
+                                </p:cTn>
+                              </p:par>
+                              <p:par>
+                                <p:cTn id="11" presetID="1" presetClass="entr" presetSubtype="0" fill="hold" nodeType="withEffect">
+                                  <p:stCondLst>
+                                    <p:cond delay="0"/>
+                                  </p:stCondLst>
+                                  <p:childTnLst>
+                                    <p:set>
+                                      <p:cBhvr>
+                                        <p:cTn id="12" dur="1" fill="hold">
+                                          <p:stCondLst>
+                                            <p:cond delay="0"/>
+                                          </p:stCondLst>
+                                        </p:cTn>
+                                        <p:tgtEl>
+                                          <p:spTgt spid="8"/>
+                                        </p:tgtEl>
+                                        <p:attrNameLst>
+                                          <p:attrName>style.visibility</p:attrName>
+                                        </p:attrNameLst>
+                                      </p:cBhvr>
+                                      <p:to>
+                                        <p:strVal val="visible"/>
+                                      </p:to>
+                                    </p:set>
+                                  </p:childTnLst>
+                                </p:cTn>
+                              </p:par>
+                              <p:par>
+                                <p:cTn id="13" presetID="1" presetClass="entr" presetSubtype="0" fill="hold" grpId="0" nodeType="withEffect">
+                                  <p:stCondLst>
+                                    <p:cond delay="0"/>
+                                  </p:stCondLst>
+                                  <p:childTnLst>
+                                    <p:set>
+                                      <p:cBhvr>
+                                        <p:cTn id="14" dur="1" fill="hold">
+                                          <p:stCondLst>
+                                            <p:cond delay="0"/>
+                                          </p:stCondLst>
+                                        </p:cTn>
+                                        <p:tgtEl>
+                                          <p:spTgt spid="10"/>
+                                        </p:tgtEl>
+                                        <p:attrNameLst>
+                                          <p:attrName>style.visibility</p:attrName>
+                                        </p:attrNameLst>
+                                      </p:cBhvr>
+                                      <p:to>
+                                        <p:strVal val="visible"/>
+                                      </p:to>
+                                    </p:set>
+                                  </p:childTnLst>
+                                </p:cTn>
+                              </p:par>
+                              <p:par>
+                                <p:cTn id="15" presetID="1" presetClass="entr" presetSubtype="0" fill="hold" nodeType="withEffect">
+                                  <p:stCondLst>
+                                    <p:cond delay="0"/>
+                                  </p:stCondLst>
+                                  <p:childTnLst>
+                                    <p:set>
+                                      <p:cBhvr>
+                                        <p:cTn id="16" dur="1" fill="hold">
+                                          <p:stCondLst>
+                                            <p:cond delay="0"/>
+                                          </p:stCondLst>
+                                        </p:cTn>
+                                        <p:tgtEl>
+                                          <p:spTgt spid="9"/>
+                                        </p:tgtEl>
+                                        <p:attrNameLst>
+                                          <p:attrName>style.visibility</p:attrName>
+                                        </p:attrNameLst>
+                                      </p:cBhvr>
+                                      <p:to>
+                                        <p:strVal val="visible"/>
+                                      </p:to>
+                                    </p:set>
+                                  </p:childTnLst>
+                                </p:cTn>
+                              </p:par>
+                              <p:par>
+                                <p:cTn id="17" presetID="1" presetClass="entr" presetSubtype="0" fill="hold" grpId="0" nodeType="withEffect">
+                                  <p:stCondLst>
+                                    <p:cond delay="0"/>
+                                  </p:stCondLst>
+                                  <p:childTnLst>
+                                    <p:set>
+                                      <p:cBhvr>
+                                        <p:cTn id="18" dur="1" fill="hold">
+                                          <p:stCondLst>
+                                            <p:cond delay="0"/>
+                                          </p:stCondLst>
+                                        </p:cTn>
+                                        <p:tgtEl>
+                                          <p:spTgt spid="13"/>
+                                        </p:tgtEl>
+                                        <p:attrNameLst>
+                                          <p:attrName>style.visibility</p:attrName>
+                                        </p:attrNameLst>
+                                      </p:cBhvr>
+                                      <p:to>
+                                        <p:strVal val="visible"/>
+                                      </p:to>
+                                    </p:set>
+                                  </p:childTnLst>
+                                </p:cTn>
+                              </p:par>
+                              <p:par>
+                                <p:cTn id="19" presetID="1" presetClass="entr" presetSubtype="0" fill="hold" nodeType="withEffect">
+                                  <p:stCondLst>
+                                    <p:cond delay="0"/>
+                                  </p:stCondLst>
+                                  <p:childTnLst>
+                                    <p:set>
+                                      <p:cBhvr>
+                                        <p:cTn id="20" dur="1" fill="hold">
+                                          <p:stCondLst>
+                                            <p:cond delay="0"/>
+                                          </p:stCondLst>
+                                        </p:cTn>
+                                        <p:tgtEl>
+                                          <p:spTgt spid="11"/>
+                                        </p:tgtEl>
+                                        <p:attrNameLst>
+                                          <p:attrName>style.visibility</p:attrName>
+                                        </p:attrNameLst>
+                                      </p:cBhvr>
+                                      <p:to>
+                                        <p:strVal val="visible"/>
+                                      </p:to>
+                                    </p:set>
+                                  </p:childTnLst>
+                                </p:cTn>
+                              </p:par>
+                              <p:par>
+                                <p:cTn id="21" presetID="1" presetClass="entr" presetSubtype="0" fill="hold" grpId="0" nodeType="withEffect">
+                                  <p:stCondLst>
+                                    <p:cond delay="0"/>
+                                  </p:stCondLst>
+                                  <p:childTnLst>
+                                    <p:set>
+                                      <p:cBhvr>
+                                        <p:cTn id="22" dur="1" fill="hold">
+                                          <p:stCondLst>
+                                            <p:cond delay="0"/>
+                                          </p:stCondLst>
+                                        </p:cTn>
+                                        <p:tgtEl>
+                                          <p:spTgt spid="14"/>
+                                        </p:tgtEl>
+                                        <p:attrNameLst>
+                                          <p:attrName>style.visibility</p:attrName>
+                                        </p:attrNameLst>
+                                      </p:cBhvr>
+                                      <p:to>
+                                        <p:strVal val="visible"/>
+                                      </p:to>
+                                    </p:set>
+                                  </p:childTnLst>
+                                </p:cTn>
+                              </p:par>
+                              <p:par>
+                                <p:cTn id="23" presetID="1" presetClass="entr" presetSubtype="0" fill="hold" nodeType="withEffect">
+                                  <p:stCondLst>
+                                    <p:cond delay="0"/>
+                                  </p:stCondLst>
+                                  <p:childTnLst>
+                                    <p:set>
+                                      <p:cBhvr>
+                                        <p:cTn id="24" dur="1" fill="hold">
+                                          <p:stCondLst>
+                                            <p:cond delay="0"/>
+                                          </p:stCondLst>
+                                        </p:cTn>
+                                        <p:tgtEl>
+                                          <p:spTgt spid="15"/>
+                                        </p:tgtEl>
+                                        <p:attrNameLst>
+                                          <p:attrName>style.visibility</p:attrName>
+                                        </p:attrNameLst>
+                                      </p:cBhvr>
+                                      <p:to>
+                                        <p:strVal val="visible"/>
+                                      </p:to>
+                                    </p:set>
+                                  </p:childTnLst>
+                                </p:cTn>
+                              </p:par>
+                            </p:childTnLst>
+                          </p:cTn>
+                        </p:par>
+                      </p:childTnLst>
+                    </p:cTn>
+                  </p:par>
+                </p:childTnLst>
+              </p:cTn>
+              <p:prevCondLst>
+                <p:cond evt="onPrev" delay="0">
+                  <p:tgtEl>
+                    <p:sldTgt/>
+                  </p:tgtEl>
+                </p:cond>
+              </p:prevCondLst>
+              <p:nextCondLst>
+                <p:cond evt="onNext" delay="0">
+                  <p:tgtEl>
+                    <p:sldTgt/>
+                  </p:tgtEl>
+                </p:cond>
+              </p:nextCondLst>
+            </p:seq>
+          </p:childTnLst>
+        </p:cTn>
+      </p:par>
+    </p:tnLst>
+    <p:bldLst>
+      <p:bldP spid="2" grpId="0"/>
+      <p:bldP spid="10" grpId="0"/>
+      <p:bldP spid="13" grpId="0"/>
+      <p:bldP spid="14" grpId="0"/>
+      <p:bldP spid="7" grpId="0"/>
+    </p:bldLst>
+  </p:timing>
+</p:sld>
+</file>
+
+<file path=ppt/slides/slide7.xml><?xml version="1.0" encoding="utf-8"?>
+<p:sld xmlns:a="http://schemas.openxmlformats.org/drawingml/2006/main" xmlns:r="http://schemas.openxmlformats.org/officeDocument/2006/relationships" xmlns:p="http://schemas.openxmlformats.org/presentationml/2006/main">
+  <p:cSld>
+    <p:spTree>
+      <p:nvGrpSpPr>
+        <p:cNvPr id="1" name=""/>
+        <p:cNvGrpSpPr/>
+        <p:nvPr/>
+      </p:nvGrpSpPr>
+      <p:grpSpPr>
+        <a:xfrm>
+          <a:off x="0" y="0"/>
+          <a:ext cx="0" cy="0"/>
+          <a:chOff x="0" y="0"/>
+          <a:chExt cx="0" cy="0"/>
+        </a:xfrm>
+      </p:grpSpPr>
+    </p:spTree>
+    <p:extLst>
+      <p:ext uri="{BB962C8B-B14F-4D97-AF65-F5344CB8AC3E}">
+        <p14:creationId xmlns:p14="http://schemas.microsoft.com/office/powerpoint/2010/main" val="4137089967"/>
       </p:ext>
     </p:extLst>
   </p:cSld>
@@ -8394,4 +10654,265 @@
     </a:ext>
   </a:extLst>
 </a:theme>
+</file>
+
+<file path=ppt/theme/theme2.xml><?xml version="1.0" encoding="utf-8"?>
+<a:theme xmlns:a="http://schemas.openxmlformats.org/drawingml/2006/main" name="Tema de Office">
+  <a:themeElements>
+    <a:clrScheme name="Office">
+      <a:dk1>
+        <a:sysClr val="windowText" lastClr="000000"/>
+      </a:dk1>
+      <a:lt1>
+        <a:sysClr val="window" lastClr="FFFFFF"/>
+      </a:lt1>
+      <a:dk2>
+        <a:srgbClr val="44546A"/>
+      </a:dk2>
+      <a:lt2>
+        <a:srgbClr val="E7E6E6"/>
+      </a:lt2>
+      <a:accent1>
+        <a:srgbClr val="5B9BD5"/>
+      </a:accent1>
+      <a:accent2>
+        <a:srgbClr val="ED7D31"/>
+      </a:accent2>
+      <a:accent3>
+        <a:srgbClr val="A5A5A5"/>
+      </a:accent3>
+      <a:accent4>
+        <a:srgbClr val="FFC000"/>
+      </a:accent4>
+      <a:accent5>
+        <a:srgbClr val="4472C4"/>
+      </a:accent5>
+      <a:accent6>
+        <a:srgbClr val="70AD47"/>
+      </a:accent6>
+      <a:hlink>
+        <a:srgbClr val="0563C1"/>
+      </a:hlink>
+      <a:folHlink>
+        <a:srgbClr val="954F72"/>
+      </a:folHlink>
+    </a:clrScheme>
+    <a:fontScheme name="Office">
+      <a:majorFont>
+        <a:latin typeface="Calibri Light" panose="020F0302020204030204"/>
+        <a:ea typeface=""/>
+        <a:cs typeface=""/>
+        <a:font script="Jpan" typeface="ＭＳ Ｐゴシック"/>
+        <a:font script="Hang" typeface="맑은 고딕"/>
+        <a:font script="Hans" typeface="宋体"/>
+        <a:font script="Hant" typeface="新細明體"/>
+        <a:font script="Arab" typeface="Times New Roman"/>
+        <a:font script="Hebr" typeface="Times New Roman"/>
+        <a:font script="Thai" typeface="Angsana New"/>
+        <a:font script="Ethi" typeface="Nyala"/>
+        <a:font script="Beng" typeface="Vrinda"/>
+        <a:font script="Gujr" typeface="Shruti"/>
+        <a:font script="Khmr" typeface="MoolBoran"/>
+        <a:font script="Knda" typeface="Tunga"/>
+        <a:font script="Guru" typeface="Raavi"/>
+        <a:font script="Cans" typeface="Euphemia"/>
+        <a:font script="Cher" typeface="Plantagenet Cherokee"/>
+        <a:font script="Yiii" typeface="Microsoft Yi Baiti"/>
+        <a:font script="Tibt" typeface="Microsoft Himalaya"/>
+        <a:font script="Thaa" typeface="MV Boli"/>
+        <a:font script="Deva" typeface="Mangal"/>
+        <a:font script="Telu" typeface="Gautami"/>
+        <a:font script="Taml" typeface="Latha"/>
+        <a:font script="Syrc" typeface="Estrangelo Edessa"/>
+        <a:font script="Orya" typeface="Kalinga"/>
+        <a:font script="Mlym" typeface="Kartika"/>
+        <a:font script="Laoo" typeface="DokChampa"/>
+        <a:font script="Sinh" typeface="Iskoola Pota"/>
+        <a:font script="Mong" typeface="Mongolian Baiti"/>
+        <a:font script="Viet" typeface="Times New Roman"/>
+        <a:font script="Uigh" typeface="Microsoft Uighur"/>
+        <a:font script="Geor" typeface="Sylfaen"/>
+      </a:majorFont>
+      <a:minorFont>
+        <a:latin typeface="Calibri" panose="020F0502020204030204"/>
+        <a:ea typeface=""/>
+        <a:cs typeface=""/>
+        <a:font script="Jpan" typeface="ＭＳ Ｐゴシック"/>
+        <a:font script="Hang" typeface="맑은 고딕"/>
+        <a:font script="Hans" typeface="宋体"/>
+        <a:font script="Hant" typeface="新細明體"/>
+        <a:font script="Arab" typeface="Arial"/>
+        <a:font script="Hebr" typeface="Arial"/>
+        <a:font script="Thai" typeface="Cordia New"/>
+        <a:font script="Ethi" typeface="Nyala"/>
+        <a:font script="Beng" typeface="Vrinda"/>
+        <a:font script="Gujr" typeface="Shruti"/>
+        <a:font script="Khmr" typeface="DaunPenh"/>
+        <a:font script="Knda" typeface="Tunga"/>
+        <a:font script="Guru" typeface="Raavi"/>
+        <a:font script="Cans" typeface="Euphemia"/>
+        <a:font script="Cher" typeface="Plantagenet Cherokee"/>
+        <a:font script="Yiii" typeface="Microsoft Yi Baiti"/>
+        <a:font script="Tibt" typeface="Microsoft Himalaya"/>
+        <a:font script="Thaa" typeface="MV Boli"/>
+        <a:font script="Deva" typeface="Mangal"/>
+        <a:font script="Telu" typeface="Gautami"/>
+        <a:font script="Taml" typeface="Latha"/>
+        <a:font script="Syrc" typeface="Estrangelo Edessa"/>
+        <a:font script="Orya" typeface="Kalinga"/>
+        <a:font script="Mlym" typeface="Kartika"/>
+        <a:font script="Laoo" typeface="DokChampa"/>
+        <a:font script="Sinh" typeface="Iskoola Pota"/>
+        <a:font script="Mong" typeface="Mongolian Baiti"/>
+        <a:font script="Viet" typeface="Arial"/>
+        <a:font script="Uigh" typeface="Microsoft Uighur"/>
+        <a:font script="Geor" typeface="Sylfaen"/>
+      </a:minorFont>
+    </a:fontScheme>
+    <a:fmtScheme name="Office">
+      <a:fillStyleLst>
+        <a:solidFill>
+          <a:schemeClr val="phClr"/>
+        </a:solidFill>
+        <a:gradFill rotWithShape="1">
+          <a:gsLst>
+            <a:gs pos="0">
+              <a:schemeClr val="phClr">
+                <a:lumMod val="110000"/>
+                <a:satMod val="105000"/>
+                <a:tint val="67000"/>
+              </a:schemeClr>
+            </a:gs>
+            <a:gs pos="50000">
+              <a:schemeClr val="phClr">
+                <a:lumMod val="105000"/>
+                <a:satMod val="103000"/>
+                <a:tint val="73000"/>
+              </a:schemeClr>
+            </a:gs>
+            <a:gs pos="100000">
+              <a:schemeClr val="phClr">
+                <a:lumMod val="105000"/>
+                <a:satMod val="109000"/>
+                <a:tint val="81000"/>
+              </a:schemeClr>
+            </a:gs>
+          </a:gsLst>
+          <a:lin ang="5400000" scaled="0"/>
+        </a:gradFill>
+        <a:gradFill rotWithShape="1">
+          <a:gsLst>
+            <a:gs pos="0">
+              <a:schemeClr val="phClr">
+                <a:satMod val="103000"/>
+                <a:lumMod val="102000"/>
+                <a:tint val="94000"/>
+              </a:schemeClr>
+            </a:gs>
+            <a:gs pos="50000">
+              <a:schemeClr val="phClr">
+                <a:satMod val="110000"/>
+                <a:lumMod val="100000"/>
+                <a:shade val="100000"/>
+              </a:schemeClr>
+            </a:gs>
+            <a:gs pos="100000">
+              <a:schemeClr val="phClr">
+                <a:lumMod val="99000"/>
+                <a:satMod val="120000"/>
+                <a:shade val="78000"/>
+              </a:schemeClr>
+            </a:gs>
+          </a:gsLst>
+          <a:lin ang="5400000" scaled="0"/>
+        </a:gradFill>
+      </a:fillStyleLst>
+      <a:lnStyleLst>
+        <a:ln w="6350" cap="flat" cmpd="sng" algn="ctr">
+          <a:solidFill>
+            <a:schemeClr val="phClr"/>
+          </a:solidFill>
+          <a:prstDash val="solid"/>
+          <a:miter lim="800000"/>
+        </a:ln>
+        <a:ln w="12700" cap="flat" cmpd="sng" algn="ctr">
+          <a:solidFill>
+            <a:schemeClr val="phClr"/>
+          </a:solidFill>
+          <a:prstDash val="solid"/>
+          <a:miter lim="800000"/>
+        </a:ln>
+        <a:ln w="19050" cap="flat" cmpd="sng" algn="ctr">
+          <a:solidFill>
+            <a:schemeClr val="phClr"/>
+          </a:solidFill>
+          <a:prstDash val="solid"/>
+          <a:miter lim="800000"/>
+        </a:ln>
+      </a:lnStyleLst>
+      <a:effectStyleLst>
+        <a:effectStyle>
+          <a:effectLst/>
+        </a:effectStyle>
+        <a:effectStyle>
+          <a:effectLst/>
+        </a:effectStyle>
+        <a:effectStyle>
+          <a:effectLst>
+            <a:outerShdw blurRad="57150" dist="19050" dir="5400000" algn="ctr" rotWithShape="0">
+              <a:srgbClr val="000000">
+                <a:alpha val="63000"/>
+              </a:srgbClr>
+            </a:outerShdw>
+          </a:effectLst>
+        </a:effectStyle>
+      </a:effectStyleLst>
+      <a:bgFillStyleLst>
+        <a:solidFill>
+          <a:schemeClr val="phClr"/>
+        </a:solidFill>
+        <a:solidFill>
+          <a:schemeClr val="phClr">
+            <a:tint val="95000"/>
+            <a:satMod val="170000"/>
+          </a:schemeClr>
+        </a:solidFill>
+        <a:gradFill rotWithShape="1">
+          <a:gsLst>
+            <a:gs pos="0">
+              <a:schemeClr val="phClr">
+                <a:tint val="93000"/>
+                <a:satMod val="150000"/>
+                <a:shade val="98000"/>
+                <a:lumMod val="102000"/>
+              </a:schemeClr>
+            </a:gs>
+            <a:gs pos="50000">
+              <a:schemeClr val="phClr">
+                <a:tint val="98000"/>
+                <a:satMod val="130000"/>
+                <a:shade val="90000"/>
+                <a:lumMod val="103000"/>
+              </a:schemeClr>
+            </a:gs>
+            <a:gs pos="100000">
+              <a:schemeClr val="phClr">
+                <a:shade val="63000"/>
+                <a:satMod val="120000"/>
+              </a:schemeClr>
+            </a:gs>
+          </a:gsLst>
+          <a:lin ang="5400000" scaled="0"/>
+        </a:gradFill>
+      </a:bgFillStyleLst>
+    </a:fmtScheme>
+  </a:themeElements>
+  <a:objectDefaults/>
+  <a:extraClrSchemeLst/>
+  <a:extLst>
+    <a:ext uri="{05A4C25C-085E-4340-85A3-A5531E510DB2}">
+      <thm15:themeFamily xmlns:thm15="http://schemas.microsoft.com/office/thememl/2012/main" name="Office Theme" id="{62F939B6-93AF-4DB8-9C6B-D6C7DFDC589F}" vid="{4A3C46E8-61CC-4603-A589-7422A47A8E4A}"/>
+    </a:ext>
+  </a:extLst>
+</a:theme>
 </file>